--- a/doc/tex/sdf/simplified_coherent_receiver/figures/Simulation_setup_Rx.pptx
+++ b/doc/tex/sdf/simplified_coherent_receiver/figures/Simulation_setup_Rx.pptx
@@ -243,7 +243,7 @@
           <a:p>
             <a:fld id="{2680F75E-BF8A-4352-8DF2-5712531B63DB}" type="datetimeFigureOut">
               <a:rPr lang="pt-PT" smtClean="0"/>
-              <a:t>12/10/2017</a:t>
+              <a:t>13/10/2017</a:t>
             </a:fld>
             <a:endParaRPr lang="pt-PT"/>
           </a:p>
@@ -413,7 +413,7 @@
           <a:p>
             <a:fld id="{2680F75E-BF8A-4352-8DF2-5712531B63DB}" type="datetimeFigureOut">
               <a:rPr lang="pt-PT" smtClean="0"/>
-              <a:t>12/10/2017</a:t>
+              <a:t>13/10/2017</a:t>
             </a:fld>
             <a:endParaRPr lang="pt-PT"/>
           </a:p>
@@ -593,7 +593,7 @@
           <a:p>
             <a:fld id="{2680F75E-BF8A-4352-8DF2-5712531B63DB}" type="datetimeFigureOut">
               <a:rPr lang="pt-PT" smtClean="0"/>
-              <a:t>12/10/2017</a:t>
+              <a:t>13/10/2017</a:t>
             </a:fld>
             <a:endParaRPr lang="pt-PT"/>
           </a:p>
@@ -763,7 +763,7 @@
           <a:p>
             <a:fld id="{2680F75E-BF8A-4352-8DF2-5712531B63DB}" type="datetimeFigureOut">
               <a:rPr lang="pt-PT" smtClean="0"/>
-              <a:t>12/10/2017</a:t>
+              <a:t>13/10/2017</a:t>
             </a:fld>
             <a:endParaRPr lang="pt-PT"/>
           </a:p>
@@ -1009,7 +1009,7 @@
           <a:p>
             <a:fld id="{2680F75E-BF8A-4352-8DF2-5712531B63DB}" type="datetimeFigureOut">
               <a:rPr lang="pt-PT" smtClean="0"/>
-              <a:t>12/10/2017</a:t>
+              <a:t>13/10/2017</a:t>
             </a:fld>
             <a:endParaRPr lang="pt-PT"/>
           </a:p>
@@ -1241,7 +1241,7 @@
           <a:p>
             <a:fld id="{2680F75E-BF8A-4352-8DF2-5712531B63DB}" type="datetimeFigureOut">
               <a:rPr lang="pt-PT" smtClean="0"/>
-              <a:t>12/10/2017</a:t>
+              <a:t>13/10/2017</a:t>
             </a:fld>
             <a:endParaRPr lang="pt-PT"/>
           </a:p>
@@ -1608,7 +1608,7 @@
           <a:p>
             <a:fld id="{2680F75E-BF8A-4352-8DF2-5712531B63DB}" type="datetimeFigureOut">
               <a:rPr lang="pt-PT" smtClean="0"/>
-              <a:t>12/10/2017</a:t>
+              <a:t>13/10/2017</a:t>
             </a:fld>
             <a:endParaRPr lang="pt-PT"/>
           </a:p>
@@ -1726,7 +1726,7 @@
           <a:p>
             <a:fld id="{2680F75E-BF8A-4352-8DF2-5712531B63DB}" type="datetimeFigureOut">
               <a:rPr lang="pt-PT" smtClean="0"/>
-              <a:t>12/10/2017</a:t>
+              <a:t>13/10/2017</a:t>
             </a:fld>
             <a:endParaRPr lang="pt-PT"/>
           </a:p>
@@ -1821,7 +1821,7 @@
           <a:p>
             <a:fld id="{2680F75E-BF8A-4352-8DF2-5712531B63DB}" type="datetimeFigureOut">
               <a:rPr lang="pt-PT" smtClean="0"/>
-              <a:t>12/10/2017</a:t>
+              <a:t>13/10/2017</a:t>
             </a:fld>
             <a:endParaRPr lang="pt-PT"/>
           </a:p>
@@ -2098,7 +2098,7 @@
           <a:p>
             <a:fld id="{2680F75E-BF8A-4352-8DF2-5712531B63DB}" type="datetimeFigureOut">
               <a:rPr lang="pt-PT" smtClean="0"/>
-              <a:t>12/10/2017</a:t>
+              <a:t>13/10/2017</a:t>
             </a:fld>
             <a:endParaRPr lang="pt-PT"/>
           </a:p>
@@ -2351,7 +2351,7 @@
           <a:p>
             <a:fld id="{2680F75E-BF8A-4352-8DF2-5712531B63DB}" type="datetimeFigureOut">
               <a:rPr lang="pt-PT" smtClean="0"/>
-              <a:t>12/10/2017</a:t>
+              <a:t>13/10/2017</a:t>
             </a:fld>
             <a:endParaRPr lang="pt-PT"/>
           </a:p>
@@ -2564,7 +2564,7 @@
           <a:p>
             <a:fld id="{2680F75E-BF8A-4352-8DF2-5712531B63DB}" type="datetimeFigureOut">
               <a:rPr lang="pt-PT" smtClean="0"/>
-              <a:t>12/10/2017</a:t>
+              <a:t>13/10/2017</a:t>
             </a:fld>
             <a:endParaRPr lang="pt-PT"/>
           </a:p>
@@ -2977,10 +2977,10 @@
         </p:nvGrpSpPr>
         <p:grpSpPr>
           <a:xfrm>
-            <a:off x="53851" y="1210748"/>
-            <a:ext cx="11811924" cy="4924294"/>
-            <a:chOff x="53647" y="1587821"/>
-            <a:chExt cx="11811924" cy="4924294"/>
+            <a:off x="53851" y="1139821"/>
+            <a:ext cx="11729381" cy="4676049"/>
+            <a:chOff x="53647" y="1516894"/>
+            <a:chExt cx="11729381" cy="4676049"/>
           </a:xfrm>
         </p:grpSpPr>
         <p:sp>
@@ -3677,8 +3677,8 @@
             </p:sp>
           </mc:Fallback>
         </mc:AlternateContent>
-        <mc:AlternateContent xmlns:mc="http://schemas.openxmlformats.org/markup-compatibility/2006" xmlns:a14="http://schemas.microsoft.com/office/drawing/2010/main">
-          <mc:Choice Requires="a14">
+        <mc:AlternateContent xmlns:mc="http://schemas.openxmlformats.org/markup-compatibility/2006">
+          <mc:Choice xmlns:a14="http://schemas.microsoft.com/office/drawing/2010/main" Requires="a14">
             <p:sp>
               <p:nvSpPr>
                 <p:cNvPr id="110" name="Rectangle 109"/>
@@ -4063,7 +4063,7 @@
               </p:txBody>
             </p:sp>
           </mc:Choice>
-          <mc:Fallback xmlns="">
+          <mc:Fallback>
             <p:sp>
               <p:nvSpPr>
                 <p:cNvPr id="110" name="Rectangle 109"/>
@@ -4302,8 +4302,8 @@
           </p:nvSpPr>
           <p:spPr>
             <a:xfrm>
-              <a:off x="3989134" y="1598079"/>
-              <a:ext cx="7876437" cy="1760433"/>
+              <a:off x="3996261" y="1516894"/>
+              <a:ext cx="7786767" cy="1922804"/>
             </a:xfrm>
             <a:prstGeom prst="rect">
               <a:avLst/>
@@ -5813,869 +5813,6 @@
             </p:sp>
           </mc:Fallback>
         </mc:AlternateContent>
-        <p:grpSp>
-          <p:nvGrpSpPr>
-            <p:cNvPr id="10" name="Group 9"/>
-            <p:cNvGrpSpPr/>
-            <p:nvPr/>
-          </p:nvGrpSpPr>
-          <p:grpSpPr>
-            <a:xfrm>
-              <a:off x="5137536" y="4111636"/>
-              <a:ext cx="2432231" cy="2264814"/>
-              <a:chOff x="4935030" y="3897984"/>
-              <a:chExt cx="3112939" cy="2740326"/>
-            </a:xfrm>
-          </p:grpSpPr>
-          <p:cxnSp>
-            <p:nvCxnSpPr>
-              <p:cNvPr id="3" name="Straight Arrow Connector 2"/>
-              <p:cNvCxnSpPr/>
-              <p:nvPr/>
-            </p:nvCxnSpPr>
-            <p:spPr>
-              <a:xfrm>
-                <a:off x="6491500" y="3897984"/>
-                <a:ext cx="0" cy="2740326"/>
-              </a:xfrm>
-              <a:prstGeom prst="straightConnector1">
-                <a:avLst/>
-              </a:prstGeom>
-              <a:ln w="28575">
-                <a:headEnd type="triangle"/>
-                <a:tailEnd type="triangle"/>
-              </a:ln>
-            </p:spPr>
-            <p:style>
-              <a:lnRef idx="1">
-                <a:schemeClr val="accent1"/>
-              </a:lnRef>
-              <a:fillRef idx="0">
-                <a:schemeClr val="accent1"/>
-              </a:fillRef>
-              <a:effectRef idx="0">
-                <a:schemeClr val="accent1"/>
-              </a:effectRef>
-              <a:fontRef idx="minor">
-                <a:schemeClr val="tx1"/>
-              </a:fontRef>
-            </p:style>
-          </p:cxnSp>
-          <p:cxnSp>
-            <p:nvCxnSpPr>
-              <p:cNvPr id="43" name="Straight Arrow Connector 42"/>
-              <p:cNvCxnSpPr/>
-              <p:nvPr/>
-            </p:nvCxnSpPr>
-            <p:spPr>
-              <a:xfrm rot="5400000" flipH="1" flipV="1">
-                <a:off x="6491500" y="3687573"/>
-                <a:ext cx="0" cy="3112939"/>
-              </a:xfrm>
-              <a:prstGeom prst="straightConnector1">
-                <a:avLst/>
-              </a:prstGeom>
-              <a:ln w="28575">
-                <a:headEnd type="triangle"/>
-                <a:tailEnd type="triangle"/>
-              </a:ln>
-            </p:spPr>
-            <p:style>
-              <a:lnRef idx="1">
-                <a:schemeClr val="accent1"/>
-              </a:lnRef>
-              <a:fillRef idx="0">
-                <a:schemeClr val="accent1"/>
-              </a:fillRef>
-              <a:effectRef idx="0">
-                <a:schemeClr val="accent1"/>
-              </a:effectRef>
-              <a:fontRef idx="minor">
-                <a:schemeClr val="tx1"/>
-              </a:fontRef>
-            </p:style>
-          </p:cxnSp>
-        </p:grpSp>
-        <p:grpSp>
-          <p:nvGrpSpPr>
-            <p:cNvPr id="13" name="Group 12"/>
-            <p:cNvGrpSpPr/>
-            <p:nvPr/>
-          </p:nvGrpSpPr>
-          <p:grpSpPr>
-            <a:xfrm>
-              <a:off x="6542770" y="4443176"/>
-              <a:ext cx="636566" cy="576212"/>
-              <a:chOff x="3360314" y="4457266"/>
-              <a:chExt cx="814722" cy="697191"/>
-            </a:xfrm>
-          </p:grpSpPr>
-          <p:sp>
-            <p:nvSpPr>
-              <p:cNvPr id="11" name="Oval 10"/>
-              <p:cNvSpPr/>
-              <p:nvPr/>
-            </p:nvSpPr>
-            <p:spPr>
-              <a:xfrm>
-                <a:off x="3360314" y="4457266"/>
-                <a:ext cx="106937" cy="106188"/>
-              </a:xfrm>
-              <a:prstGeom prst="ellipse">
-                <a:avLst/>
-              </a:prstGeom>
-            </p:spPr>
-            <p:style>
-              <a:lnRef idx="2">
-                <a:schemeClr val="accent1">
-                  <a:shade val="50000"/>
-                </a:schemeClr>
-              </a:lnRef>
-              <a:fillRef idx="1">
-                <a:schemeClr val="accent1"/>
-              </a:fillRef>
-              <a:effectRef idx="0">
-                <a:schemeClr val="accent1"/>
-              </a:effectRef>
-              <a:fontRef idx="minor">
-                <a:schemeClr val="lt1"/>
-              </a:fontRef>
-            </p:style>
-            <p:txBody>
-              <a:bodyPr rtlCol="0" anchor="ctr"/>
-              <a:lstStyle/>
-              <a:p>
-                <a:pPr algn="ctr"/>
-                <a:endParaRPr lang="en-US"/>
-              </a:p>
-            </p:txBody>
-          </p:sp>
-          <p:sp>
-            <p:nvSpPr>
-              <p:cNvPr id="50" name="Oval 49"/>
-              <p:cNvSpPr/>
-              <p:nvPr/>
-            </p:nvSpPr>
-            <p:spPr>
-              <a:xfrm>
-                <a:off x="3605369" y="4457266"/>
-                <a:ext cx="106937" cy="106188"/>
-              </a:xfrm>
-              <a:prstGeom prst="ellipse">
-                <a:avLst/>
-              </a:prstGeom>
-            </p:spPr>
-            <p:style>
-              <a:lnRef idx="2">
-                <a:schemeClr val="accent1">
-                  <a:shade val="50000"/>
-                </a:schemeClr>
-              </a:lnRef>
-              <a:fillRef idx="1">
-                <a:schemeClr val="accent1"/>
-              </a:fillRef>
-              <a:effectRef idx="0">
-                <a:schemeClr val="accent1"/>
-              </a:effectRef>
-              <a:fontRef idx="minor">
-                <a:schemeClr val="lt1"/>
-              </a:fontRef>
-            </p:style>
-            <p:txBody>
-              <a:bodyPr rtlCol="0" anchor="ctr"/>
-              <a:lstStyle/>
-              <a:p>
-                <a:pPr algn="ctr"/>
-                <a:endParaRPr lang="en-US"/>
-              </a:p>
-            </p:txBody>
-          </p:sp>
-          <p:sp>
-            <p:nvSpPr>
-              <p:cNvPr id="52" name="Oval 51"/>
-              <p:cNvSpPr/>
-              <p:nvPr/>
-            </p:nvSpPr>
-            <p:spPr>
-              <a:xfrm>
-                <a:off x="3823044" y="4457266"/>
-                <a:ext cx="106937" cy="106188"/>
-              </a:xfrm>
-              <a:prstGeom prst="ellipse">
-                <a:avLst/>
-              </a:prstGeom>
-            </p:spPr>
-            <p:style>
-              <a:lnRef idx="2">
-                <a:schemeClr val="accent1">
-                  <a:shade val="50000"/>
-                </a:schemeClr>
-              </a:lnRef>
-              <a:fillRef idx="1">
-                <a:schemeClr val="accent1"/>
-              </a:fillRef>
-              <a:effectRef idx="0">
-                <a:schemeClr val="accent1"/>
-              </a:effectRef>
-              <a:fontRef idx="minor">
-                <a:schemeClr val="lt1"/>
-              </a:fontRef>
-            </p:style>
-            <p:txBody>
-              <a:bodyPr rtlCol="0" anchor="ctr"/>
-              <a:lstStyle/>
-              <a:p>
-                <a:pPr algn="ctr"/>
-                <a:endParaRPr lang="en-US"/>
-              </a:p>
-            </p:txBody>
-          </p:sp>
-          <p:sp>
-            <p:nvSpPr>
-              <p:cNvPr id="53" name="Oval 52"/>
-              <p:cNvSpPr/>
-              <p:nvPr/>
-            </p:nvSpPr>
-            <p:spPr>
-              <a:xfrm>
-                <a:off x="4068099" y="4457266"/>
-                <a:ext cx="106937" cy="106188"/>
-              </a:xfrm>
-              <a:prstGeom prst="ellipse">
-                <a:avLst/>
-              </a:prstGeom>
-            </p:spPr>
-            <p:style>
-              <a:lnRef idx="2">
-                <a:schemeClr val="accent1">
-                  <a:shade val="50000"/>
-                </a:schemeClr>
-              </a:lnRef>
-              <a:fillRef idx="1">
-                <a:schemeClr val="accent1"/>
-              </a:fillRef>
-              <a:effectRef idx="0">
-                <a:schemeClr val="accent1"/>
-              </a:effectRef>
-              <a:fontRef idx="minor">
-                <a:schemeClr val="lt1"/>
-              </a:fontRef>
-            </p:style>
-            <p:txBody>
-              <a:bodyPr rtlCol="0" anchor="ctr"/>
-              <a:lstStyle/>
-              <a:p>
-                <a:pPr algn="ctr"/>
-                <a:endParaRPr lang="en-US"/>
-              </a:p>
-            </p:txBody>
-          </p:sp>
-          <p:sp>
-            <p:nvSpPr>
-              <p:cNvPr id="54" name="Oval 53"/>
-              <p:cNvSpPr/>
-              <p:nvPr/>
-            </p:nvSpPr>
-            <p:spPr>
-              <a:xfrm>
-                <a:off x="3360314" y="4645419"/>
-                <a:ext cx="106937" cy="106188"/>
-              </a:xfrm>
-              <a:prstGeom prst="ellipse">
-                <a:avLst/>
-              </a:prstGeom>
-            </p:spPr>
-            <p:style>
-              <a:lnRef idx="2">
-                <a:schemeClr val="accent1">
-                  <a:shade val="50000"/>
-                </a:schemeClr>
-              </a:lnRef>
-              <a:fillRef idx="1">
-                <a:schemeClr val="accent1"/>
-              </a:fillRef>
-              <a:effectRef idx="0">
-                <a:schemeClr val="accent1"/>
-              </a:effectRef>
-              <a:fontRef idx="minor">
-                <a:schemeClr val="lt1"/>
-              </a:fontRef>
-            </p:style>
-            <p:txBody>
-              <a:bodyPr rtlCol="0" anchor="ctr"/>
-              <a:lstStyle/>
-              <a:p>
-                <a:pPr algn="ctr"/>
-                <a:endParaRPr lang="en-US"/>
-              </a:p>
-            </p:txBody>
-          </p:sp>
-          <p:sp>
-            <p:nvSpPr>
-              <p:cNvPr id="55" name="Oval 54"/>
-              <p:cNvSpPr/>
-              <p:nvPr/>
-            </p:nvSpPr>
-            <p:spPr>
-              <a:xfrm>
-                <a:off x="3605369" y="4645419"/>
-                <a:ext cx="106937" cy="106188"/>
-              </a:xfrm>
-              <a:prstGeom prst="ellipse">
-                <a:avLst/>
-              </a:prstGeom>
-            </p:spPr>
-            <p:style>
-              <a:lnRef idx="2">
-                <a:schemeClr val="accent1">
-                  <a:shade val="50000"/>
-                </a:schemeClr>
-              </a:lnRef>
-              <a:fillRef idx="1">
-                <a:schemeClr val="accent1"/>
-              </a:fillRef>
-              <a:effectRef idx="0">
-                <a:schemeClr val="accent1"/>
-              </a:effectRef>
-              <a:fontRef idx="minor">
-                <a:schemeClr val="lt1"/>
-              </a:fontRef>
-            </p:style>
-            <p:txBody>
-              <a:bodyPr rtlCol="0" anchor="ctr"/>
-              <a:lstStyle/>
-              <a:p>
-                <a:pPr algn="ctr"/>
-                <a:endParaRPr lang="en-US"/>
-              </a:p>
-            </p:txBody>
-          </p:sp>
-          <p:sp>
-            <p:nvSpPr>
-              <p:cNvPr id="57" name="Oval 56"/>
-              <p:cNvSpPr/>
-              <p:nvPr/>
-            </p:nvSpPr>
-            <p:spPr>
-              <a:xfrm>
-                <a:off x="3823044" y="4645419"/>
-                <a:ext cx="106937" cy="106188"/>
-              </a:xfrm>
-              <a:prstGeom prst="ellipse">
-                <a:avLst/>
-              </a:prstGeom>
-            </p:spPr>
-            <p:style>
-              <a:lnRef idx="2">
-                <a:schemeClr val="accent1">
-                  <a:shade val="50000"/>
-                </a:schemeClr>
-              </a:lnRef>
-              <a:fillRef idx="1">
-                <a:schemeClr val="accent1"/>
-              </a:fillRef>
-              <a:effectRef idx="0">
-                <a:schemeClr val="accent1"/>
-              </a:effectRef>
-              <a:fontRef idx="minor">
-                <a:schemeClr val="lt1"/>
-              </a:fontRef>
-            </p:style>
-            <p:txBody>
-              <a:bodyPr rtlCol="0" anchor="ctr"/>
-              <a:lstStyle/>
-              <a:p>
-                <a:pPr algn="ctr"/>
-                <a:endParaRPr lang="en-US"/>
-              </a:p>
-            </p:txBody>
-          </p:sp>
-          <p:sp>
-            <p:nvSpPr>
-              <p:cNvPr id="61" name="Oval 60"/>
-              <p:cNvSpPr/>
-              <p:nvPr/>
-            </p:nvSpPr>
-            <p:spPr>
-              <a:xfrm>
-                <a:off x="4068099" y="4645419"/>
-                <a:ext cx="106937" cy="106188"/>
-              </a:xfrm>
-              <a:prstGeom prst="ellipse">
-                <a:avLst/>
-              </a:prstGeom>
-            </p:spPr>
-            <p:style>
-              <a:lnRef idx="2">
-                <a:schemeClr val="accent1">
-                  <a:shade val="50000"/>
-                </a:schemeClr>
-              </a:lnRef>
-              <a:fillRef idx="1">
-                <a:schemeClr val="accent1"/>
-              </a:fillRef>
-              <a:effectRef idx="0">
-                <a:schemeClr val="accent1"/>
-              </a:effectRef>
-              <a:fontRef idx="minor">
-                <a:schemeClr val="lt1"/>
-              </a:fontRef>
-            </p:style>
-            <p:txBody>
-              <a:bodyPr rtlCol="0" anchor="ctr"/>
-              <a:lstStyle/>
-              <a:p>
-                <a:pPr algn="ctr"/>
-                <a:endParaRPr lang="en-US"/>
-              </a:p>
-            </p:txBody>
-          </p:sp>
-          <p:sp>
-            <p:nvSpPr>
-              <p:cNvPr id="62" name="Oval 61"/>
-              <p:cNvSpPr/>
-              <p:nvPr/>
-            </p:nvSpPr>
-            <p:spPr>
-              <a:xfrm>
-                <a:off x="3360314" y="4860116"/>
-                <a:ext cx="106937" cy="106188"/>
-              </a:xfrm>
-              <a:prstGeom prst="ellipse">
-                <a:avLst/>
-              </a:prstGeom>
-            </p:spPr>
-            <p:style>
-              <a:lnRef idx="2">
-                <a:schemeClr val="accent1">
-                  <a:shade val="50000"/>
-                </a:schemeClr>
-              </a:lnRef>
-              <a:fillRef idx="1">
-                <a:schemeClr val="accent1"/>
-              </a:fillRef>
-              <a:effectRef idx="0">
-                <a:schemeClr val="accent1"/>
-              </a:effectRef>
-              <a:fontRef idx="minor">
-                <a:schemeClr val="lt1"/>
-              </a:fontRef>
-            </p:style>
-            <p:txBody>
-              <a:bodyPr rtlCol="0" anchor="ctr"/>
-              <a:lstStyle/>
-              <a:p>
-                <a:pPr algn="ctr"/>
-                <a:endParaRPr lang="en-US"/>
-              </a:p>
-            </p:txBody>
-          </p:sp>
-          <p:sp>
-            <p:nvSpPr>
-              <p:cNvPr id="63" name="Oval 62"/>
-              <p:cNvSpPr/>
-              <p:nvPr/>
-            </p:nvSpPr>
-            <p:spPr>
-              <a:xfrm>
-                <a:off x="3605369" y="4860116"/>
-                <a:ext cx="106937" cy="106188"/>
-              </a:xfrm>
-              <a:prstGeom prst="ellipse">
-                <a:avLst/>
-              </a:prstGeom>
-            </p:spPr>
-            <p:style>
-              <a:lnRef idx="2">
-                <a:schemeClr val="accent1">
-                  <a:shade val="50000"/>
-                </a:schemeClr>
-              </a:lnRef>
-              <a:fillRef idx="1">
-                <a:schemeClr val="accent1"/>
-              </a:fillRef>
-              <a:effectRef idx="0">
-                <a:schemeClr val="accent1"/>
-              </a:effectRef>
-              <a:fontRef idx="minor">
-                <a:schemeClr val="lt1"/>
-              </a:fontRef>
-            </p:style>
-            <p:txBody>
-              <a:bodyPr rtlCol="0" anchor="ctr"/>
-              <a:lstStyle/>
-              <a:p>
-                <a:pPr algn="ctr"/>
-                <a:endParaRPr lang="en-US"/>
-              </a:p>
-            </p:txBody>
-          </p:sp>
-          <p:sp>
-            <p:nvSpPr>
-              <p:cNvPr id="66" name="Oval 65"/>
-              <p:cNvSpPr/>
-              <p:nvPr/>
-            </p:nvSpPr>
-            <p:spPr>
-              <a:xfrm>
-                <a:off x="3823044" y="4860116"/>
-                <a:ext cx="106937" cy="106188"/>
-              </a:xfrm>
-              <a:prstGeom prst="ellipse">
-                <a:avLst/>
-              </a:prstGeom>
-            </p:spPr>
-            <p:style>
-              <a:lnRef idx="2">
-                <a:schemeClr val="accent1">
-                  <a:shade val="50000"/>
-                </a:schemeClr>
-              </a:lnRef>
-              <a:fillRef idx="1">
-                <a:schemeClr val="accent1"/>
-              </a:fillRef>
-              <a:effectRef idx="0">
-                <a:schemeClr val="accent1"/>
-              </a:effectRef>
-              <a:fontRef idx="minor">
-                <a:schemeClr val="lt1"/>
-              </a:fontRef>
-            </p:style>
-            <p:txBody>
-              <a:bodyPr rtlCol="0" anchor="ctr"/>
-              <a:lstStyle/>
-              <a:p>
-                <a:pPr algn="ctr"/>
-                <a:endParaRPr lang="en-US"/>
-              </a:p>
-            </p:txBody>
-          </p:sp>
-          <p:sp>
-            <p:nvSpPr>
-              <p:cNvPr id="67" name="Oval 66"/>
-              <p:cNvSpPr/>
-              <p:nvPr/>
-            </p:nvSpPr>
-            <p:spPr>
-              <a:xfrm>
-                <a:off x="4068099" y="4860116"/>
-                <a:ext cx="106937" cy="106188"/>
-              </a:xfrm>
-              <a:prstGeom prst="ellipse">
-                <a:avLst/>
-              </a:prstGeom>
-            </p:spPr>
-            <p:style>
-              <a:lnRef idx="2">
-                <a:schemeClr val="accent1">
-                  <a:shade val="50000"/>
-                </a:schemeClr>
-              </a:lnRef>
-              <a:fillRef idx="1">
-                <a:schemeClr val="accent1"/>
-              </a:fillRef>
-              <a:effectRef idx="0">
-                <a:schemeClr val="accent1"/>
-              </a:effectRef>
-              <a:fontRef idx="minor">
-                <a:schemeClr val="lt1"/>
-              </a:fontRef>
-            </p:style>
-            <p:txBody>
-              <a:bodyPr rtlCol="0" anchor="ctr"/>
-              <a:lstStyle/>
-              <a:p>
-                <a:pPr algn="ctr"/>
-                <a:endParaRPr lang="en-US"/>
-              </a:p>
-            </p:txBody>
-          </p:sp>
-          <p:sp>
-            <p:nvSpPr>
-              <p:cNvPr id="70" name="Oval 69"/>
-              <p:cNvSpPr/>
-              <p:nvPr/>
-            </p:nvSpPr>
-            <p:spPr>
-              <a:xfrm>
-                <a:off x="3360314" y="5048269"/>
-                <a:ext cx="106937" cy="106188"/>
-              </a:xfrm>
-              <a:prstGeom prst="ellipse">
-                <a:avLst/>
-              </a:prstGeom>
-            </p:spPr>
-            <p:style>
-              <a:lnRef idx="2">
-                <a:schemeClr val="accent1">
-                  <a:shade val="50000"/>
-                </a:schemeClr>
-              </a:lnRef>
-              <a:fillRef idx="1">
-                <a:schemeClr val="accent1"/>
-              </a:fillRef>
-              <a:effectRef idx="0">
-                <a:schemeClr val="accent1"/>
-              </a:effectRef>
-              <a:fontRef idx="minor">
-                <a:schemeClr val="lt1"/>
-              </a:fontRef>
-            </p:style>
-            <p:txBody>
-              <a:bodyPr rtlCol="0" anchor="ctr"/>
-              <a:lstStyle/>
-              <a:p>
-                <a:pPr algn="ctr"/>
-                <a:endParaRPr lang="en-US"/>
-              </a:p>
-            </p:txBody>
-          </p:sp>
-          <p:sp>
-            <p:nvSpPr>
-              <p:cNvPr id="71" name="Oval 70"/>
-              <p:cNvSpPr/>
-              <p:nvPr/>
-            </p:nvSpPr>
-            <p:spPr>
-              <a:xfrm>
-                <a:off x="3605369" y="5048269"/>
-                <a:ext cx="106937" cy="106188"/>
-              </a:xfrm>
-              <a:prstGeom prst="ellipse">
-                <a:avLst/>
-              </a:prstGeom>
-            </p:spPr>
-            <p:style>
-              <a:lnRef idx="2">
-                <a:schemeClr val="accent1">
-                  <a:shade val="50000"/>
-                </a:schemeClr>
-              </a:lnRef>
-              <a:fillRef idx="1">
-                <a:schemeClr val="accent1"/>
-              </a:fillRef>
-              <a:effectRef idx="0">
-                <a:schemeClr val="accent1"/>
-              </a:effectRef>
-              <a:fontRef idx="minor">
-                <a:schemeClr val="lt1"/>
-              </a:fontRef>
-            </p:style>
-            <p:txBody>
-              <a:bodyPr rtlCol="0" anchor="ctr"/>
-              <a:lstStyle/>
-              <a:p>
-                <a:pPr algn="ctr"/>
-                <a:endParaRPr lang="en-US"/>
-              </a:p>
-            </p:txBody>
-          </p:sp>
-          <p:sp>
-            <p:nvSpPr>
-              <p:cNvPr id="72" name="Oval 71"/>
-              <p:cNvSpPr/>
-              <p:nvPr/>
-            </p:nvSpPr>
-            <p:spPr>
-              <a:xfrm>
-                <a:off x="3823044" y="5048269"/>
-                <a:ext cx="106937" cy="106188"/>
-              </a:xfrm>
-              <a:prstGeom prst="ellipse">
-                <a:avLst/>
-              </a:prstGeom>
-            </p:spPr>
-            <p:style>
-              <a:lnRef idx="2">
-                <a:schemeClr val="accent1">
-                  <a:shade val="50000"/>
-                </a:schemeClr>
-              </a:lnRef>
-              <a:fillRef idx="1">
-                <a:schemeClr val="accent1"/>
-              </a:fillRef>
-              <a:effectRef idx="0">
-                <a:schemeClr val="accent1"/>
-              </a:effectRef>
-              <a:fontRef idx="minor">
-                <a:schemeClr val="lt1"/>
-              </a:fontRef>
-            </p:style>
-            <p:txBody>
-              <a:bodyPr rtlCol="0" anchor="ctr"/>
-              <a:lstStyle/>
-              <a:p>
-                <a:pPr algn="ctr"/>
-                <a:endParaRPr lang="en-US"/>
-              </a:p>
-            </p:txBody>
-          </p:sp>
-          <p:sp>
-            <p:nvSpPr>
-              <p:cNvPr id="73" name="Oval 72"/>
-              <p:cNvSpPr/>
-              <p:nvPr/>
-            </p:nvSpPr>
-            <p:spPr>
-              <a:xfrm>
-                <a:off x="4068099" y="5048269"/>
-                <a:ext cx="106937" cy="106188"/>
-              </a:xfrm>
-              <a:prstGeom prst="ellipse">
-                <a:avLst/>
-              </a:prstGeom>
-            </p:spPr>
-            <p:style>
-              <a:lnRef idx="2">
-                <a:schemeClr val="accent1">
-                  <a:shade val="50000"/>
-                </a:schemeClr>
-              </a:lnRef>
-              <a:fillRef idx="1">
-                <a:schemeClr val="accent1"/>
-              </a:fillRef>
-              <a:effectRef idx="0">
-                <a:schemeClr val="accent1"/>
-              </a:effectRef>
-              <a:fontRef idx="minor">
-                <a:schemeClr val="lt1"/>
-              </a:fontRef>
-            </p:style>
-            <p:txBody>
-              <a:bodyPr rtlCol="0" anchor="ctr"/>
-              <a:lstStyle/>
-              <a:p>
-                <a:pPr algn="ctr"/>
-                <a:endParaRPr lang="en-US"/>
-              </a:p>
-            </p:txBody>
-          </p:sp>
-        </p:grpSp>
-        <p:sp>
-          <p:nvSpPr>
-            <p:cNvPr id="16" name="Rectangle 15"/>
-            <p:cNvSpPr/>
-            <p:nvPr/>
-          </p:nvSpPr>
-          <p:spPr>
-            <a:xfrm>
-              <a:off x="5080783" y="3975970"/>
-              <a:ext cx="2585397" cy="2536145"/>
-            </a:xfrm>
-            <a:prstGeom prst="rect">
-              <a:avLst/>
-            </a:prstGeom>
-            <a:solidFill>
-              <a:schemeClr val="lt1">
-                <a:alpha val="0"/>
-              </a:schemeClr>
-            </a:solidFill>
-          </p:spPr>
-          <p:style>
-            <a:lnRef idx="2">
-              <a:schemeClr val="dk1"/>
-            </a:lnRef>
-            <a:fillRef idx="1">
-              <a:schemeClr val="lt1"/>
-            </a:fillRef>
-            <a:effectRef idx="0">
-              <a:schemeClr val="dk1"/>
-            </a:effectRef>
-            <a:fontRef idx="minor">
-              <a:schemeClr val="dk1"/>
-            </a:fontRef>
-          </p:style>
-          <p:txBody>
-            <a:bodyPr rtlCol="0" anchor="ctr"/>
-            <a:lstStyle/>
-            <a:p>
-              <a:pPr algn="ctr"/>
-              <a:endParaRPr lang="en-US"/>
-            </a:p>
-          </p:txBody>
-        </p:sp>
-        <p:cxnSp>
-          <p:nvCxnSpPr>
-            <p:cNvPr id="76" name="Straight Arrow Connector 75"/>
-            <p:cNvCxnSpPr>
-              <a:stCxn id="157" idx="1"/>
-              <a:endCxn id="16" idx="3"/>
-            </p:cNvCxnSpPr>
-            <p:nvPr/>
-          </p:nvCxnSpPr>
-          <p:spPr>
-            <a:xfrm flipH="1">
-              <a:off x="7666180" y="5244043"/>
-              <a:ext cx="522347" cy="0"/>
-            </a:xfrm>
-            <a:prstGeom prst="straightConnector1">
-              <a:avLst/>
-            </a:prstGeom>
-            <a:ln w="28575">
-              <a:tailEnd type="triangle"/>
-            </a:ln>
-          </p:spPr>
-          <p:style>
-            <a:lnRef idx="1">
-              <a:schemeClr val="accent1"/>
-            </a:lnRef>
-            <a:fillRef idx="0">
-              <a:schemeClr val="accent1"/>
-            </a:fillRef>
-            <a:effectRef idx="0">
-              <a:schemeClr val="accent1"/>
-            </a:effectRef>
-            <a:fontRef idx="minor">
-              <a:schemeClr val="tx1"/>
-            </a:fontRef>
-          </p:style>
-        </p:cxnSp>
-        <p:sp>
-          <p:nvSpPr>
-            <p:cNvPr id="77" name="Rectangle 76"/>
-            <p:cNvSpPr/>
-            <p:nvPr/>
-          </p:nvSpPr>
-          <p:spPr>
-            <a:xfrm>
-              <a:off x="5080783" y="3975971"/>
-              <a:ext cx="2585397" cy="2536144"/>
-            </a:xfrm>
-            <a:prstGeom prst="rect">
-              <a:avLst/>
-            </a:prstGeom>
-            <a:solidFill>
-              <a:schemeClr val="lt1">
-                <a:alpha val="0"/>
-              </a:schemeClr>
-            </a:solidFill>
-            <a:ln w="28575"/>
-          </p:spPr>
-          <p:style>
-            <a:lnRef idx="2">
-              <a:schemeClr val="dk1"/>
-            </a:lnRef>
-            <a:fillRef idx="1">
-              <a:schemeClr val="lt1"/>
-            </a:fillRef>
-            <a:effectRef idx="0">
-              <a:schemeClr val="dk1"/>
-            </a:effectRef>
-            <a:fontRef idx="minor">
-              <a:schemeClr val="dk1"/>
-            </a:fontRef>
-          </p:style>
-          <p:txBody>
-            <a:bodyPr rtlCol="0" anchor="ctr"/>
-            <a:lstStyle/>
-            <a:p>
-              <a:pPr algn="ctr"/>
-              <a:endParaRPr lang="en-US" sz="1400" b="1" dirty="0">
-                <a:latin typeface="+mj-lt"/>
-              </a:endParaRPr>
-            </a:p>
-          </p:txBody>
-        </p:sp>
         <p:sp>
           <p:nvSpPr>
             <p:cNvPr id="5" name="Rectangle 4"/>
@@ -6838,6 +5975,224 @@
           </mc:Fallback>
         </mc:AlternateContent>
       </p:grpSp>
+      <mc:AlternateContent xmlns:mc="http://schemas.openxmlformats.org/markup-compatibility/2006">
+        <mc:Choice xmlns:a14="http://schemas.microsoft.com/office/drawing/2010/main" Requires="a14">
+          <p:sp>
+            <p:nvSpPr>
+              <p:cNvPr id="2" name="Rectangle 1"/>
+              <p:cNvSpPr/>
+              <p:nvPr/>
+            </p:nvSpPr>
+            <p:spPr>
+              <a:xfrm>
+                <a:off x="6797051" y="4520721"/>
+                <a:ext cx="1098378" cy="276999"/>
+              </a:xfrm>
+              <a:prstGeom prst="rect">
+                <a:avLst/>
+              </a:prstGeom>
+            </p:spPr>
+            <p:txBody>
+              <a:bodyPr wrap="none">
+                <a:spAutoFit/>
+              </a:bodyPr>
+              <a:lstStyle/>
+              <a:p>
+                <a14:m>
+                  <m:oMathPara xmlns:m="http://schemas.openxmlformats.org/officeDocument/2006/math">
+                    <m:oMathParaPr>
+                      <m:jc m:val="centerGroup"/>
+                    </m:oMathParaPr>
+                    <m:oMath xmlns:m="http://schemas.openxmlformats.org/officeDocument/2006/math">
+                      <m:r>
+                        <a:rPr lang="en-US" sz="1200" b="0" i="0" dirty="0" smtClean="0">
+                          <a:latin typeface="Cambria Math" panose="02040503050406030204" pitchFamily="18" charset="0"/>
+                          <a:sym typeface="Symbol" panose="05050102010706020507" pitchFamily="18" charset="2"/>
+                        </a:rPr>
+                        <m:t>01010111….</m:t>
+                      </m:r>
+                    </m:oMath>
+                  </m:oMathPara>
+                </a14:m>
+                <a:endParaRPr lang="en-US" sz="1200" dirty="0"/>
+              </a:p>
+            </p:txBody>
+          </p:sp>
+        </mc:Choice>
+        <mc:Fallback>
+          <p:sp>
+            <p:nvSpPr>
+              <p:cNvPr id="2" name="Rectangle 1"/>
+              <p:cNvSpPr>
+                <a:spLocks noRot="1" noChangeAspect="1" noMove="1" noResize="1" noEditPoints="1" noAdjustHandles="1" noChangeArrowheads="1" noChangeShapeType="1" noTextEdit="1"/>
+              </p:cNvSpPr>
+              <p:nvPr/>
+            </p:nvSpPr>
+            <p:spPr>
+              <a:xfrm>
+                <a:off x="6797051" y="4520721"/>
+                <a:ext cx="1098378" cy="276999"/>
+              </a:xfrm>
+              <a:prstGeom prst="rect">
+                <a:avLst/>
+              </a:prstGeom>
+              <a:blipFill>
+                <a:blip r:embed="rId17"/>
+                <a:stretch>
+                  <a:fillRect/>
+                </a:stretch>
+              </a:blipFill>
+            </p:spPr>
+            <p:txBody>
+              <a:bodyPr/>
+              <a:lstStyle/>
+              <a:p>
+                <a:r>
+                  <a:rPr lang="en-US">
+                    <a:noFill/>
+                  </a:rPr>
+                  <a:t> </a:t>
+                </a:r>
+              </a:p>
+            </p:txBody>
+          </p:sp>
+        </mc:Fallback>
+      </mc:AlternateContent>
+      <p:cxnSp>
+        <p:nvCxnSpPr>
+          <p:cNvPr id="80" name="Straight Arrow Connector 79"/>
+          <p:cNvCxnSpPr>
+            <a:stCxn id="157" idx="1"/>
+          </p:cNvCxnSpPr>
+          <p:nvPr/>
+        </p:nvCxnSpPr>
+        <p:spPr>
+          <a:xfrm flipH="1">
+            <a:off x="7716852" y="4866970"/>
+            <a:ext cx="471879" cy="0"/>
+          </a:xfrm>
+          <a:prstGeom prst="straightConnector1">
+            <a:avLst/>
+          </a:prstGeom>
+          <a:ln w="28575">
+            <a:tailEnd type="triangle"/>
+          </a:ln>
+        </p:spPr>
+        <p:style>
+          <a:lnRef idx="1">
+            <a:schemeClr val="accent1"/>
+          </a:lnRef>
+          <a:fillRef idx="0">
+            <a:schemeClr val="accent1"/>
+          </a:fillRef>
+          <a:effectRef idx="0">
+            <a:schemeClr val="accent1"/>
+          </a:effectRef>
+          <a:fontRef idx="minor">
+            <a:schemeClr val="tx1"/>
+          </a:fontRef>
+        </p:style>
+      </p:cxnSp>
+      <mc:AlternateContent xmlns:mc="http://schemas.openxmlformats.org/markup-compatibility/2006">
+        <mc:Choice xmlns:a14="http://schemas.microsoft.com/office/drawing/2010/main" Requires="a14">
+          <p:sp>
+            <p:nvSpPr>
+              <p:cNvPr id="17" name="Rectangle 16"/>
+              <p:cNvSpPr/>
+              <p:nvPr/>
+            </p:nvSpPr>
+            <p:spPr>
+              <a:xfrm>
+                <a:off x="6797051" y="4728470"/>
+                <a:ext cx="998991" cy="276999"/>
+              </a:xfrm>
+              <a:prstGeom prst="rect">
+                <a:avLst/>
+              </a:prstGeom>
+            </p:spPr>
+            <p:txBody>
+              <a:bodyPr wrap="none">
+                <a:spAutoFit/>
+              </a:bodyPr>
+              <a:lstStyle/>
+              <a:p>
+                <a14:m>
+                  <m:oMathPara xmlns:m="http://schemas.openxmlformats.org/officeDocument/2006/math">
+                    <m:oMathParaPr>
+                      <m:jc m:val="centerGroup"/>
+                    </m:oMathParaPr>
+                    <m:oMath xmlns:m="http://schemas.openxmlformats.org/officeDocument/2006/math">
+                      <m:r>
+                        <m:rPr>
+                          <m:sty m:val="p"/>
+                        </m:rPr>
+                        <a:rPr lang="en-US" sz="1200" b="0" i="0" smtClean="0">
+                          <a:latin typeface="Cambria Math" panose="02040503050406030204" pitchFamily="18" charset="0"/>
+                        </a:rPr>
+                        <m:t>Output</m:t>
+                      </m:r>
+                      <m:r>
+                        <a:rPr lang="en-US" sz="1200" b="0" i="0" smtClean="0">
+                          <a:latin typeface="Cambria Math" panose="02040503050406030204" pitchFamily="18" charset="0"/>
+                        </a:rPr>
+                        <m:t> </m:t>
+                      </m:r>
+                      <m:r>
+                        <m:rPr>
+                          <m:sty m:val="p"/>
+                        </m:rPr>
+                        <a:rPr lang="en-US" sz="1200" b="0" i="0" smtClean="0">
+                          <a:latin typeface="Cambria Math" panose="02040503050406030204" pitchFamily="18" charset="0"/>
+                        </a:rPr>
+                        <m:t>data</m:t>
+                      </m:r>
+                    </m:oMath>
+                  </m:oMathPara>
+                </a14:m>
+                <a:endParaRPr lang="en-US" sz="1200" dirty="0"/>
+              </a:p>
+            </p:txBody>
+          </p:sp>
+        </mc:Choice>
+        <mc:Fallback>
+          <p:sp>
+            <p:nvSpPr>
+              <p:cNvPr id="17" name="Rectangle 16"/>
+              <p:cNvSpPr>
+                <a:spLocks noRot="1" noChangeAspect="1" noMove="1" noResize="1" noEditPoints="1" noAdjustHandles="1" noChangeArrowheads="1" noChangeShapeType="1" noTextEdit="1"/>
+              </p:cNvSpPr>
+              <p:nvPr/>
+            </p:nvSpPr>
+            <p:spPr>
+              <a:xfrm>
+                <a:off x="6797051" y="4728470"/>
+                <a:ext cx="998991" cy="276999"/>
+              </a:xfrm>
+              <a:prstGeom prst="rect">
+                <a:avLst/>
+              </a:prstGeom>
+              <a:blipFill>
+                <a:blip r:embed="rId18"/>
+                <a:stretch>
+                  <a:fillRect b="-4444"/>
+                </a:stretch>
+              </a:blipFill>
+            </p:spPr>
+            <p:txBody>
+              <a:bodyPr/>
+              <a:lstStyle/>
+              <a:p>
+                <a:r>
+                  <a:rPr lang="en-US">
+                    <a:noFill/>
+                  </a:rPr>
+                  <a:t> </a:t>
+                </a:r>
+              </a:p>
+            </p:txBody>
+          </p:sp>
+        </mc:Fallback>
+      </mc:AlternateContent>
     </p:spTree>
     <p:extLst>
       <p:ext uri="{BB962C8B-B14F-4D97-AF65-F5344CB8AC3E}">

--- a/doc/tex/sdf/simplified_coherent_receiver/figures/Simulation_setup_Rx.pptx
+++ b/doc/tex/sdf/simplified_coherent_receiver/figures/Simulation_setup_Rx.pptx
@@ -243,7 +243,7 @@
           <a:p>
             <a:fld id="{2680F75E-BF8A-4352-8DF2-5712531B63DB}" type="datetimeFigureOut">
               <a:rPr lang="pt-PT" smtClean="0"/>
-              <a:t>13/10/2017</a:t>
+              <a:t>16/10/2017</a:t>
             </a:fld>
             <a:endParaRPr lang="pt-PT"/>
           </a:p>
@@ -413,7 +413,7 @@
           <a:p>
             <a:fld id="{2680F75E-BF8A-4352-8DF2-5712531B63DB}" type="datetimeFigureOut">
               <a:rPr lang="pt-PT" smtClean="0"/>
-              <a:t>13/10/2017</a:t>
+              <a:t>16/10/2017</a:t>
             </a:fld>
             <a:endParaRPr lang="pt-PT"/>
           </a:p>
@@ -593,7 +593,7 @@
           <a:p>
             <a:fld id="{2680F75E-BF8A-4352-8DF2-5712531B63DB}" type="datetimeFigureOut">
               <a:rPr lang="pt-PT" smtClean="0"/>
-              <a:t>13/10/2017</a:t>
+              <a:t>16/10/2017</a:t>
             </a:fld>
             <a:endParaRPr lang="pt-PT"/>
           </a:p>
@@ -763,7 +763,7 @@
           <a:p>
             <a:fld id="{2680F75E-BF8A-4352-8DF2-5712531B63DB}" type="datetimeFigureOut">
               <a:rPr lang="pt-PT" smtClean="0"/>
-              <a:t>13/10/2017</a:t>
+              <a:t>16/10/2017</a:t>
             </a:fld>
             <a:endParaRPr lang="pt-PT"/>
           </a:p>
@@ -1009,7 +1009,7 @@
           <a:p>
             <a:fld id="{2680F75E-BF8A-4352-8DF2-5712531B63DB}" type="datetimeFigureOut">
               <a:rPr lang="pt-PT" smtClean="0"/>
-              <a:t>13/10/2017</a:t>
+              <a:t>16/10/2017</a:t>
             </a:fld>
             <a:endParaRPr lang="pt-PT"/>
           </a:p>
@@ -1241,7 +1241,7 @@
           <a:p>
             <a:fld id="{2680F75E-BF8A-4352-8DF2-5712531B63DB}" type="datetimeFigureOut">
               <a:rPr lang="pt-PT" smtClean="0"/>
-              <a:t>13/10/2017</a:t>
+              <a:t>16/10/2017</a:t>
             </a:fld>
             <a:endParaRPr lang="pt-PT"/>
           </a:p>
@@ -1608,7 +1608,7 @@
           <a:p>
             <a:fld id="{2680F75E-BF8A-4352-8DF2-5712531B63DB}" type="datetimeFigureOut">
               <a:rPr lang="pt-PT" smtClean="0"/>
-              <a:t>13/10/2017</a:t>
+              <a:t>16/10/2017</a:t>
             </a:fld>
             <a:endParaRPr lang="pt-PT"/>
           </a:p>
@@ -1726,7 +1726,7 @@
           <a:p>
             <a:fld id="{2680F75E-BF8A-4352-8DF2-5712531B63DB}" type="datetimeFigureOut">
               <a:rPr lang="pt-PT" smtClean="0"/>
-              <a:t>13/10/2017</a:t>
+              <a:t>16/10/2017</a:t>
             </a:fld>
             <a:endParaRPr lang="pt-PT"/>
           </a:p>
@@ -1821,7 +1821,7 @@
           <a:p>
             <a:fld id="{2680F75E-BF8A-4352-8DF2-5712531B63DB}" type="datetimeFigureOut">
               <a:rPr lang="pt-PT" smtClean="0"/>
-              <a:t>13/10/2017</a:t>
+              <a:t>16/10/2017</a:t>
             </a:fld>
             <a:endParaRPr lang="pt-PT"/>
           </a:p>
@@ -2098,7 +2098,7 @@
           <a:p>
             <a:fld id="{2680F75E-BF8A-4352-8DF2-5712531B63DB}" type="datetimeFigureOut">
               <a:rPr lang="pt-PT" smtClean="0"/>
-              <a:t>13/10/2017</a:t>
+              <a:t>16/10/2017</a:t>
             </a:fld>
             <a:endParaRPr lang="pt-PT"/>
           </a:p>
@@ -2351,7 +2351,7 @@
           <a:p>
             <a:fld id="{2680F75E-BF8A-4352-8DF2-5712531B63DB}" type="datetimeFigureOut">
               <a:rPr lang="pt-PT" smtClean="0"/>
-              <a:t>13/10/2017</a:t>
+              <a:t>16/10/2017</a:t>
             </a:fld>
             <a:endParaRPr lang="pt-PT"/>
           </a:p>
@@ -2564,7 +2564,7 @@
           <a:p>
             <a:fld id="{2680F75E-BF8A-4352-8DF2-5712531B63DB}" type="datetimeFigureOut">
               <a:rPr lang="pt-PT" smtClean="0"/>
-              <a:t>13/10/2017</a:t>
+              <a:t>16/10/2017</a:t>
             </a:fld>
             <a:endParaRPr lang="pt-PT"/>
           </a:p>
@@ -3151,7 +3151,7 @@
           <p:spPr>
             <a:xfrm>
               <a:off x="1045009" y="2478104"/>
-              <a:ext cx="634344" cy="2877"/>
+              <a:ext cx="634345" cy="2877"/>
             </a:xfrm>
             <a:prstGeom prst="straightConnector1">
               <a:avLst/>
@@ -3175,8 +3175,8 @@
             </a:fontRef>
           </p:style>
         </p:cxnSp>
-        <mc:AlternateContent xmlns:mc="http://schemas.openxmlformats.org/markup-compatibility/2006" xmlns:a14="http://schemas.microsoft.com/office/drawing/2010/main">
-          <mc:Choice Requires="a14">
+        <mc:AlternateContent xmlns:mc="http://schemas.openxmlformats.org/markup-compatibility/2006">
+          <mc:Choice xmlns:a14="http://schemas.microsoft.com/office/drawing/2010/main" Requires="a14">
             <p:sp>
               <p:nvSpPr>
                 <p:cNvPr id="22" name="Rectangle 21"/>
@@ -3185,8 +3185,8 @@
               </p:nvSpPr>
               <p:spPr>
                 <a:xfrm>
-                  <a:off x="1679353" y="2203242"/>
-                  <a:ext cx="1045015" cy="555477"/>
+                  <a:off x="1679354" y="2203242"/>
+                  <a:ext cx="716864" cy="555477"/>
                 </a:xfrm>
                 <a:prstGeom prst="rect">
                   <a:avLst/>
@@ -3284,7 +3284,7 @@
               </p:txBody>
             </p:sp>
           </mc:Choice>
-          <mc:Fallback xmlns="">
+          <mc:Fallback>
             <p:sp>
               <p:nvSpPr>
                 <p:cNvPr id="22" name="Rectangle 21"/>
@@ -3295,8 +3295,8 @@
               </p:nvSpPr>
               <p:spPr>
                 <a:xfrm>
-                  <a:off x="1679353" y="2203242"/>
-                  <a:ext cx="1045015" cy="555477"/>
+                  <a:off x="1679354" y="2203242"/>
+                  <a:ext cx="716864" cy="555477"/>
                 </a:xfrm>
                 <a:prstGeom prst="rect">
                   <a:avLst/>
@@ -3590,8 +3590,8 @@
             </p:sp>
           </mc:Fallback>
         </mc:AlternateContent>
-        <mc:AlternateContent xmlns:mc="http://schemas.openxmlformats.org/markup-compatibility/2006" xmlns:a14="http://schemas.microsoft.com/office/drawing/2010/main">
-          <mc:Choice Requires="a14">
+        <mc:AlternateContent xmlns:mc="http://schemas.openxmlformats.org/markup-compatibility/2006">
+          <mc:Choice xmlns:a14="http://schemas.microsoft.com/office/drawing/2010/main" Requires="a14">
             <p:sp>
               <p:nvSpPr>
                 <p:cNvPr id="49" name="TextBox 48"/>
@@ -3600,7 +3600,7 @@
               </p:nvSpPr>
               <p:spPr>
                 <a:xfrm>
-                  <a:off x="2007503" y="1927039"/>
+                  <a:off x="1843429" y="1957153"/>
                   <a:ext cx="388714" cy="276999"/>
                 </a:xfrm>
                 <a:prstGeom prst="rect">
@@ -3638,7 +3638,7 @@
               </p:txBody>
             </p:sp>
           </mc:Choice>
-          <mc:Fallback xmlns="">
+          <mc:Fallback>
             <p:sp>
               <p:nvSpPr>
                 <p:cNvPr id="49" name="TextBox 48"/>
@@ -3649,7 +3649,7 @@
               </p:nvSpPr>
               <p:spPr>
                 <a:xfrm>
-                  <a:off x="2007503" y="1927039"/>
+                  <a:off x="1843429" y="1957153"/>
                   <a:ext cx="388714" cy="276999"/>
                 </a:xfrm>
                 <a:prstGeom prst="rect">
@@ -3677,8 +3677,8 @@
             </p:sp>
           </mc:Fallback>
         </mc:AlternateContent>
-        <mc:AlternateContent xmlns:mc="http://schemas.openxmlformats.org/markup-compatibility/2006">
-          <mc:Choice xmlns:a14="http://schemas.microsoft.com/office/drawing/2010/main" Requires="a14">
+        <mc:AlternateContent xmlns:mc="http://schemas.openxmlformats.org/markup-compatibility/2006" xmlns:a14="http://schemas.microsoft.com/office/drawing/2010/main">
+          <mc:Choice Requires="a14">
             <p:sp>
               <p:nvSpPr>
                 <p:cNvPr id="110" name="Rectangle 109"/>
@@ -4063,7 +4063,7 @@
               </p:txBody>
             </p:sp>
           </mc:Choice>
-          <mc:Fallback>
+          <mc:Fallback xmlns="">
             <p:sp>
               <p:nvSpPr>
                 <p:cNvPr id="110" name="Rectangle 109"/>
@@ -4202,42 +4202,6 @@
             </p:sp>
           </mc:Fallback>
         </mc:AlternateContent>
-        <p:cxnSp>
-          <p:nvCxnSpPr>
-            <p:cNvPr id="130" name="Straight Arrow Connector 129"/>
-            <p:cNvCxnSpPr>
-              <a:stCxn id="22" idx="3"/>
-              <a:endCxn id="167" idx="1"/>
-            </p:cNvCxnSpPr>
-            <p:nvPr/>
-          </p:nvCxnSpPr>
-          <p:spPr>
-            <a:xfrm flipV="1">
-              <a:off x="2724368" y="2478262"/>
-              <a:ext cx="1485766" cy="2719"/>
-            </a:xfrm>
-            <a:prstGeom prst="straightConnector1">
-              <a:avLst/>
-            </a:prstGeom>
-            <a:ln w="28575">
-              <a:tailEnd type="triangle"/>
-            </a:ln>
-          </p:spPr>
-          <p:style>
-            <a:lnRef idx="1">
-              <a:schemeClr val="accent1"/>
-            </a:lnRef>
-            <a:fillRef idx="0">
-              <a:schemeClr val="accent1"/>
-            </a:fillRef>
-            <a:effectRef idx="0">
-              <a:schemeClr val="accent1"/>
-            </a:effectRef>
-            <a:fontRef idx="minor">
-              <a:schemeClr val="tx1"/>
-            </a:fontRef>
-          </p:style>
-        </p:cxnSp>
         <p:sp>
           <p:nvSpPr>
             <p:cNvPr id="157" name="Rectangle 156"/>
@@ -5479,8 +5443,8 @@
             </a:fontRef>
           </p:style>
         </p:cxnSp>
-        <mc:AlternateContent xmlns:mc="http://schemas.openxmlformats.org/markup-compatibility/2006" xmlns:a14="http://schemas.microsoft.com/office/drawing/2010/main">
-          <mc:Choice Requires="a14">
+        <mc:AlternateContent xmlns:mc="http://schemas.openxmlformats.org/markup-compatibility/2006">
+          <mc:Choice xmlns:a14="http://schemas.microsoft.com/office/drawing/2010/main" Requires="a14">
             <p:sp>
               <p:nvSpPr>
                 <p:cNvPr id="188" name="TextBox 187"/>
@@ -5489,8 +5453,8 @@
               </p:nvSpPr>
               <p:spPr>
                 <a:xfrm>
-                  <a:off x="2854054" y="2245013"/>
-                  <a:ext cx="1012521" cy="220253"/>
+                  <a:off x="2501260" y="2205718"/>
+                  <a:ext cx="999697" cy="220253"/>
                 </a:xfrm>
                 <a:prstGeom prst="rect">
                   <a:avLst/>
@@ -5538,10 +5502,11 @@
                           <m:rPr>
                             <m:nor/>
                           </m:rPr>
-                          <a:rPr lang="en-US" sz="1400" b="1" i="0" smtClean="0">
+                          <a:rPr lang="en-US" sz="1400" b="1">
                             <a:latin typeface="Cambria Math" panose="02040503050406030204" pitchFamily="18" charset="0"/>
+                            <a:sym typeface="Symbol" panose="05050102010706020507" pitchFamily="18" charset="2"/>
                           </a:rPr>
-                          <m:t>=</m:t>
+                          <m:t></m:t>
                         </m:r>
                         <m:sSup>
                           <m:sSupPr>
@@ -5609,7 +5574,7 @@
               </p:txBody>
             </p:sp>
           </mc:Choice>
-          <mc:Fallback xmlns="">
+          <mc:Fallback>
             <p:sp>
               <p:nvSpPr>
                 <p:cNvPr id="188" name="TextBox 187"/>
@@ -5620,8 +5585,8 @@
               </p:nvSpPr>
               <p:spPr>
                 <a:xfrm>
-                  <a:off x="2854054" y="2245013"/>
-                  <a:ext cx="1012521" cy="220253"/>
+                  <a:off x="2501260" y="2205718"/>
+                  <a:ext cx="999697" cy="220253"/>
                 </a:xfrm>
                 <a:prstGeom prst="rect">
                   <a:avLst/>
@@ -5629,7 +5594,7 @@
                 <a:blipFill>
                   <a:blip r:embed="rId14"/>
                   <a:stretch>
-                    <a:fillRect l="-3614" t="-2703" r="-1807" b="-29730"/>
+                    <a:fillRect l="-4268" t="-2778" r="-2439" b="-30556"/>
                   </a:stretch>
                 </a:blipFill>
               </p:spPr>
@@ -5975,8 +5940,8 @@
           </mc:Fallback>
         </mc:AlternateContent>
       </p:grpSp>
-      <mc:AlternateContent xmlns:mc="http://schemas.openxmlformats.org/markup-compatibility/2006">
-        <mc:Choice xmlns:a14="http://schemas.microsoft.com/office/drawing/2010/main" Requires="a14">
+      <mc:AlternateContent xmlns:mc="http://schemas.openxmlformats.org/markup-compatibility/2006" xmlns:a14="http://schemas.microsoft.com/office/drawing/2010/main">
+        <mc:Choice Requires="a14">
           <p:sp>
             <p:nvSpPr>
               <p:cNvPr id="2" name="Rectangle 1"/>
@@ -5998,6 +5963,7 @@
               </a:bodyPr>
               <a:lstStyle/>
               <a:p>
+                <a:pPr/>
                 <a14:m>
                   <m:oMathPara xmlns:m="http://schemas.openxmlformats.org/officeDocument/2006/math">
                     <m:oMathParaPr>
@@ -6019,7 +5985,7 @@
             </p:txBody>
           </p:sp>
         </mc:Choice>
-        <mc:Fallback>
+        <mc:Fallback xmlns="">
           <p:sp>
             <p:nvSpPr>
               <p:cNvPr id="2" name="Rectangle 1"/>
@@ -6093,8 +6059,8 @@
           </a:fontRef>
         </p:style>
       </p:cxnSp>
-      <mc:AlternateContent xmlns:mc="http://schemas.openxmlformats.org/markup-compatibility/2006">
-        <mc:Choice xmlns:a14="http://schemas.microsoft.com/office/drawing/2010/main" Requires="a14">
+      <mc:AlternateContent xmlns:mc="http://schemas.openxmlformats.org/markup-compatibility/2006" xmlns:a14="http://schemas.microsoft.com/office/drawing/2010/main">
+        <mc:Choice Requires="a14">
           <p:sp>
             <p:nvSpPr>
               <p:cNvPr id="17" name="Rectangle 16"/>
@@ -6116,6 +6082,7 @@
               </a:bodyPr>
               <a:lstStyle/>
               <a:p>
+                <a:pPr/>
                 <a14:m>
                   <m:oMathPara xmlns:m="http://schemas.openxmlformats.org/officeDocument/2006/math">
                     <m:oMathParaPr>
@@ -6154,7 +6121,7 @@
             </p:txBody>
           </p:sp>
         </mc:Choice>
-        <mc:Fallback>
+        <mc:Fallback xmlns="">
           <p:sp>
             <p:nvSpPr>
               <p:cNvPr id="17" name="Rectangle 16"/>
@@ -6193,6 +6160,121 @@
           </p:sp>
         </mc:Fallback>
       </mc:AlternateContent>
+      <p:sp>
+        <p:nvSpPr>
+          <p:cNvPr id="45" name="Rectangle 44"/>
+          <p:cNvSpPr/>
+          <p:nvPr/>
+        </p:nvSpPr>
+        <p:spPr>
+          <a:xfrm>
+            <a:off x="3542398" y="1285382"/>
+            <a:ext cx="270377" cy="1623348"/>
+          </a:xfrm>
+          <a:prstGeom prst="rect">
+            <a:avLst/>
+          </a:prstGeom>
+          <a:ln w="28575"/>
+        </p:spPr>
+        <p:style>
+          <a:lnRef idx="2">
+            <a:schemeClr val="dk1"/>
+          </a:lnRef>
+          <a:fillRef idx="1">
+            <a:schemeClr val="lt1"/>
+          </a:fillRef>
+          <a:effectRef idx="0">
+            <a:schemeClr val="dk1"/>
+          </a:effectRef>
+          <a:fontRef idx="minor">
+            <a:schemeClr val="dk1"/>
+          </a:fontRef>
+        </p:style>
+        <p:txBody>
+          <a:bodyPr rtlCol="0" anchor="ctr"/>
+          <a:lstStyle/>
+          <a:p>
+            <a:pPr algn="ctr"/>
+            <a:r>
+              <a:rPr lang="en-US" sz="1200" b="1" dirty="0" smtClean="0"/>
+              <a:t>ADC</a:t>
+            </a:r>
+            <a:endParaRPr lang="en-US" sz="1200" b="1" dirty="0"/>
+          </a:p>
+        </p:txBody>
+      </p:sp>
+      <p:cxnSp>
+        <p:nvCxnSpPr>
+          <p:cNvPr id="46" name="Straight Arrow Connector 45"/>
+          <p:cNvCxnSpPr>
+            <a:stCxn id="22" idx="3"/>
+            <a:endCxn id="45" idx="1"/>
+          </p:cNvCxnSpPr>
+          <p:nvPr/>
+        </p:nvCxnSpPr>
+        <p:spPr>
+          <a:xfrm flipV="1">
+            <a:off x="2396422" y="2097056"/>
+            <a:ext cx="1145976" cy="6852"/>
+          </a:xfrm>
+          <a:prstGeom prst="straightConnector1">
+            <a:avLst/>
+          </a:prstGeom>
+          <a:ln w="28575">
+            <a:tailEnd type="triangle"/>
+          </a:ln>
+        </p:spPr>
+        <p:style>
+          <a:lnRef idx="1">
+            <a:schemeClr val="accent1"/>
+          </a:lnRef>
+          <a:fillRef idx="0">
+            <a:schemeClr val="accent1"/>
+          </a:fillRef>
+          <a:effectRef idx="0">
+            <a:schemeClr val="accent1"/>
+          </a:effectRef>
+          <a:fontRef idx="minor">
+            <a:schemeClr val="tx1"/>
+          </a:fontRef>
+        </p:style>
+      </p:cxnSp>
+      <p:cxnSp>
+        <p:nvCxnSpPr>
+          <p:cNvPr id="50" name="Straight Arrow Connector 49"/>
+          <p:cNvCxnSpPr>
+            <a:stCxn id="45" idx="3"/>
+            <a:endCxn id="167" idx="1"/>
+          </p:cNvCxnSpPr>
+          <p:nvPr/>
+        </p:nvCxnSpPr>
+        <p:spPr>
+          <a:xfrm>
+            <a:off x="3812775" y="2097056"/>
+            <a:ext cx="397563" cy="4133"/>
+          </a:xfrm>
+          <a:prstGeom prst="straightConnector1">
+            <a:avLst/>
+          </a:prstGeom>
+          <a:ln w="28575">
+            <a:tailEnd type="triangle"/>
+          </a:ln>
+        </p:spPr>
+        <p:style>
+          <a:lnRef idx="1">
+            <a:schemeClr val="accent1"/>
+          </a:lnRef>
+          <a:fillRef idx="0">
+            <a:schemeClr val="accent1"/>
+          </a:fillRef>
+          <a:effectRef idx="0">
+            <a:schemeClr val="accent1"/>
+          </a:effectRef>
+          <a:fontRef idx="minor">
+            <a:schemeClr val="tx1"/>
+          </a:fontRef>
+        </p:style>
+      </p:cxnSp>
     </p:spTree>
     <p:extLst>
       <p:ext uri="{BB962C8B-B14F-4D97-AF65-F5344CB8AC3E}">

--- a/doc/tex/sdf/simplified_coherent_receiver/figures/Simulation_setup_Rx.pptx
+++ b/doc/tex/sdf/simplified_coherent_receiver/figures/Simulation_setup_Rx.pptx
@@ -243,7 +243,7 @@
           <a:p>
             <a:fld id="{2680F75E-BF8A-4352-8DF2-5712531B63DB}" type="datetimeFigureOut">
               <a:rPr lang="pt-PT" smtClean="0"/>
-              <a:t>16/10/2017</a:t>
+              <a:t>18/10/2017</a:t>
             </a:fld>
             <a:endParaRPr lang="pt-PT"/>
           </a:p>
@@ -413,7 +413,7 @@
           <a:p>
             <a:fld id="{2680F75E-BF8A-4352-8DF2-5712531B63DB}" type="datetimeFigureOut">
               <a:rPr lang="pt-PT" smtClean="0"/>
-              <a:t>16/10/2017</a:t>
+              <a:t>18/10/2017</a:t>
             </a:fld>
             <a:endParaRPr lang="pt-PT"/>
           </a:p>
@@ -593,7 +593,7 @@
           <a:p>
             <a:fld id="{2680F75E-BF8A-4352-8DF2-5712531B63DB}" type="datetimeFigureOut">
               <a:rPr lang="pt-PT" smtClean="0"/>
-              <a:t>16/10/2017</a:t>
+              <a:t>18/10/2017</a:t>
             </a:fld>
             <a:endParaRPr lang="pt-PT"/>
           </a:p>
@@ -763,7 +763,7 @@
           <a:p>
             <a:fld id="{2680F75E-BF8A-4352-8DF2-5712531B63DB}" type="datetimeFigureOut">
               <a:rPr lang="pt-PT" smtClean="0"/>
-              <a:t>16/10/2017</a:t>
+              <a:t>18/10/2017</a:t>
             </a:fld>
             <a:endParaRPr lang="pt-PT"/>
           </a:p>
@@ -1009,7 +1009,7 @@
           <a:p>
             <a:fld id="{2680F75E-BF8A-4352-8DF2-5712531B63DB}" type="datetimeFigureOut">
               <a:rPr lang="pt-PT" smtClean="0"/>
-              <a:t>16/10/2017</a:t>
+              <a:t>18/10/2017</a:t>
             </a:fld>
             <a:endParaRPr lang="pt-PT"/>
           </a:p>
@@ -1241,7 +1241,7 @@
           <a:p>
             <a:fld id="{2680F75E-BF8A-4352-8DF2-5712531B63DB}" type="datetimeFigureOut">
               <a:rPr lang="pt-PT" smtClean="0"/>
-              <a:t>16/10/2017</a:t>
+              <a:t>18/10/2017</a:t>
             </a:fld>
             <a:endParaRPr lang="pt-PT"/>
           </a:p>
@@ -1608,7 +1608,7 @@
           <a:p>
             <a:fld id="{2680F75E-BF8A-4352-8DF2-5712531B63DB}" type="datetimeFigureOut">
               <a:rPr lang="pt-PT" smtClean="0"/>
-              <a:t>16/10/2017</a:t>
+              <a:t>18/10/2017</a:t>
             </a:fld>
             <a:endParaRPr lang="pt-PT"/>
           </a:p>
@@ -1726,7 +1726,7 @@
           <a:p>
             <a:fld id="{2680F75E-BF8A-4352-8DF2-5712531B63DB}" type="datetimeFigureOut">
               <a:rPr lang="pt-PT" smtClean="0"/>
-              <a:t>16/10/2017</a:t>
+              <a:t>18/10/2017</a:t>
             </a:fld>
             <a:endParaRPr lang="pt-PT"/>
           </a:p>
@@ -1821,7 +1821,7 @@
           <a:p>
             <a:fld id="{2680F75E-BF8A-4352-8DF2-5712531B63DB}" type="datetimeFigureOut">
               <a:rPr lang="pt-PT" smtClean="0"/>
-              <a:t>16/10/2017</a:t>
+              <a:t>18/10/2017</a:t>
             </a:fld>
             <a:endParaRPr lang="pt-PT"/>
           </a:p>
@@ -2098,7 +2098,7 @@
           <a:p>
             <a:fld id="{2680F75E-BF8A-4352-8DF2-5712531B63DB}" type="datetimeFigureOut">
               <a:rPr lang="pt-PT" smtClean="0"/>
-              <a:t>16/10/2017</a:t>
+              <a:t>18/10/2017</a:t>
             </a:fld>
             <a:endParaRPr lang="pt-PT"/>
           </a:p>
@@ -2351,7 +2351,7 @@
           <a:p>
             <a:fld id="{2680F75E-BF8A-4352-8DF2-5712531B63DB}" type="datetimeFigureOut">
               <a:rPr lang="pt-PT" smtClean="0"/>
-              <a:t>16/10/2017</a:t>
+              <a:t>18/10/2017</a:t>
             </a:fld>
             <a:endParaRPr lang="pt-PT"/>
           </a:p>
@@ -2564,7 +2564,7 @@
           <a:p>
             <a:fld id="{2680F75E-BF8A-4352-8DF2-5712531B63DB}" type="datetimeFigureOut">
               <a:rPr lang="pt-PT" smtClean="0"/>
-              <a:t>16/10/2017</a:t>
+              <a:t>18/10/2017</a:t>
             </a:fld>
             <a:endParaRPr lang="pt-PT"/>
           </a:p>
@@ -2969,948 +2969,576 @@
           <a:chExt cx="0" cy="0"/>
         </a:xfrm>
       </p:grpSpPr>
-      <p:grpSp>
-        <p:nvGrpSpPr>
-          <p:cNvPr id="7" name="Group 6"/>
-          <p:cNvGrpSpPr/>
+      <p:cxnSp>
+        <p:nvCxnSpPr>
+          <p:cNvPr id="6" name="Straight Arrow Connector 5"/>
+          <p:cNvCxnSpPr/>
           <p:nvPr/>
-        </p:nvGrpSpPr>
-        <p:grpSpPr>
+        </p:nvCxnSpPr>
+        <p:spPr>
           <a:xfrm>
-            <a:off x="53851" y="1139821"/>
-            <a:ext cx="11729381" cy="4676049"/>
-            <a:chOff x="53647" y="1516894"/>
-            <a:chExt cx="11729381" cy="4676049"/>
+            <a:off x="66318" y="1693579"/>
+            <a:ext cx="708519" cy="0"/>
           </a:xfrm>
-        </p:grpSpPr>
-        <p:sp>
-          <p:nvSpPr>
-            <p:cNvPr id="4" name="Rectangle 3"/>
-            <p:cNvSpPr/>
-            <p:nvPr/>
-          </p:nvSpPr>
-          <p:spPr>
-            <a:xfrm>
-              <a:off x="774632" y="1666430"/>
-              <a:ext cx="270377" cy="1623348"/>
-            </a:xfrm>
-            <a:prstGeom prst="rect">
-              <a:avLst/>
-            </a:prstGeom>
-            <a:ln w="28575"/>
-          </p:spPr>
-          <p:style>
-            <a:lnRef idx="2">
-              <a:schemeClr val="dk1"/>
-            </a:lnRef>
-            <a:fillRef idx="1">
-              <a:schemeClr val="lt1"/>
-            </a:fillRef>
-            <a:effectRef idx="0">
-              <a:schemeClr val="dk1"/>
-            </a:effectRef>
-            <a:fontRef idx="minor">
-              <a:schemeClr val="dk1"/>
-            </a:fontRef>
-          </p:style>
-          <p:txBody>
-            <a:bodyPr rtlCol="0" anchor="ctr"/>
-            <a:lstStyle/>
-            <a:p>
-              <a:pPr algn="ctr"/>
-              <a:r>
-                <a:rPr lang="en-US" sz="1200" b="1" dirty="0" smtClean="0"/>
-                <a:t>COUPLER</a:t>
-              </a:r>
-              <a:endParaRPr lang="en-US" sz="1200" b="1" dirty="0"/>
-            </a:p>
-          </p:txBody>
-        </p:sp>
-        <p:cxnSp>
-          <p:nvCxnSpPr>
-            <p:cNvPr id="6" name="Straight Arrow Connector 5"/>
-            <p:cNvCxnSpPr/>
-            <p:nvPr/>
-          </p:nvCxnSpPr>
-          <p:spPr>
-            <a:xfrm>
-              <a:off x="66113" y="2070652"/>
-              <a:ext cx="708519" cy="0"/>
-            </a:xfrm>
-            <a:prstGeom prst="straightConnector1">
-              <a:avLst/>
-            </a:prstGeom>
-            <a:ln w="28575">
-              <a:tailEnd type="triangle"/>
-            </a:ln>
-          </p:spPr>
-          <p:style>
-            <a:lnRef idx="1">
-              <a:schemeClr val="accent1"/>
-            </a:lnRef>
-            <a:fillRef idx="0">
-              <a:schemeClr val="accent1"/>
-            </a:fillRef>
-            <a:effectRef idx="0">
-              <a:schemeClr val="accent1"/>
-            </a:effectRef>
-            <a:fontRef idx="minor">
+          <a:prstGeom prst="straightConnector1">
+            <a:avLst/>
+          </a:prstGeom>
+          <a:ln w="19050">
+            <a:solidFill>
               <a:schemeClr val="tx1"/>
-            </a:fontRef>
-          </p:style>
-        </p:cxnSp>
-        <p:sp>
-          <p:nvSpPr>
-            <p:cNvPr id="12" name="Oval 11"/>
-            <p:cNvSpPr/>
-            <p:nvPr/>
-          </p:nvSpPr>
-          <p:spPr>
-            <a:xfrm>
-              <a:off x="53647" y="3950113"/>
-              <a:ext cx="537121" cy="507153"/>
-            </a:xfrm>
-            <a:prstGeom prst="ellipse">
-              <a:avLst/>
-            </a:prstGeom>
-            <a:ln w="28575"/>
-          </p:spPr>
-          <p:style>
-            <a:lnRef idx="2">
-              <a:schemeClr val="dk1"/>
-            </a:lnRef>
-            <a:fillRef idx="1">
-              <a:schemeClr val="lt1"/>
-            </a:fillRef>
-            <a:effectRef idx="0">
-              <a:schemeClr val="dk1"/>
-            </a:effectRef>
-            <a:fontRef idx="minor">
-              <a:schemeClr val="dk1"/>
-            </a:fontRef>
-          </p:style>
-          <p:txBody>
-            <a:bodyPr rtlCol="0" anchor="ctr"/>
-            <a:lstStyle/>
-            <a:p>
-              <a:pPr algn="ctr"/>
-              <a:r>
-                <a:rPr lang="en-US" sz="1400" b="1" dirty="0" smtClean="0"/>
-                <a:t>LO</a:t>
-              </a:r>
-              <a:endParaRPr lang="en-US" sz="1400" b="1" dirty="0"/>
-            </a:p>
-          </p:txBody>
-        </p:sp>
-        <p:cxnSp>
-          <p:nvCxnSpPr>
-            <p:cNvPr id="14" name="Elbow Connector 13"/>
-            <p:cNvCxnSpPr>
-              <a:stCxn id="12" idx="0"/>
-            </p:cNvCxnSpPr>
-            <p:nvPr/>
-          </p:nvCxnSpPr>
-          <p:spPr>
-            <a:xfrm rot="5400000" flipH="1" flipV="1">
-              <a:off x="54305" y="3229786"/>
-              <a:ext cx="988230" cy="452425"/>
-            </a:xfrm>
-            <a:prstGeom prst="bentConnector3">
-              <a:avLst>
-                <a:gd name="adj1" fmla="val 100156"/>
-              </a:avLst>
-            </a:prstGeom>
-            <a:ln w="28575">
-              <a:tailEnd type="triangle"/>
-            </a:ln>
-          </p:spPr>
-          <p:style>
-            <a:lnRef idx="1">
-              <a:schemeClr val="accent1"/>
-            </a:lnRef>
-            <a:fillRef idx="0">
-              <a:schemeClr val="accent1"/>
-            </a:fillRef>
-            <a:effectRef idx="0">
-              <a:schemeClr val="accent1"/>
-            </a:effectRef>
-            <a:fontRef idx="minor">
+            </a:solidFill>
+            <a:tailEnd type="triangle"/>
+          </a:ln>
+        </p:spPr>
+        <p:style>
+          <a:lnRef idx="1">
+            <a:schemeClr val="dk1"/>
+          </a:lnRef>
+          <a:fillRef idx="0">
+            <a:schemeClr val="dk1"/>
+          </a:fillRef>
+          <a:effectRef idx="0">
+            <a:schemeClr val="dk1"/>
+          </a:effectRef>
+          <a:fontRef idx="minor">
+            <a:schemeClr val="tx1"/>
+          </a:fontRef>
+        </p:style>
+      </p:cxnSp>
+      <p:sp>
+        <p:nvSpPr>
+          <p:cNvPr id="12" name="Oval 11"/>
+          <p:cNvSpPr/>
+          <p:nvPr/>
+        </p:nvSpPr>
+        <p:spPr>
+          <a:xfrm>
+            <a:off x="53852" y="3573040"/>
+            <a:ext cx="537121" cy="507153"/>
+          </a:xfrm>
+          <a:prstGeom prst="ellipse">
+            <a:avLst/>
+          </a:prstGeom>
+          <a:ln w="19050">
+            <a:solidFill>
               <a:schemeClr val="tx1"/>
-            </a:fontRef>
-          </p:style>
-        </p:cxnSp>
-        <p:cxnSp>
-          <p:nvCxnSpPr>
-            <p:cNvPr id="21" name="Straight Arrow Connector 20"/>
-            <p:cNvCxnSpPr>
-              <a:stCxn id="4" idx="3"/>
-              <a:endCxn id="22" idx="1"/>
-            </p:cNvCxnSpPr>
-            <p:nvPr/>
-          </p:nvCxnSpPr>
-          <p:spPr>
-            <a:xfrm>
-              <a:off x="1045009" y="2478104"/>
-              <a:ext cx="634345" cy="2877"/>
-            </a:xfrm>
-            <a:prstGeom prst="straightConnector1">
-              <a:avLst/>
-            </a:prstGeom>
-            <a:ln w="28575">
-              <a:tailEnd type="triangle"/>
-            </a:ln>
-          </p:spPr>
-          <p:style>
-            <a:lnRef idx="1">
-              <a:schemeClr val="accent1"/>
-            </a:lnRef>
-            <a:fillRef idx="0">
-              <a:schemeClr val="accent1"/>
-            </a:fillRef>
-            <a:effectRef idx="0">
-              <a:schemeClr val="accent1"/>
-            </a:effectRef>
-            <a:fontRef idx="minor">
+            </a:solidFill>
+          </a:ln>
+        </p:spPr>
+        <p:style>
+          <a:lnRef idx="2">
+            <a:schemeClr val="dk1"/>
+          </a:lnRef>
+          <a:fillRef idx="1">
+            <a:schemeClr val="lt1"/>
+          </a:fillRef>
+          <a:effectRef idx="0">
+            <a:schemeClr val="dk1"/>
+          </a:effectRef>
+          <a:fontRef idx="minor">
+            <a:schemeClr val="dk1"/>
+          </a:fontRef>
+        </p:style>
+        <p:txBody>
+          <a:bodyPr rtlCol="0" anchor="ctr"/>
+          <a:lstStyle/>
+          <a:p>
+            <a:pPr algn="ctr"/>
+            <a:r>
+              <a:rPr lang="en-US" sz="1400" b="1" dirty="0" smtClean="0"/>
+              <a:t>LO</a:t>
+            </a:r>
+            <a:endParaRPr lang="en-US" sz="1400" b="1" dirty="0"/>
+          </a:p>
+        </p:txBody>
+      </p:sp>
+      <p:cxnSp>
+        <p:nvCxnSpPr>
+          <p:cNvPr id="14" name="Elbow Connector 13"/>
+          <p:cNvCxnSpPr>
+            <a:stCxn id="12" idx="0"/>
+          </p:cNvCxnSpPr>
+          <p:nvPr/>
+        </p:nvCxnSpPr>
+        <p:spPr>
+          <a:xfrm rot="5400000" flipH="1" flipV="1">
+            <a:off x="54510" y="2852713"/>
+            <a:ext cx="988230" cy="452425"/>
+          </a:xfrm>
+          <a:prstGeom prst="bentConnector3">
+            <a:avLst>
+              <a:gd name="adj1" fmla="val 100156"/>
+            </a:avLst>
+          </a:prstGeom>
+          <a:ln w="19050">
+            <a:solidFill>
               <a:schemeClr val="tx1"/>
-            </a:fontRef>
-          </p:style>
-        </p:cxnSp>
-        <mc:AlternateContent xmlns:mc="http://schemas.openxmlformats.org/markup-compatibility/2006">
-          <mc:Choice xmlns:a14="http://schemas.microsoft.com/office/drawing/2010/main" Requires="a14">
-            <p:sp>
-              <p:nvSpPr>
-                <p:cNvPr id="22" name="Rectangle 21"/>
-                <p:cNvSpPr/>
-                <p:nvPr/>
-              </p:nvSpPr>
-              <p:spPr>
-                <a:xfrm>
-                  <a:off x="1679354" y="2203242"/>
-                  <a:ext cx="716864" cy="555477"/>
-                </a:xfrm>
-                <a:prstGeom prst="rect">
-                  <a:avLst/>
-                </a:prstGeom>
-                <a:ln w="28575"/>
-              </p:spPr>
-              <p:style>
-                <a:lnRef idx="2">
-                  <a:schemeClr val="dk1"/>
-                </a:lnRef>
-                <a:fillRef idx="1">
-                  <a:schemeClr val="lt1"/>
-                </a:fillRef>
-                <a:effectRef idx="0">
-                  <a:schemeClr val="dk1"/>
-                </a:effectRef>
-                <a:fontRef idx="minor">
-                  <a:schemeClr val="dk1"/>
-                </a:fontRef>
-              </p:style>
-              <p:txBody>
-                <a:bodyPr rtlCol="0" anchor="ctr"/>
-                <a:lstStyle/>
-                <a:p>
-                  <a:pPr algn="ctr"/>
-                  <a14:m>
-                    <m:oMathPara xmlns:m="http://schemas.openxmlformats.org/officeDocument/2006/math">
-                      <m:oMathParaPr>
-                        <m:jc m:val="centerGroup"/>
-                      </m:oMathParaPr>
-                      <m:oMath xmlns:m="http://schemas.openxmlformats.org/officeDocument/2006/math">
-                        <m:sSup>
-                          <m:sSupPr>
-                            <m:ctrlPr>
-                              <a:rPr lang="en-US" sz="1400" b="1" i="1" smtClean="0">
-                                <a:latin typeface="Cambria Math" panose="02040503050406030204" pitchFamily="18" charset="0"/>
-                              </a:rPr>
-                            </m:ctrlPr>
-                          </m:sSupPr>
-                          <m:e>
-                            <m:r>
-                              <m:rPr>
-                                <m:nor/>
-                              </m:rPr>
-                              <a:rPr lang="en-US" sz="1400" b="1" dirty="0">
-                                <a:latin typeface="+mj-lt"/>
-                                <a:cs typeface="Calibri" panose="020F0502020204030204" pitchFamily="34" charset="0"/>
-                              </a:rPr>
-                              <m:t>|</m:t>
-                            </m:r>
-                            <m:r>
-                              <a:rPr lang="en-US" sz="1400" b="1" i="1">
-                                <a:latin typeface="Cambria Math" panose="02040503050406030204" pitchFamily="18" charset="0"/>
-                                <a:ea typeface="Cambria Math" panose="02040503050406030204" pitchFamily="18" charset="0"/>
-                                <a:cs typeface="Calibri" panose="020F0502020204030204" pitchFamily="34" charset="0"/>
-                              </a:rPr>
-                              <m:t>∙</m:t>
-                            </m:r>
-                            <m:r>
-                              <m:rPr>
-                                <m:nor/>
-                              </m:rPr>
-                              <a:rPr lang="en-US" sz="1400" b="1" dirty="0">
-                                <a:latin typeface="+mj-lt"/>
-                                <a:cs typeface="Calibri" panose="020F0502020204030204" pitchFamily="34" charset="0"/>
-                              </a:rPr>
-                              <m:t>|</m:t>
-                            </m:r>
-                            <m:r>
-                              <m:rPr>
-                                <m:nor/>
-                              </m:rPr>
-                              <a:rPr lang="en-US" sz="1400" b="1" dirty="0">
-                                <a:latin typeface="+mj-lt"/>
-                              </a:rPr>
-                              <m:t> </m:t>
-                            </m:r>
-                          </m:e>
-                          <m:sup>
-                            <m:r>
-                              <a:rPr lang="en-US" sz="1400" b="1" i="1" smtClean="0">
-                                <a:latin typeface="Cambria Math" panose="02040503050406030204" pitchFamily="18" charset="0"/>
-                              </a:rPr>
-                              <m:t>𝟐</m:t>
-                            </m:r>
-                          </m:sup>
-                        </m:sSup>
-                      </m:oMath>
-                    </m:oMathPara>
-                  </a14:m>
-                  <a:endParaRPr lang="en-US" sz="1400" b="1" dirty="0">
-                    <a:latin typeface="+mj-lt"/>
-                  </a:endParaRPr>
-                </a:p>
-              </p:txBody>
-            </p:sp>
-          </mc:Choice>
-          <mc:Fallback>
-            <p:sp>
-              <p:nvSpPr>
-                <p:cNvPr id="22" name="Rectangle 21"/>
-                <p:cNvSpPr>
-                  <a:spLocks noRot="1" noChangeAspect="1" noMove="1" noResize="1" noEditPoints="1" noAdjustHandles="1" noChangeArrowheads="1" noChangeShapeType="1" noTextEdit="1"/>
-                </p:cNvSpPr>
-                <p:nvPr/>
-              </p:nvSpPr>
-              <p:spPr>
-                <a:xfrm>
-                  <a:off x="1679354" y="2203242"/>
-                  <a:ext cx="716864" cy="555477"/>
-                </a:xfrm>
-                <a:prstGeom prst="rect">
-                  <a:avLst/>
-                </a:prstGeom>
-                <a:blipFill>
-                  <a:blip r:embed="rId2"/>
-                  <a:stretch>
-                    <a:fillRect/>
-                  </a:stretch>
-                </a:blipFill>
-                <a:ln w="28575"/>
-              </p:spPr>
-              <p:txBody>
-                <a:bodyPr/>
-                <a:lstStyle/>
-                <a:p>
-                  <a:r>
-                    <a:rPr lang="en-US">
-                      <a:noFill/>
-                    </a:rPr>
-                    <a:t> </a:t>
-                  </a:r>
-                </a:p>
-              </p:txBody>
-            </p:sp>
-          </mc:Fallback>
-        </mc:AlternateContent>
-        <mc:AlternateContent xmlns:mc="http://schemas.openxmlformats.org/markup-compatibility/2006" xmlns:a14="http://schemas.microsoft.com/office/drawing/2010/main">
-          <mc:Choice Requires="a14">
-            <p:sp>
-              <p:nvSpPr>
-                <p:cNvPr id="40" name="Rectangle 39"/>
-                <p:cNvSpPr/>
-                <p:nvPr/>
-              </p:nvSpPr>
-              <p:spPr>
-                <a:xfrm>
-                  <a:off x="53648" y="1736811"/>
-                  <a:ext cx="733447" cy="307777"/>
-                </a:xfrm>
-                <a:prstGeom prst="rect">
-                  <a:avLst/>
-                </a:prstGeom>
-              </p:spPr>
-              <p:txBody>
-                <a:bodyPr wrap="square">
-                  <a:spAutoFit/>
-                </a:bodyPr>
-                <a:lstStyle/>
-                <a:p>
-                  <a:pPr algn="ctr"/>
-                  <a14:m>
-                    <m:oMathPara xmlns:m="http://schemas.openxmlformats.org/officeDocument/2006/math">
-                      <m:oMathParaPr>
-                        <m:jc m:val="centerGroup"/>
-                      </m:oMathParaPr>
-                      <m:oMath xmlns:m="http://schemas.openxmlformats.org/officeDocument/2006/math">
-                        <m:sSub>
-                          <m:sSubPr>
-                            <m:ctrlPr>
-                              <a:rPr lang="en-US" sz="1400" b="1" i="1" smtClean="0">
-                                <a:latin typeface="Cambria Math" panose="02040503050406030204" pitchFamily="18" charset="0"/>
-                              </a:rPr>
-                            </m:ctrlPr>
-                          </m:sSubPr>
-                          <m:e>
-                            <m:r>
-                              <a:rPr lang="en-US" sz="1400" b="1" i="1" smtClean="0">
-                                <a:latin typeface="Cambria Math" panose="02040503050406030204" pitchFamily="18" charset="0"/>
-                              </a:rPr>
-                              <m:t>𝑨</m:t>
-                            </m:r>
-                          </m:e>
-                          <m:sub>
-                            <m:r>
-                              <a:rPr lang="en-US" sz="1400" b="1" i="1" smtClean="0">
-                                <a:latin typeface="Cambria Math" panose="02040503050406030204" pitchFamily="18" charset="0"/>
-                              </a:rPr>
-                              <m:t>𝒔</m:t>
-                            </m:r>
-                          </m:sub>
-                        </m:sSub>
-                        <m:r>
-                          <a:rPr lang="en-US" sz="1400" b="1" i="1" smtClean="0">
-                            <a:latin typeface="Cambria Math" panose="02040503050406030204" pitchFamily="18" charset="0"/>
-                          </a:rPr>
-                          <m:t>(</m:t>
-                        </m:r>
-                        <m:r>
-                          <a:rPr lang="en-US" sz="1400" b="1" i="1" smtClean="0">
-                            <a:latin typeface="Cambria Math" panose="02040503050406030204" pitchFamily="18" charset="0"/>
-                          </a:rPr>
-                          <m:t>𝒕</m:t>
-                        </m:r>
-                        <m:r>
-                          <a:rPr lang="en-US" sz="1400" b="1" i="1" smtClean="0">
-                            <a:latin typeface="Cambria Math" panose="02040503050406030204" pitchFamily="18" charset="0"/>
-                          </a:rPr>
-                          <m:t>)</m:t>
-                        </m:r>
-                      </m:oMath>
-                    </m:oMathPara>
-                  </a14:m>
-                  <a:endParaRPr lang="en-US" sz="1400" b="1" dirty="0"/>
-                </a:p>
-              </p:txBody>
-            </p:sp>
-          </mc:Choice>
-          <mc:Fallback xmlns="">
-            <p:sp>
-              <p:nvSpPr>
-                <p:cNvPr id="40" name="Rectangle 39"/>
-                <p:cNvSpPr>
-                  <a:spLocks noRot="1" noChangeAspect="1" noMove="1" noResize="1" noEditPoints="1" noAdjustHandles="1" noChangeArrowheads="1" noChangeShapeType="1" noTextEdit="1"/>
-                </p:cNvSpPr>
-                <p:nvPr/>
-              </p:nvSpPr>
-              <p:spPr>
-                <a:xfrm>
-                  <a:off x="53648" y="1736811"/>
-                  <a:ext cx="733447" cy="307777"/>
-                </a:xfrm>
-                <a:prstGeom prst="rect">
-                  <a:avLst/>
-                </a:prstGeom>
-                <a:blipFill>
-                  <a:blip r:embed="rId3"/>
-                  <a:stretch>
-                    <a:fillRect b="-5882"/>
-                  </a:stretch>
-                </a:blipFill>
-              </p:spPr>
-              <p:txBody>
-                <a:bodyPr/>
-                <a:lstStyle/>
-                <a:p>
-                  <a:r>
-                    <a:rPr lang="en-US">
-                      <a:noFill/>
-                    </a:rPr>
-                    <a:t> </a:t>
-                  </a:r>
-                </a:p>
-              </p:txBody>
-            </p:sp>
-          </mc:Fallback>
-        </mc:AlternateContent>
-        <mc:AlternateContent xmlns:mc="http://schemas.openxmlformats.org/markup-compatibility/2006" xmlns:a14="http://schemas.microsoft.com/office/drawing/2010/main">
-          <mc:Choice Requires="a14">
-            <p:sp>
-              <p:nvSpPr>
-                <p:cNvPr id="48" name="Rectangle 47"/>
-                <p:cNvSpPr/>
-                <p:nvPr/>
-              </p:nvSpPr>
-              <p:spPr>
-                <a:xfrm>
-                  <a:off x="222443" y="3590208"/>
-                  <a:ext cx="1430021" cy="307777"/>
-                </a:xfrm>
-                <a:prstGeom prst="rect">
-                  <a:avLst/>
-                </a:prstGeom>
-              </p:spPr>
-              <p:txBody>
-                <a:bodyPr wrap="square">
-                  <a:spAutoFit/>
-                </a:bodyPr>
-                <a:lstStyle/>
-                <a:p>
-                  <a:pPr algn="ctr"/>
-                  <a14:m>
-                    <m:oMathPara xmlns:m="http://schemas.openxmlformats.org/officeDocument/2006/math">
-                      <m:oMathParaPr>
-                        <m:jc m:val="centerGroup"/>
-                      </m:oMathParaPr>
-                      <m:oMath xmlns:m="http://schemas.openxmlformats.org/officeDocument/2006/math">
-                        <m:sSub>
-                          <m:sSubPr>
-                            <m:ctrlPr>
-                              <a:rPr lang="en-US" sz="1400" b="1" i="1" smtClean="0">
-                                <a:latin typeface="Cambria Math" panose="02040503050406030204" pitchFamily="18" charset="0"/>
-                              </a:rPr>
-                            </m:ctrlPr>
-                          </m:sSubPr>
-                          <m:e>
-                            <m:r>
-                              <a:rPr lang="en-US" sz="1400" b="1" i="1">
-                                <a:latin typeface="Cambria Math" panose="02040503050406030204" pitchFamily="18" charset="0"/>
-                              </a:rPr>
-                              <m:t>𝑨</m:t>
-                            </m:r>
-                          </m:e>
-                          <m:sub>
-                            <m:r>
-                              <a:rPr lang="en-US" sz="1400" b="1" i="1" smtClean="0">
-                                <a:latin typeface="Cambria Math" panose="02040503050406030204" pitchFamily="18" charset="0"/>
-                              </a:rPr>
-                              <m:t>𝟎</m:t>
-                            </m:r>
-                          </m:sub>
-                        </m:sSub>
-                        <m:r>
-                          <a:rPr lang="en-US" sz="1400" b="1" i="1" smtClean="0">
-                            <a:latin typeface="Cambria Math" panose="02040503050406030204" pitchFamily="18" charset="0"/>
-                          </a:rPr>
-                          <m:t> </m:t>
-                        </m:r>
-                        <m:r>
-                          <a:rPr lang="en-US" sz="1400" b="1" i="0" smtClean="0">
-                            <a:latin typeface="Cambria Math" panose="02040503050406030204" pitchFamily="18" charset="0"/>
-                          </a:rPr>
-                          <m:t>𝐞𝐱𝐩</m:t>
-                        </m:r>
-                        <m:r>
-                          <a:rPr lang="en-US" sz="1400" b="1" i="1" smtClean="0">
-                            <a:latin typeface="Cambria Math" panose="02040503050406030204" pitchFamily="18" charset="0"/>
-                          </a:rPr>
-                          <m:t>⁡(</m:t>
-                        </m:r>
-                        <m:r>
-                          <a:rPr lang="en-US" sz="1400" b="1" i="1" smtClean="0">
-                            <a:latin typeface="Cambria Math" panose="02040503050406030204" pitchFamily="18" charset="0"/>
-                          </a:rPr>
-                          <m:t>𝒊</m:t>
-                        </m:r>
-                        <m:r>
-                          <a:rPr lang="en-US" sz="1400" b="1" i="1" smtClean="0">
-                            <a:latin typeface="Cambria Math" panose="02040503050406030204" pitchFamily="18" charset="0"/>
-                            <a:ea typeface="Cambria Math" panose="02040503050406030204" pitchFamily="18" charset="0"/>
-                          </a:rPr>
-                          <m:t>𝝅</m:t>
-                        </m:r>
-                        <m:r>
-                          <a:rPr lang="en-US" sz="1400" b="1" i="1" smtClean="0">
-                            <a:latin typeface="Cambria Math" panose="02040503050406030204" pitchFamily="18" charset="0"/>
-                            <a:ea typeface="Cambria Math" panose="02040503050406030204" pitchFamily="18" charset="0"/>
-                          </a:rPr>
-                          <m:t>𝑩𝒕</m:t>
-                        </m:r>
-                        <m:r>
-                          <a:rPr lang="en-US" sz="1400" b="1" i="1" smtClean="0">
-                            <a:latin typeface="Cambria Math" panose="02040503050406030204" pitchFamily="18" charset="0"/>
-                          </a:rPr>
-                          <m:t>)</m:t>
-                        </m:r>
-                      </m:oMath>
-                    </m:oMathPara>
-                  </a14:m>
-                  <a:endParaRPr lang="en-US" sz="1400" b="1" dirty="0"/>
-                </a:p>
-              </p:txBody>
-            </p:sp>
-          </mc:Choice>
-          <mc:Fallback xmlns="">
-            <p:sp>
-              <p:nvSpPr>
-                <p:cNvPr id="48" name="Rectangle 47"/>
-                <p:cNvSpPr>
-                  <a:spLocks noRot="1" noChangeAspect="1" noMove="1" noResize="1" noEditPoints="1" noAdjustHandles="1" noChangeArrowheads="1" noChangeShapeType="1" noTextEdit="1"/>
-                </p:cNvSpPr>
-                <p:nvPr/>
-              </p:nvSpPr>
-              <p:spPr>
-                <a:xfrm>
-                  <a:off x="222443" y="3590208"/>
-                  <a:ext cx="1430021" cy="307777"/>
-                </a:xfrm>
-                <a:prstGeom prst="rect">
-                  <a:avLst/>
-                </a:prstGeom>
-                <a:blipFill>
-                  <a:blip r:embed="rId4"/>
-                  <a:stretch>
-                    <a:fillRect b="-5882"/>
-                  </a:stretch>
-                </a:blipFill>
-              </p:spPr>
-              <p:txBody>
-                <a:bodyPr/>
-                <a:lstStyle/>
-                <a:p>
-                  <a:r>
-                    <a:rPr lang="en-US">
-                      <a:noFill/>
-                    </a:rPr>
-                    <a:t> </a:t>
-                  </a:r>
-                </a:p>
-              </p:txBody>
-            </p:sp>
-          </mc:Fallback>
-        </mc:AlternateContent>
-        <mc:AlternateContent xmlns:mc="http://schemas.openxmlformats.org/markup-compatibility/2006">
-          <mc:Choice xmlns:a14="http://schemas.microsoft.com/office/drawing/2010/main" Requires="a14">
-            <p:sp>
-              <p:nvSpPr>
-                <p:cNvPr id="49" name="TextBox 48"/>
-                <p:cNvSpPr txBox="1"/>
-                <p:nvPr/>
-              </p:nvSpPr>
-              <p:spPr>
-                <a:xfrm>
-                  <a:off x="1843429" y="1957153"/>
-                  <a:ext cx="388714" cy="276999"/>
-                </a:xfrm>
-                <a:prstGeom prst="rect">
-                  <a:avLst/>
-                </a:prstGeom>
+            </a:solidFill>
+            <a:tailEnd type="triangle"/>
+          </a:ln>
+        </p:spPr>
+        <p:style>
+          <a:lnRef idx="1">
+            <a:schemeClr val="dk1"/>
+          </a:lnRef>
+          <a:fillRef idx="0">
+            <a:schemeClr val="dk1"/>
+          </a:fillRef>
+          <a:effectRef idx="0">
+            <a:schemeClr val="dk1"/>
+          </a:effectRef>
+          <a:fontRef idx="minor">
+            <a:schemeClr val="tx1"/>
+          </a:fontRef>
+        </p:style>
+      </p:cxnSp>
+      <p:cxnSp>
+        <p:nvCxnSpPr>
+          <p:cNvPr id="21" name="Straight Arrow Connector 20"/>
+          <p:cNvCxnSpPr>
+            <a:stCxn id="3" idx="3"/>
+            <a:endCxn id="8" idx="1"/>
+          </p:cNvCxnSpPr>
+          <p:nvPr/>
+        </p:nvCxnSpPr>
+        <p:spPr>
+          <a:xfrm>
+            <a:off x="1031952" y="2103907"/>
+            <a:ext cx="642402" cy="1465"/>
+          </a:xfrm>
+          <a:prstGeom prst="straightConnector1">
+            <a:avLst/>
+          </a:prstGeom>
+          <a:ln w="19050">
+            <a:solidFill>
+              <a:schemeClr val="tx1"/>
+            </a:solidFill>
+            <a:tailEnd type="triangle"/>
+          </a:ln>
+        </p:spPr>
+        <p:style>
+          <a:lnRef idx="1">
+            <a:schemeClr val="dk1"/>
+          </a:lnRef>
+          <a:fillRef idx="0">
+            <a:schemeClr val="dk1"/>
+          </a:fillRef>
+          <a:effectRef idx="0">
+            <a:schemeClr val="dk1"/>
+          </a:effectRef>
+          <a:fontRef idx="minor">
+            <a:schemeClr val="tx1"/>
+          </a:fontRef>
+        </p:style>
+      </p:cxnSp>
+      <mc:AlternateContent xmlns:mc="http://schemas.openxmlformats.org/markup-compatibility/2006">
+        <mc:Choice xmlns:a14="http://schemas.microsoft.com/office/drawing/2010/main" Requires="a14">
+          <p:sp>
+            <p:nvSpPr>
+              <p:cNvPr id="40" name="Rectangle 39"/>
+              <p:cNvSpPr/>
+              <p:nvPr/>
+            </p:nvSpPr>
+            <p:spPr>
+              <a:xfrm>
+                <a:off x="53853" y="1359738"/>
+                <a:ext cx="733447" cy="307777"/>
+              </a:xfrm>
+              <a:prstGeom prst="rect">
+                <a:avLst/>
+              </a:prstGeom>
+              <a:ln w="19050">
                 <a:noFill/>
-              </p:spPr>
-              <p:txBody>
-                <a:bodyPr wrap="square" lIns="0" tIns="0" rIns="0" bIns="0" rtlCol="0">
-                  <a:spAutoFit/>
-                </a:bodyPr>
-                <a:lstStyle/>
-                <a:p>
-                  <a:pPr/>
-                  <a14:m>
-                    <m:oMathPara xmlns:m="http://schemas.openxmlformats.org/officeDocument/2006/math">
-                      <m:oMathParaPr>
-                        <m:jc m:val="centerGroup"/>
-                      </m:oMathParaPr>
-                      <m:oMath xmlns:m="http://schemas.openxmlformats.org/officeDocument/2006/math">
-                        <m:r>
-                          <m:rPr>
-                            <m:sty m:val="p"/>
-                          </m:rPr>
-                          <a:rPr lang="en-US" b="0" i="0" smtClean="0">
-                            <a:latin typeface="Cambria Math" panose="02040503050406030204" pitchFamily="18" charset="0"/>
-                          </a:rPr>
-                          <m:t>PD</m:t>
-                        </m:r>
-                      </m:oMath>
-                    </m:oMathPara>
-                  </a14:m>
-                  <a:endParaRPr lang="en-US" dirty="0"/>
-                </a:p>
-              </p:txBody>
-            </p:sp>
-          </mc:Choice>
-          <mc:Fallback>
-            <p:sp>
-              <p:nvSpPr>
-                <p:cNvPr id="49" name="TextBox 48"/>
-                <p:cNvSpPr txBox="1">
-                  <a:spLocks noRot="1" noChangeAspect="1" noMove="1" noResize="1" noEditPoints="1" noAdjustHandles="1" noChangeArrowheads="1" noChangeShapeType="1" noTextEdit="1"/>
-                </p:cNvSpPr>
-                <p:nvPr/>
-              </p:nvSpPr>
-              <p:spPr>
-                <a:xfrm>
-                  <a:off x="1843429" y="1957153"/>
-                  <a:ext cx="388714" cy="276999"/>
-                </a:xfrm>
-                <a:prstGeom prst="rect">
-                  <a:avLst/>
-                </a:prstGeom>
-                <a:blipFill>
-                  <a:blip r:embed="rId5"/>
-                  <a:stretch>
-                    <a:fillRect l="-6250" r="-9375" b="-6522"/>
-                  </a:stretch>
-                </a:blipFill>
-              </p:spPr>
-              <p:txBody>
-                <a:bodyPr/>
-                <a:lstStyle/>
-                <a:p>
-                  <a:r>
-                    <a:rPr lang="en-US">
-                      <a:noFill/>
-                    </a:rPr>
-                    <a:t> </a:t>
-                  </a:r>
-                </a:p>
-              </p:txBody>
-            </p:sp>
-          </mc:Fallback>
-        </mc:AlternateContent>
-        <mc:AlternateContent xmlns:mc="http://schemas.openxmlformats.org/markup-compatibility/2006" xmlns:a14="http://schemas.microsoft.com/office/drawing/2010/main">
-          <mc:Choice Requires="a14">
-            <p:sp>
-              <p:nvSpPr>
-                <p:cNvPr id="110" name="Rectangle 109"/>
-                <p:cNvSpPr/>
-                <p:nvPr/>
-              </p:nvSpPr>
-              <p:spPr>
-                <a:xfrm>
-                  <a:off x="53647" y="5454279"/>
-                  <a:ext cx="4681282" cy="738664"/>
-                </a:xfrm>
-                <a:prstGeom prst="rect">
-                  <a:avLst/>
-                </a:prstGeom>
-              </p:spPr>
-              <p:txBody>
-                <a:bodyPr wrap="none">
-                  <a:spAutoFit/>
-                </a:bodyPr>
-                <a:lstStyle/>
-                <a:p>
-                  <a14:m>
+              </a:ln>
+            </p:spPr>
+            <p:txBody>
+              <a:bodyPr wrap="square">
+                <a:spAutoFit/>
+              </a:bodyPr>
+              <a:lstStyle/>
+              <a:p>
+                <a:pPr algn="ctr"/>
+                <a14:m>
+                  <m:oMathPara xmlns:m="http://schemas.openxmlformats.org/officeDocument/2006/math">
+                    <m:oMathParaPr>
+                      <m:jc m:val="centerGroup"/>
+                    </m:oMathParaPr>
                     <m:oMath xmlns:m="http://schemas.openxmlformats.org/officeDocument/2006/math">
                       <m:sSub>
                         <m:sSubPr>
                           <m:ctrlPr>
-                            <a:rPr lang="en-US" sz="1400" i="1" smtClean="0">
+                            <a:rPr lang="en-US" sz="1400" b="1" i="1" smtClean="0">
                               <a:latin typeface="Cambria Math" panose="02040503050406030204" pitchFamily="18" charset="0"/>
                             </a:rPr>
                           </m:ctrlPr>
                         </m:sSubPr>
                         <m:e>
-                          <m:sSub>
-                            <m:sSubPr>
-                              <m:ctrlPr>
-                                <a:rPr lang="en-US" sz="1400" i="1">
-                                  <a:latin typeface="Cambria Math" panose="02040503050406030204" pitchFamily="18" charset="0"/>
-                                </a:rPr>
-                              </m:ctrlPr>
-                            </m:sSubPr>
-                            <m:e>
-                              <m:r>
-                                <a:rPr lang="en-US" sz="1400" i="1">
-                                  <a:latin typeface="Cambria Math" panose="02040503050406030204" pitchFamily="18" charset="0"/>
-                                </a:rPr>
-                                <m:t>𝐴</m:t>
-                              </m:r>
-                              <m:d>
-                                <m:dPr>
-                                  <m:ctrlPr>
-                                    <a:rPr lang="en-US" sz="1400" i="1">
-                                      <a:latin typeface="Cambria Math" panose="02040503050406030204" pitchFamily="18" charset="0"/>
-                                    </a:rPr>
-                                  </m:ctrlPr>
-                                </m:dPr>
-                                <m:e>
-                                  <m:r>
-                                    <a:rPr lang="en-US" sz="1400" i="1">
-                                      <a:latin typeface="Cambria Math" panose="02040503050406030204" pitchFamily="18" charset="0"/>
-                                    </a:rPr>
-                                    <m:t>𝑡</m:t>
-                                  </m:r>
-                                </m:e>
-                              </m:d>
-                              <m:r>
-                                <a:rPr lang="en-US" sz="1400" i="1">
-                                  <a:latin typeface="Cambria Math" panose="02040503050406030204" pitchFamily="18" charset="0"/>
-                                </a:rPr>
-                                <m:t>=</m:t>
-                              </m:r>
-                              <m:r>
-                                <a:rPr lang="en-US" sz="1400" i="1">
-                                  <a:latin typeface="Cambria Math" panose="02040503050406030204" pitchFamily="18" charset="0"/>
-                                </a:rPr>
-                                <m:t>𝐴</m:t>
-                              </m:r>
-                            </m:e>
-                            <m:sub>
-                              <m:r>
-                                <a:rPr lang="en-US" sz="1400" i="1">
-                                  <a:latin typeface="Cambria Math" panose="02040503050406030204" pitchFamily="18" charset="0"/>
-                                </a:rPr>
-                                <m:t>𝑠</m:t>
-                              </m:r>
-                            </m:sub>
-                          </m:sSub>
-                          <m:d>
-                            <m:dPr>
-                              <m:ctrlPr>
-                                <a:rPr lang="en-US" sz="1400" i="1">
-                                  <a:latin typeface="Cambria Math" panose="02040503050406030204" pitchFamily="18" charset="0"/>
-                                </a:rPr>
-                              </m:ctrlPr>
-                            </m:dPr>
-                            <m:e>
-                              <m:r>
-                                <a:rPr lang="en-US" sz="1400" i="1">
-                                  <a:latin typeface="Cambria Math" panose="02040503050406030204" pitchFamily="18" charset="0"/>
-                                </a:rPr>
-                                <m:t>𝑡</m:t>
-                              </m:r>
-                            </m:e>
-                          </m:d>
                           <m:r>
-                            <m:rPr>
-                              <m:nor/>
-                            </m:rPr>
-                            <a:rPr lang="en-US" sz="1400" dirty="0"/>
-                            <m:t> </m:t>
-                          </m:r>
-                          <m:r>
-                            <a:rPr lang="en-US" sz="1400" i="1" dirty="0">
+                            <a:rPr lang="en-US" sz="1400" b="1" i="1" smtClean="0">
                               <a:latin typeface="Cambria Math" panose="02040503050406030204" pitchFamily="18" charset="0"/>
                             </a:rPr>
-                            <m:t>+</m:t>
-                          </m:r>
-                          <m:r>
-                            <a:rPr lang="en-US" sz="1400" i="1">
-                              <a:latin typeface="Cambria Math" panose="02040503050406030204" pitchFamily="18" charset="0"/>
-                            </a:rPr>
-                            <m:t>𝐴</m:t>
+                            <m:t>𝑨</m:t>
                           </m:r>
                         </m:e>
                         <m:sub>
                           <m:r>
-                            <a:rPr lang="en-US" sz="1400" i="1">
+                            <a:rPr lang="en-US" sz="1400" b="1" i="1" smtClean="0">
                               <a:latin typeface="Cambria Math" panose="02040503050406030204" pitchFamily="18" charset="0"/>
                             </a:rPr>
-                            <m:t>0</m:t>
+                            <m:t>𝒔</m:t>
                           </m:r>
                         </m:sub>
                       </m:sSub>
                       <m:r>
-                        <a:rPr lang="en-US" sz="1400" i="1">
+                        <a:rPr lang="en-US" sz="1400" b="1" i="1" smtClean="0">
+                          <a:latin typeface="Cambria Math" panose="02040503050406030204" pitchFamily="18" charset="0"/>
+                        </a:rPr>
+                        <m:t>(</m:t>
+                      </m:r>
+                      <m:r>
+                        <a:rPr lang="en-US" sz="1400" b="1" i="1" smtClean="0">
+                          <a:latin typeface="Cambria Math" panose="02040503050406030204" pitchFamily="18" charset="0"/>
+                        </a:rPr>
+                        <m:t>𝒕</m:t>
+                      </m:r>
+                      <m:r>
+                        <a:rPr lang="en-US" sz="1400" b="1" i="1" smtClean="0">
+                          <a:latin typeface="Cambria Math" panose="02040503050406030204" pitchFamily="18" charset="0"/>
+                        </a:rPr>
+                        <m:t>)</m:t>
+                      </m:r>
+                    </m:oMath>
+                  </m:oMathPara>
+                </a14:m>
+                <a:endParaRPr lang="en-US" sz="1400" b="1" dirty="0"/>
+              </a:p>
+            </p:txBody>
+          </p:sp>
+        </mc:Choice>
+        <mc:Fallback>
+          <p:sp>
+            <p:nvSpPr>
+              <p:cNvPr id="40" name="Rectangle 39"/>
+              <p:cNvSpPr>
+                <a:spLocks noRot="1" noChangeAspect="1" noMove="1" noResize="1" noEditPoints="1" noAdjustHandles="1" noChangeArrowheads="1" noChangeShapeType="1" noTextEdit="1"/>
+              </p:cNvSpPr>
+              <p:nvPr/>
+            </p:nvSpPr>
+            <p:spPr>
+              <a:xfrm>
+                <a:off x="53853" y="1359738"/>
+                <a:ext cx="733447" cy="307777"/>
+              </a:xfrm>
+              <a:prstGeom prst="rect">
+                <a:avLst/>
+              </a:prstGeom>
+              <a:blipFill>
+                <a:blip r:embed="rId2"/>
+                <a:stretch>
+                  <a:fillRect b="-5882"/>
+                </a:stretch>
+              </a:blipFill>
+              <a:ln w="19050">
+                <a:noFill/>
+              </a:ln>
+            </p:spPr>
+            <p:txBody>
+              <a:bodyPr/>
+              <a:lstStyle/>
+              <a:p>
+                <a:r>
+                  <a:rPr lang="en-US">
+                    <a:noFill/>
+                  </a:rPr>
+                  <a:t> </a:t>
+                </a:r>
+              </a:p>
+            </p:txBody>
+          </p:sp>
+        </mc:Fallback>
+      </mc:AlternateContent>
+      <mc:AlternateContent xmlns:mc="http://schemas.openxmlformats.org/markup-compatibility/2006">
+        <mc:Choice xmlns:a14="http://schemas.microsoft.com/office/drawing/2010/main" Requires="a14">
+          <p:sp>
+            <p:nvSpPr>
+              <p:cNvPr id="48" name="Rectangle 47"/>
+              <p:cNvSpPr/>
+              <p:nvPr/>
+            </p:nvSpPr>
+            <p:spPr>
+              <a:xfrm>
+                <a:off x="222648" y="3213135"/>
+                <a:ext cx="1430021" cy="307777"/>
+              </a:xfrm>
+              <a:prstGeom prst="rect">
+                <a:avLst/>
+              </a:prstGeom>
+              <a:ln w="19050">
+                <a:noFill/>
+              </a:ln>
+            </p:spPr>
+            <p:txBody>
+              <a:bodyPr wrap="square">
+                <a:spAutoFit/>
+              </a:bodyPr>
+              <a:lstStyle/>
+              <a:p>
+                <a:pPr algn="ctr"/>
+                <a14:m>
+                  <m:oMathPara xmlns:m="http://schemas.openxmlformats.org/officeDocument/2006/math">
+                    <m:oMathParaPr>
+                      <m:jc m:val="centerGroup"/>
+                    </m:oMathParaPr>
+                    <m:oMath xmlns:m="http://schemas.openxmlformats.org/officeDocument/2006/math">
+                      <m:sSub>
+                        <m:sSubPr>
+                          <m:ctrlPr>
+                            <a:rPr lang="en-US" sz="1400" b="1" i="1" smtClean="0">
+                              <a:latin typeface="Cambria Math" panose="02040503050406030204" pitchFamily="18" charset="0"/>
+                            </a:rPr>
+                          </m:ctrlPr>
+                        </m:sSubPr>
+                        <m:e>
+                          <m:r>
+                            <a:rPr lang="en-US" sz="1400" b="1" i="1">
+                              <a:latin typeface="Cambria Math" panose="02040503050406030204" pitchFamily="18" charset="0"/>
+                            </a:rPr>
+                            <m:t>𝑨</m:t>
+                          </m:r>
+                        </m:e>
+                        <m:sub>
+                          <m:r>
+                            <a:rPr lang="en-US" sz="1400" b="1" i="1" smtClean="0">
+                              <a:latin typeface="Cambria Math" panose="02040503050406030204" pitchFamily="18" charset="0"/>
+                            </a:rPr>
+                            <m:t>𝟎</m:t>
+                          </m:r>
+                        </m:sub>
+                      </m:sSub>
+                      <m:r>
+                        <a:rPr lang="en-US" sz="1400" b="1" i="1" smtClean="0">
                           <a:latin typeface="Cambria Math" panose="02040503050406030204" pitchFamily="18" charset="0"/>
                         </a:rPr>
                         <m:t> </m:t>
                       </m:r>
                       <m:r>
-                        <m:rPr>
-                          <m:sty m:val="p"/>
-                        </m:rPr>
-                        <a:rPr lang="en-US" sz="1400">
+                        <a:rPr lang="en-US" sz="1400" b="1" i="0" smtClean="0">
                           <a:latin typeface="Cambria Math" panose="02040503050406030204" pitchFamily="18" charset="0"/>
                         </a:rPr>
-                        <m:t>exp</m:t>
+                        <m:t>𝐞𝐱𝐩</m:t>
                       </m:r>
                       <m:r>
-                        <a:rPr lang="en-US" sz="1400" i="1">
+                        <a:rPr lang="en-US" sz="1400" b="1" i="1" smtClean="0">
                           <a:latin typeface="Cambria Math" panose="02040503050406030204" pitchFamily="18" charset="0"/>
                         </a:rPr>
-                        <m:t>(</m:t>
+                        <m:t>⁡(</m:t>
                       </m:r>
                       <m:r>
-                        <a:rPr lang="en-US" sz="1400" i="1">
+                        <a:rPr lang="en-US" sz="1400" b="1" i="1" smtClean="0">
                           <a:latin typeface="Cambria Math" panose="02040503050406030204" pitchFamily="18" charset="0"/>
                         </a:rPr>
-                        <m:t>𝑖</m:t>
+                        <m:t>𝒊</m:t>
                       </m:r>
                       <m:r>
-                        <a:rPr lang="en-US" sz="1400" i="1">
+                        <a:rPr lang="en-US" sz="1400" b="1" i="1" smtClean="0">
                           <a:latin typeface="Cambria Math" panose="02040503050406030204" pitchFamily="18" charset="0"/>
                           <a:ea typeface="Cambria Math" panose="02040503050406030204" pitchFamily="18" charset="0"/>
                         </a:rPr>
-                        <m:t>𝜋</m:t>
+                        <m:t>𝝅</m:t>
                       </m:r>
                       <m:r>
-                        <a:rPr lang="en-US" sz="1400" i="1">
+                        <a:rPr lang="en-US" sz="1400" b="1" i="1" smtClean="0">
                           <a:latin typeface="Cambria Math" panose="02040503050406030204" pitchFamily="18" charset="0"/>
                           <a:ea typeface="Cambria Math" panose="02040503050406030204" pitchFamily="18" charset="0"/>
                         </a:rPr>
-                        <m:t>𝐵𝑡</m:t>
+                        <m:t>𝑩𝒕</m:t>
                       </m:r>
                       <m:r>
-                        <a:rPr lang="en-US" sz="1400" i="1" smtClean="0">
+                        <a:rPr lang="en-US" sz="1400" b="1" i="1" smtClean="0">
                           <a:latin typeface="Cambria Math" panose="02040503050406030204" pitchFamily="18" charset="0"/>
                         </a:rPr>
                         <m:t>)</m:t>
                       </m:r>
                     </m:oMath>
-                  </a14:m>
-                  <a:r>
-                    <a:rPr lang="en-US" sz="1400" dirty="0" smtClean="0"/>
-                    <a:t>  [</a:t>
-                  </a:r>
-                  <a14:m>
+                  </m:oMathPara>
+                </a14:m>
+                <a:endParaRPr lang="en-US" sz="1400" b="1" dirty="0"/>
+              </a:p>
+            </p:txBody>
+          </p:sp>
+        </mc:Choice>
+        <mc:Fallback>
+          <p:sp>
+            <p:nvSpPr>
+              <p:cNvPr id="48" name="Rectangle 47"/>
+              <p:cNvSpPr>
+                <a:spLocks noRot="1" noChangeAspect="1" noMove="1" noResize="1" noEditPoints="1" noAdjustHandles="1" noChangeArrowheads="1" noChangeShapeType="1" noTextEdit="1"/>
+              </p:cNvSpPr>
+              <p:nvPr/>
+            </p:nvSpPr>
+            <p:spPr>
+              <a:xfrm>
+                <a:off x="222648" y="3213135"/>
+                <a:ext cx="1430021" cy="307777"/>
+              </a:xfrm>
+              <a:prstGeom prst="rect">
+                <a:avLst/>
+              </a:prstGeom>
+              <a:blipFill>
+                <a:blip r:embed="rId3"/>
+                <a:stretch>
+                  <a:fillRect b="-5882"/>
+                </a:stretch>
+              </a:blipFill>
+              <a:ln w="19050">
+                <a:noFill/>
+              </a:ln>
+            </p:spPr>
+            <p:txBody>
+              <a:bodyPr/>
+              <a:lstStyle/>
+              <a:p>
+                <a:r>
+                  <a:rPr lang="en-US">
+                    <a:noFill/>
+                  </a:rPr>
+                  <a:t> </a:t>
+                </a:r>
+              </a:p>
+            </p:txBody>
+          </p:sp>
+        </mc:Fallback>
+      </mc:AlternateContent>
+      <mc:AlternateContent xmlns:mc="http://schemas.openxmlformats.org/markup-compatibility/2006">
+        <mc:Choice xmlns:a14="http://schemas.microsoft.com/office/drawing/2010/main" Requires="a14">
+          <p:sp>
+            <p:nvSpPr>
+              <p:cNvPr id="49" name="TextBox 48"/>
+              <p:cNvSpPr txBox="1"/>
+              <p:nvPr/>
+            </p:nvSpPr>
+            <p:spPr>
+              <a:xfrm>
+                <a:off x="1843634" y="1580080"/>
+                <a:ext cx="388714" cy="276999"/>
+              </a:xfrm>
+              <a:prstGeom prst="rect">
+                <a:avLst/>
+              </a:prstGeom>
+              <a:noFill/>
+              <a:ln w="19050">
+                <a:noFill/>
+              </a:ln>
+            </p:spPr>
+            <p:txBody>
+              <a:bodyPr wrap="square" lIns="0" tIns="0" rIns="0" bIns="0" rtlCol="0">
+                <a:spAutoFit/>
+              </a:bodyPr>
+              <a:lstStyle/>
+              <a:p>
+                <a:pPr/>
+                <a14:m>
+                  <m:oMathPara xmlns:m="http://schemas.openxmlformats.org/officeDocument/2006/math">
+                    <m:oMathParaPr>
+                      <m:jc m:val="centerGroup"/>
+                    </m:oMathParaPr>
                     <m:oMath xmlns:m="http://schemas.openxmlformats.org/officeDocument/2006/math">
                       <m:r>
-                        <a:rPr lang="en-US" sz="1400" b="1" i="1">
+                        <m:rPr>
+                          <m:sty m:val="p"/>
+                        </m:rPr>
+                        <a:rPr lang="en-US" b="0" i="0" smtClean="0">
                           <a:latin typeface="Cambria Math" panose="02040503050406030204" pitchFamily="18" charset="0"/>
                         </a:rPr>
-                        <m:t>𝑴𝒊𝒏𝒊𝒎𝒖𝒎</m:t>
-                      </m:r>
-                      <m:r>
-                        <a:rPr lang="en-US" sz="1400" b="1" i="1">
-                          <a:latin typeface="Cambria Math" panose="02040503050406030204" pitchFamily="18" charset="0"/>
-                        </a:rPr>
-                        <m:t> </m:t>
-                      </m:r>
-                      <m:r>
-                        <a:rPr lang="en-US" sz="1400" b="1" i="1">
-                          <a:latin typeface="Cambria Math" panose="02040503050406030204" pitchFamily="18" charset="0"/>
-                        </a:rPr>
-                        <m:t>𝑷𝒉𝒂𝒔𝒆</m:t>
-                      </m:r>
-                      <m:r>
-                        <a:rPr lang="en-US" sz="1400" b="1" i="1">
-                          <a:latin typeface="Cambria Math" panose="02040503050406030204" pitchFamily="18" charset="0"/>
-                        </a:rPr>
-                        <m:t> </m:t>
-                      </m:r>
-                      <m:r>
-                        <a:rPr lang="en-US" sz="1400" b="1" i="1">
-                          <a:latin typeface="Cambria Math" panose="02040503050406030204" pitchFamily="18" charset="0"/>
-                        </a:rPr>
-                        <m:t>𝒔𝒊𝒈𝒏𝒂𝒍</m:t>
+                        <m:t>PD</m:t>
                       </m:r>
                     </m:oMath>
-                  </a14:m>
-                  <a:r>
-                    <a:rPr lang="en-US" sz="1400" dirty="0" smtClean="0"/>
-                    <a:t>]</a:t>
-                  </a:r>
-                </a:p>
-                <a:p>
-                  <a:pPr/>
-                  <a14:m>
-                    <m:oMathPara xmlns:m="http://schemas.openxmlformats.org/officeDocument/2006/math">
-                      <m:oMathParaPr>
-                        <m:jc m:val="left"/>
-                      </m:oMathParaPr>
-                      <m:oMath xmlns:m="http://schemas.openxmlformats.org/officeDocument/2006/math">
+                  </m:oMathPara>
+                </a14:m>
+                <a:endParaRPr lang="en-US" dirty="0"/>
+              </a:p>
+            </p:txBody>
+          </p:sp>
+        </mc:Choice>
+        <mc:Fallback>
+          <p:sp>
+            <p:nvSpPr>
+              <p:cNvPr id="49" name="TextBox 48"/>
+              <p:cNvSpPr txBox="1">
+                <a:spLocks noRot="1" noChangeAspect="1" noMove="1" noResize="1" noEditPoints="1" noAdjustHandles="1" noChangeArrowheads="1" noChangeShapeType="1" noTextEdit="1"/>
+              </p:cNvSpPr>
+              <p:nvPr/>
+            </p:nvSpPr>
+            <p:spPr>
+              <a:xfrm>
+                <a:off x="1843634" y="1580080"/>
+                <a:ext cx="388714" cy="276999"/>
+              </a:xfrm>
+              <a:prstGeom prst="rect">
+                <a:avLst/>
+              </a:prstGeom>
+              <a:blipFill>
+                <a:blip r:embed="rId4"/>
+                <a:stretch>
+                  <a:fillRect l="-6250" r="-9375" b="-6522"/>
+                </a:stretch>
+              </a:blipFill>
+              <a:ln w="19050">
+                <a:noFill/>
+              </a:ln>
+            </p:spPr>
+            <p:txBody>
+              <a:bodyPr/>
+              <a:lstStyle/>
+              <a:p>
+                <a:r>
+                  <a:rPr lang="en-US">
+                    <a:noFill/>
+                  </a:rPr>
+                  <a:t> </a:t>
+                </a:r>
+              </a:p>
+            </p:txBody>
+          </p:sp>
+        </mc:Fallback>
+      </mc:AlternateContent>
+      <mc:AlternateContent xmlns:mc="http://schemas.openxmlformats.org/markup-compatibility/2006">
+        <mc:Choice xmlns:a14="http://schemas.microsoft.com/office/drawing/2010/main" Requires="a14">
+          <p:sp>
+            <p:nvSpPr>
+              <p:cNvPr id="110" name="Rectangle 109"/>
+              <p:cNvSpPr/>
+              <p:nvPr/>
+            </p:nvSpPr>
+            <p:spPr>
+              <a:xfrm>
+                <a:off x="160824" y="5471024"/>
+                <a:ext cx="4681282" cy="738664"/>
+              </a:xfrm>
+              <a:prstGeom prst="rect">
+                <a:avLst/>
+              </a:prstGeom>
+              <a:ln w="19050">
+                <a:noFill/>
+              </a:ln>
+            </p:spPr>
+            <p:txBody>
+              <a:bodyPr wrap="none">
+                <a:spAutoFit/>
+              </a:bodyPr>
+              <a:lstStyle/>
+              <a:p>
+                <a14:m>
+                  <m:oMath xmlns:m="http://schemas.openxmlformats.org/officeDocument/2006/math">
+                    <m:sSub>
+                      <m:sSubPr>
+                        <m:ctrlPr>
+                          <a:rPr lang="en-US" sz="1400" i="1" smtClean="0">
+                            <a:latin typeface="Cambria Math" panose="02040503050406030204" pitchFamily="18" charset="0"/>
+                          </a:rPr>
+                        </m:ctrlPr>
+                      </m:sSubPr>
+                      <m:e>
                         <m:sSub>
                           <m:sSubPr>
                             <m:ctrlPr>
@@ -3920,6 +3548,35 @@
                             </m:ctrlPr>
                           </m:sSubPr>
                           <m:e>
+                            <m:r>
+                              <a:rPr lang="en-US" sz="1400" i="1">
+                                <a:latin typeface="Cambria Math" panose="02040503050406030204" pitchFamily="18" charset="0"/>
+                              </a:rPr>
+                              <m:t>𝐴</m:t>
+                            </m:r>
+                            <m:d>
+                              <m:dPr>
+                                <m:ctrlPr>
+                                  <a:rPr lang="en-US" sz="1400" i="1">
+                                    <a:latin typeface="Cambria Math" panose="02040503050406030204" pitchFamily="18" charset="0"/>
+                                  </a:rPr>
+                                </m:ctrlPr>
+                              </m:dPr>
+                              <m:e>
+                                <m:r>
+                                  <a:rPr lang="en-US" sz="1400" i="1">
+                                    <a:latin typeface="Cambria Math" panose="02040503050406030204" pitchFamily="18" charset="0"/>
+                                  </a:rPr>
+                                  <m:t>𝑡</m:t>
+                                </m:r>
+                              </m:e>
+                            </m:d>
+                            <m:r>
+                              <a:rPr lang="en-US" sz="1400" i="1">
+                                <a:latin typeface="Cambria Math" panose="02040503050406030204" pitchFamily="18" charset="0"/>
+                              </a:rPr>
+                              <m:t>=</m:t>
+                            </m:r>
                             <m:r>
                               <a:rPr lang="en-US" sz="1400" i="1">
                                 <a:latin typeface="Cambria Math" panose="02040503050406030204" pitchFamily="18" charset="0"/>
@@ -3954,1994 +3611,919 @@
                           </m:e>
                         </m:d>
                         <m:r>
-                          <a:rPr lang="en-US" sz="1400" b="0" i="1" smtClean="0">
-                            <a:latin typeface="Cambria Math" panose="02040503050406030204" pitchFamily="18" charset="0"/>
-                          </a:rPr>
-                          <m:t> :</m:t>
-                        </m:r>
-                        <m:r>
-                          <a:rPr lang="en-US" sz="1400" b="0" i="1" smtClean="0">
-                            <a:latin typeface="Cambria Math" panose="02040503050406030204" pitchFamily="18" charset="0"/>
-                          </a:rPr>
-                          <m:t>𝑅𝑒𝑐𝑒𝑖𝑣𝑒𝑑</m:t>
-                        </m:r>
-                        <m:r>
-                          <a:rPr lang="en-US" sz="1400" b="0" i="1" smtClean="0">
-                            <a:latin typeface="Cambria Math" panose="02040503050406030204" pitchFamily="18" charset="0"/>
-                          </a:rPr>
+                          <m:rPr>
+                            <m:nor/>
+                          </m:rPr>
+                          <a:rPr lang="en-US" sz="1400" dirty="0"/>
                           <m:t> </m:t>
                         </m:r>
                         <m:r>
-                          <a:rPr lang="en-US" sz="1400" b="0" i="1" smtClean="0">
+                          <a:rPr lang="en-US" sz="1400" i="1" dirty="0">
                             <a:latin typeface="Cambria Math" panose="02040503050406030204" pitchFamily="18" charset="0"/>
                           </a:rPr>
-                          <m:t>𝑆𝑖𝑔𝑛𝑎𝑙</m:t>
+                          <m:t>+</m:t>
                         </m:r>
-                      </m:oMath>
-                    </m:oMathPara>
-                  </a14:m>
-                  <a:endParaRPr lang="en-US" sz="1400" dirty="0" smtClean="0"/>
-                </a:p>
-                <a:p>
-                  <a:pPr/>
-                  <a14:m>
-                    <m:oMathPara xmlns:m="http://schemas.openxmlformats.org/officeDocument/2006/math">
-                      <m:oMathParaPr>
-                        <m:jc m:val="left"/>
-                      </m:oMathParaPr>
-                      <m:oMath xmlns:m="http://schemas.openxmlformats.org/officeDocument/2006/math">
                         <m:r>
-                          <a:rPr lang="en-US" sz="1400" b="0" i="1" smtClean="0">
+                          <a:rPr lang="en-US" sz="1400" i="1">
                             <a:latin typeface="Cambria Math" panose="02040503050406030204" pitchFamily="18" charset="0"/>
                           </a:rPr>
-                          <m:t>𝐼</m:t>
+                          <m:t>𝐴</m:t>
                         </m:r>
-                        <m:d>
-                          <m:dPr>
-                            <m:ctrlPr>
-                              <a:rPr lang="en-US" sz="1400" i="1">
-                                <a:latin typeface="Cambria Math" panose="02040503050406030204" pitchFamily="18" charset="0"/>
-                              </a:rPr>
-                            </m:ctrlPr>
-                          </m:dPr>
-                          <m:e>
-                            <m:r>
-                              <a:rPr lang="en-US" sz="1400" i="1">
-                                <a:latin typeface="Cambria Math" panose="02040503050406030204" pitchFamily="18" charset="0"/>
-                              </a:rPr>
-                              <m:t>𝑡</m:t>
-                            </m:r>
-                          </m:e>
-                        </m:d>
+                      </m:e>
+                      <m:sub>
                         <m:r>
-                          <a:rPr lang="en-US" sz="1400" b="0" i="1" smtClean="0">
+                          <a:rPr lang="en-US" sz="1400" i="1">
                             <a:latin typeface="Cambria Math" panose="02040503050406030204" pitchFamily="18" charset="0"/>
                           </a:rPr>
-                          <m:t>    :</m:t>
+                          <m:t>0</m:t>
                         </m:r>
-                        <m:r>
-                          <a:rPr lang="en-US" sz="1400" b="0" i="1" smtClean="0">
-                            <a:latin typeface="Cambria Math" panose="02040503050406030204" pitchFamily="18" charset="0"/>
-                          </a:rPr>
-                          <m:t>𝑅𝑒𝑐𝑒𝑖𝑣𝑒𝑑</m:t>
-                        </m:r>
-                        <m:r>
-                          <a:rPr lang="en-US" sz="1400" b="0" i="1" smtClean="0">
-                            <a:latin typeface="Cambria Math" panose="02040503050406030204" pitchFamily="18" charset="0"/>
-                          </a:rPr>
-                          <m:t> </m:t>
-                        </m:r>
-                        <m:r>
-                          <a:rPr lang="en-US" sz="1400" b="0" i="1" smtClean="0">
-                            <a:latin typeface="Cambria Math" panose="02040503050406030204" pitchFamily="18" charset="0"/>
-                          </a:rPr>
-                          <m:t>𝑠𝑖𝑔𝑛𝑎𝑙</m:t>
-                        </m:r>
-                        <m:r>
-                          <a:rPr lang="en-US" sz="1400" b="0" i="1" smtClean="0">
-                            <a:latin typeface="Cambria Math" panose="02040503050406030204" pitchFamily="18" charset="0"/>
-                          </a:rPr>
-                          <m:t> </m:t>
-                        </m:r>
-                        <m:r>
-                          <a:rPr lang="en-US" sz="1400" b="0" i="1" smtClean="0">
-                            <a:latin typeface="Cambria Math" panose="02040503050406030204" pitchFamily="18" charset="0"/>
-                          </a:rPr>
-                          <m:t>𝑖𝑛𝑡𝑒𝑛𝑠𝑖𝑡𝑦</m:t>
-                        </m:r>
-                        <m:r>
-                          <a:rPr lang="en-US" sz="1400" b="0" i="1" smtClean="0">
-                            <a:latin typeface="Cambria Math" panose="02040503050406030204" pitchFamily="18" charset="0"/>
-                          </a:rPr>
-                          <m:t> </m:t>
-                        </m:r>
-                      </m:oMath>
-                    </m:oMathPara>
-                  </a14:m>
-                  <a:endParaRPr lang="en-US" sz="1400" dirty="0"/>
-                </a:p>
-              </p:txBody>
-            </p:sp>
-          </mc:Choice>
-          <mc:Fallback xmlns="">
-            <p:sp>
-              <p:nvSpPr>
-                <p:cNvPr id="110" name="Rectangle 109"/>
-                <p:cNvSpPr>
-                  <a:spLocks noRot="1" noChangeAspect="1" noMove="1" noResize="1" noEditPoints="1" noAdjustHandles="1" noChangeArrowheads="1" noChangeShapeType="1" noTextEdit="1"/>
-                </p:cNvSpPr>
-                <p:nvPr/>
-              </p:nvSpPr>
-              <p:spPr>
-                <a:xfrm>
-                  <a:off x="53647" y="5454279"/>
-                  <a:ext cx="4681282" cy="738664"/>
-                </a:xfrm>
-                <a:prstGeom prst="rect">
-                  <a:avLst/>
-                </a:prstGeom>
-                <a:blipFill>
-                  <a:blip r:embed="rId6"/>
-                  <a:stretch>
-                    <a:fillRect t="-1653" b="-2479"/>
-                  </a:stretch>
-                </a:blipFill>
-              </p:spPr>
-              <p:txBody>
-                <a:bodyPr/>
-                <a:lstStyle/>
-                <a:p>
-                  <a:r>
-                    <a:rPr lang="en-US">
-                      <a:noFill/>
-                    </a:rPr>
-                    <a:t> </a:t>
-                  </a:r>
-                </a:p>
-              </p:txBody>
-            </p:sp>
-          </mc:Fallback>
-        </mc:AlternateContent>
-        <mc:AlternateContent xmlns:mc="http://schemas.openxmlformats.org/markup-compatibility/2006" xmlns:a14="http://schemas.microsoft.com/office/drawing/2010/main">
-          <mc:Choice Requires="a14">
-            <p:sp>
-              <p:nvSpPr>
-                <p:cNvPr id="126" name="Rectangle 125"/>
-                <p:cNvSpPr/>
-                <p:nvPr/>
-              </p:nvSpPr>
-              <p:spPr>
-                <a:xfrm>
-                  <a:off x="1106429" y="2203133"/>
-                  <a:ext cx="567720" cy="307777"/>
-                </a:xfrm>
-                <a:prstGeom prst="rect">
-                  <a:avLst/>
-                </a:prstGeom>
-              </p:spPr>
-              <p:txBody>
-                <a:bodyPr wrap="none">
-                  <a:spAutoFit/>
-                </a:bodyPr>
-                <a:lstStyle/>
-                <a:p>
-                  <a:pPr/>
-                  <a14:m>
-                    <m:oMathPara xmlns:m="http://schemas.openxmlformats.org/officeDocument/2006/math">
-                      <m:oMathParaPr>
-                        <m:jc m:val="centerGroup"/>
-                      </m:oMathParaPr>
-                      <m:oMath xmlns:m="http://schemas.openxmlformats.org/officeDocument/2006/math">
-                        <m:r>
-                          <a:rPr lang="en-US" sz="1400" b="1" i="1">
-                            <a:latin typeface="Cambria Math" panose="02040503050406030204" pitchFamily="18" charset="0"/>
-                          </a:rPr>
-                          <m:t>𝑨</m:t>
-                        </m:r>
-                        <m:d>
-                          <m:dPr>
-                            <m:ctrlPr>
-                              <a:rPr lang="en-US" sz="1400" b="1" i="1">
-                                <a:latin typeface="Cambria Math" panose="02040503050406030204" pitchFamily="18" charset="0"/>
-                              </a:rPr>
-                            </m:ctrlPr>
-                          </m:dPr>
-                          <m:e>
-                            <m:r>
-                              <a:rPr lang="en-US" sz="1400" b="1" i="1">
-                                <a:latin typeface="Cambria Math" panose="02040503050406030204" pitchFamily="18" charset="0"/>
-                              </a:rPr>
-                              <m:t>𝒕</m:t>
-                            </m:r>
-                          </m:e>
-                        </m:d>
-                      </m:oMath>
-                    </m:oMathPara>
-                  </a14:m>
-                  <a:endParaRPr lang="en-US" sz="1400" b="1" dirty="0"/>
-                </a:p>
-              </p:txBody>
-            </p:sp>
-          </mc:Choice>
-          <mc:Fallback xmlns="">
-            <p:sp>
-              <p:nvSpPr>
-                <p:cNvPr id="126" name="Rectangle 125"/>
-                <p:cNvSpPr>
-                  <a:spLocks noRot="1" noChangeAspect="1" noMove="1" noResize="1" noEditPoints="1" noAdjustHandles="1" noChangeArrowheads="1" noChangeShapeType="1" noTextEdit="1"/>
-                </p:cNvSpPr>
-                <p:nvPr/>
-              </p:nvSpPr>
-              <p:spPr>
-                <a:xfrm>
-                  <a:off x="1106429" y="2203133"/>
-                  <a:ext cx="567720" cy="307777"/>
-                </a:xfrm>
-                <a:prstGeom prst="rect">
-                  <a:avLst/>
-                </a:prstGeom>
-                <a:blipFill>
-                  <a:blip r:embed="rId7"/>
-                  <a:stretch>
-                    <a:fillRect/>
-                  </a:stretch>
-                </a:blipFill>
-              </p:spPr>
-              <p:txBody>
-                <a:bodyPr/>
-                <a:lstStyle/>
-                <a:p>
-                  <a:r>
-                    <a:rPr lang="en-US">
-                      <a:noFill/>
-                    </a:rPr>
-                    <a:t> </a:t>
-                  </a:r>
-                </a:p>
-              </p:txBody>
-            </p:sp>
-          </mc:Fallback>
-        </mc:AlternateContent>
-        <p:sp>
-          <p:nvSpPr>
-            <p:cNvPr id="157" name="Rectangle 156"/>
-            <p:cNvSpPr/>
-            <p:nvPr/>
-          </p:nvSpPr>
-          <p:spPr>
-            <a:xfrm>
-              <a:off x="8188527" y="4966304"/>
-              <a:ext cx="1194710" cy="555478"/>
-            </a:xfrm>
-            <a:prstGeom prst="rect">
-              <a:avLst/>
-            </a:prstGeom>
-            <a:ln w="28575"/>
-          </p:spPr>
-          <p:style>
-            <a:lnRef idx="2">
-              <a:schemeClr val="dk1"/>
-            </a:lnRef>
-            <a:fillRef idx="1">
-              <a:schemeClr val="lt1"/>
-            </a:fillRef>
-            <a:effectRef idx="0">
-              <a:schemeClr val="dk1"/>
-            </a:effectRef>
-            <a:fontRef idx="minor">
-              <a:schemeClr val="dk1"/>
-            </a:fontRef>
-          </p:style>
-          <p:txBody>
-            <a:bodyPr rtlCol="0" anchor="ctr"/>
-            <a:lstStyle/>
-            <a:p>
-              <a:pPr algn="ctr"/>
-              <a:r>
-                <a:rPr lang="en-US" sz="1400" b="1" dirty="0" smtClean="0">
+                      </m:sub>
+                    </m:sSub>
+                    <m:r>
+                      <a:rPr lang="en-US" sz="1400" i="1">
+                        <a:latin typeface="Cambria Math" panose="02040503050406030204" pitchFamily="18" charset="0"/>
+                      </a:rPr>
+                      <m:t> </m:t>
+                    </m:r>
+                    <m:r>
+                      <m:rPr>
+                        <m:sty m:val="p"/>
+                      </m:rPr>
+                      <a:rPr lang="en-US" sz="1400">
+                        <a:latin typeface="Cambria Math" panose="02040503050406030204" pitchFamily="18" charset="0"/>
+                      </a:rPr>
+                      <m:t>exp</m:t>
+                    </m:r>
+                    <m:r>
+                      <a:rPr lang="en-US" sz="1400" i="1">
+                        <a:latin typeface="Cambria Math" panose="02040503050406030204" pitchFamily="18" charset="0"/>
+                      </a:rPr>
+                      <m:t>(</m:t>
+                    </m:r>
+                    <m:r>
+                      <a:rPr lang="en-US" sz="1400" i="1">
+                        <a:latin typeface="Cambria Math" panose="02040503050406030204" pitchFamily="18" charset="0"/>
+                      </a:rPr>
+                      <m:t>𝑖</m:t>
+                    </m:r>
+                    <m:r>
+                      <a:rPr lang="en-US" sz="1400" i="1">
+                        <a:latin typeface="Cambria Math" panose="02040503050406030204" pitchFamily="18" charset="0"/>
+                        <a:ea typeface="Cambria Math" panose="02040503050406030204" pitchFamily="18" charset="0"/>
+                      </a:rPr>
+                      <m:t>𝜋</m:t>
+                    </m:r>
+                    <m:r>
+                      <a:rPr lang="en-US" sz="1400" i="1">
+                        <a:latin typeface="Cambria Math" panose="02040503050406030204" pitchFamily="18" charset="0"/>
+                        <a:ea typeface="Cambria Math" panose="02040503050406030204" pitchFamily="18" charset="0"/>
+                      </a:rPr>
+                      <m:t>𝐵𝑡</m:t>
+                    </m:r>
+                    <m:r>
+                      <a:rPr lang="en-US" sz="1400" i="1" smtClean="0">
+                        <a:latin typeface="Cambria Math" panose="02040503050406030204" pitchFamily="18" charset="0"/>
+                      </a:rPr>
+                      <m:t>)</m:t>
+                    </m:r>
+                  </m:oMath>
+                </a14:m>
+                <a:r>
+                  <a:rPr lang="en-US" sz="1400" dirty="0" smtClean="0"/>
+                  <a:t>  [</a:t>
+                </a:r>
+                <a14:m>
+                  <m:oMath xmlns:m="http://schemas.openxmlformats.org/officeDocument/2006/math">
+                    <m:r>
+                      <a:rPr lang="en-US" sz="1400" b="1" i="1">
+                        <a:latin typeface="Cambria Math" panose="02040503050406030204" pitchFamily="18" charset="0"/>
+                      </a:rPr>
+                      <m:t>𝑴𝒊𝒏𝒊𝒎𝒖𝒎</m:t>
+                    </m:r>
+                    <m:r>
+                      <a:rPr lang="en-US" sz="1400" b="1" i="1">
+                        <a:latin typeface="Cambria Math" panose="02040503050406030204" pitchFamily="18" charset="0"/>
+                      </a:rPr>
+                      <m:t> </m:t>
+                    </m:r>
+                    <m:r>
+                      <a:rPr lang="en-US" sz="1400" b="1" i="1">
+                        <a:latin typeface="Cambria Math" panose="02040503050406030204" pitchFamily="18" charset="0"/>
+                      </a:rPr>
+                      <m:t>𝑷𝒉𝒂𝒔𝒆</m:t>
+                    </m:r>
+                    <m:r>
+                      <a:rPr lang="en-US" sz="1400" b="1" i="1">
+                        <a:latin typeface="Cambria Math" panose="02040503050406030204" pitchFamily="18" charset="0"/>
+                      </a:rPr>
+                      <m:t> </m:t>
+                    </m:r>
+                    <m:r>
+                      <a:rPr lang="en-US" sz="1400" b="1" i="1">
+                        <a:latin typeface="Cambria Math" panose="02040503050406030204" pitchFamily="18" charset="0"/>
+                      </a:rPr>
+                      <m:t>𝒔𝒊𝒈𝒏𝒂𝒍</m:t>
+                    </m:r>
+                  </m:oMath>
+                </a14:m>
+                <a:r>
+                  <a:rPr lang="en-US" sz="1400" dirty="0" smtClean="0"/>
+                  <a:t>]</a:t>
+                </a:r>
+              </a:p>
+              <a:p>
+                <a:pPr/>
+                <a14:m>
+                  <m:oMathPara xmlns:m="http://schemas.openxmlformats.org/officeDocument/2006/math">
+                    <m:oMathParaPr>
+                      <m:jc m:val="left"/>
+                    </m:oMathParaPr>
+                    <m:oMath xmlns:m="http://schemas.openxmlformats.org/officeDocument/2006/math">
+                      <m:sSub>
+                        <m:sSubPr>
+                          <m:ctrlPr>
+                            <a:rPr lang="en-US" sz="1400" i="1">
+                              <a:latin typeface="Cambria Math" panose="02040503050406030204" pitchFamily="18" charset="0"/>
+                            </a:rPr>
+                          </m:ctrlPr>
+                        </m:sSubPr>
+                        <m:e>
+                          <m:r>
+                            <a:rPr lang="en-US" sz="1400" i="1">
+                              <a:latin typeface="Cambria Math" panose="02040503050406030204" pitchFamily="18" charset="0"/>
+                            </a:rPr>
+                            <m:t>𝐴</m:t>
+                          </m:r>
+                        </m:e>
+                        <m:sub>
+                          <m:r>
+                            <a:rPr lang="en-US" sz="1400" i="1">
+                              <a:latin typeface="Cambria Math" panose="02040503050406030204" pitchFamily="18" charset="0"/>
+                            </a:rPr>
+                            <m:t>𝑠</m:t>
+                          </m:r>
+                        </m:sub>
+                      </m:sSub>
+                      <m:d>
+                        <m:dPr>
+                          <m:ctrlPr>
+                            <a:rPr lang="en-US" sz="1400" i="1">
+                              <a:latin typeface="Cambria Math" panose="02040503050406030204" pitchFamily="18" charset="0"/>
+                            </a:rPr>
+                          </m:ctrlPr>
+                        </m:dPr>
+                        <m:e>
+                          <m:r>
+                            <a:rPr lang="en-US" sz="1400" i="1">
+                              <a:latin typeface="Cambria Math" panose="02040503050406030204" pitchFamily="18" charset="0"/>
+                            </a:rPr>
+                            <m:t>𝑡</m:t>
+                          </m:r>
+                        </m:e>
+                      </m:d>
+                      <m:r>
+                        <a:rPr lang="en-US" sz="1400" b="0" i="1" smtClean="0">
+                          <a:latin typeface="Cambria Math" panose="02040503050406030204" pitchFamily="18" charset="0"/>
+                        </a:rPr>
+                        <m:t> :</m:t>
+                      </m:r>
+                      <m:r>
+                        <a:rPr lang="en-US" sz="1400" b="0" i="1" smtClean="0">
+                          <a:latin typeface="Cambria Math" panose="02040503050406030204" pitchFamily="18" charset="0"/>
+                        </a:rPr>
+                        <m:t>𝑅𝑒𝑐𝑒𝑖𝑣𝑒𝑑</m:t>
+                      </m:r>
+                      <m:r>
+                        <a:rPr lang="en-US" sz="1400" b="0" i="1" smtClean="0">
+                          <a:latin typeface="Cambria Math" panose="02040503050406030204" pitchFamily="18" charset="0"/>
+                        </a:rPr>
+                        <m:t> </m:t>
+                      </m:r>
+                      <m:r>
+                        <a:rPr lang="en-US" sz="1400" b="0" i="1" smtClean="0">
+                          <a:latin typeface="Cambria Math" panose="02040503050406030204" pitchFamily="18" charset="0"/>
+                        </a:rPr>
+                        <m:t>𝑆𝑖𝑔𝑛𝑎𝑙</m:t>
+                      </m:r>
+                    </m:oMath>
+                  </m:oMathPara>
+                </a14:m>
+                <a:endParaRPr lang="en-US" sz="1400" dirty="0" smtClean="0"/>
+              </a:p>
+              <a:p>
+                <a:pPr/>
+                <a14:m>
+                  <m:oMathPara xmlns:m="http://schemas.openxmlformats.org/officeDocument/2006/math">
+                    <m:oMathParaPr>
+                      <m:jc m:val="left"/>
+                    </m:oMathParaPr>
+                    <m:oMath xmlns:m="http://schemas.openxmlformats.org/officeDocument/2006/math">
+                      <m:r>
+                        <a:rPr lang="en-US" sz="1400" b="0" i="1" smtClean="0">
+                          <a:latin typeface="Cambria Math" panose="02040503050406030204" pitchFamily="18" charset="0"/>
+                        </a:rPr>
+                        <m:t>𝐼</m:t>
+                      </m:r>
+                      <m:d>
+                        <m:dPr>
+                          <m:ctrlPr>
+                            <a:rPr lang="en-US" sz="1400" i="1">
+                              <a:latin typeface="Cambria Math" panose="02040503050406030204" pitchFamily="18" charset="0"/>
+                            </a:rPr>
+                          </m:ctrlPr>
+                        </m:dPr>
+                        <m:e>
+                          <m:r>
+                            <a:rPr lang="en-US" sz="1400" i="1">
+                              <a:latin typeface="Cambria Math" panose="02040503050406030204" pitchFamily="18" charset="0"/>
+                            </a:rPr>
+                            <m:t>𝑡</m:t>
+                          </m:r>
+                        </m:e>
+                      </m:d>
+                      <m:r>
+                        <a:rPr lang="en-US" sz="1400" b="0" i="1" smtClean="0">
+                          <a:latin typeface="Cambria Math" panose="02040503050406030204" pitchFamily="18" charset="0"/>
+                        </a:rPr>
+                        <m:t>    :</m:t>
+                      </m:r>
+                      <m:r>
+                        <a:rPr lang="en-US" sz="1400" b="0" i="1" smtClean="0">
+                          <a:latin typeface="Cambria Math" panose="02040503050406030204" pitchFamily="18" charset="0"/>
+                        </a:rPr>
+                        <m:t>𝑅𝑒𝑐𝑒𝑖𝑣𝑒𝑑</m:t>
+                      </m:r>
+                      <m:r>
+                        <a:rPr lang="en-US" sz="1400" b="0" i="1" smtClean="0">
+                          <a:latin typeface="Cambria Math" panose="02040503050406030204" pitchFamily="18" charset="0"/>
+                        </a:rPr>
+                        <m:t> </m:t>
+                      </m:r>
+                      <m:r>
+                        <a:rPr lang="en-US" sz="1400" b="0" i="1" smtClean="0">
+                          <a:latin typeface="Cambria Math" panose="02040503050406030204" pitchFamily="18" charset="0"/>
+                        </a:rPr>
+                        <m:t>𝑠𝑖𝑔𝑛𝑎𝑙</m:t>
+                      </m:r>
+                      <m:r>
+                        <a:rPr lang="en-US" sz="1400" b="0" i="1" smtClean="0">
+                          <a:latin typeface="Cambria Math" panose="02040503050406030204" pitchFamily="18" charset="0"/>
+                        </a:rPr>
+                        <m:t> </m:t>
+                      </m:r>
+                      <m:r>
+                        <a:rPr lang="en-US" sz="1400" b="0" i="1" smtClean="0">
+                          <a:latin typeface="Cambria Math" panose="02040503050406030204" pitchFamily="18" charset="0"/>
+                        </a:rPr>
+                        <m:t>𝑖𝑛𝑡𝑒𝑛𝑠𝑖𝑡𝑦</m:t>
+                      </m:r>
+                      <m:r>
+                        <a:rPr lang="en-US" sz="1400" b="0" i="1" smtClean="0">
+                          <a:latin typeface="Cambria Math" panose="02040503050406030204" pitchFamily="18" charset="0"/>
+                        </a:rPr>
+                        <m:t> </m:t>
+                      </m:r>
+                    </m:oMath>
+                  </m:oMathPara>
+                </a14:m>
+                <a:endParaRPr lang="en-US" sz="1400" dirty="0"/>
+              </a:p>
+            </p:txBody>
+          </p:sp>
+        </mc:Choice>
+        <mc:Fallback>
+          <p:sp>
+            <p:nvSpPr>
+              <p:cNvPr id="110" name="Rectangle 109"/>
+              <p:cNvSpPr>
+                <a:spLocks noRot="1" noChangeAspect="1" noMove="1" noResize="1" noEditPoints="1" noAdjustHandles="1" noChangeArrowheads="1" noChangeShapeType="1" noTextEdit="1"/>
+              </p:cNvSpPr>
+              <p:nvPr/>
+            </p:nvSpPr>
+            <p:spPr>
+              <a:xfrm>
+                <a:off x="160824" y="5471024"/>
+                <a:ext cx="4681282" cy="738664"/>
+              </a:xfrm>
+              <a:prstGeom prst="rect">
+                <a:avLst/>
+              </a:prstGeom>
+              <a:blipFill>
+                <a:blip r:embed="rId5"/>
+                <a:stretch>
+                  <a:fillRect t="-820" b="-1639"/>
+                </a:stretch>
+              </a:blipFill>
+              <a:ln w="19050">
+                <a:noFill/>
+              </a:ln>
+            </p:spPr>
+            <p:txBody>
+              <a:bodyPr/>
+              <a:lstStyle/>
+              <a:p>
+                <a:r>
+                  <a:rPr lang="en-US">
+                    <a:noFill/>
+                  </a:rPr>
+                  <a:t> </a:t>
+                </a:r>
+              </a:p>
+            </p:txBody>
+          </p:sp>
+        </mc:Fallback>
+      </mc:AlternateContent>
+      <mc:AlternateContent xmlns:mc="http://schemas.openxmlformats.org/markup-compatibility/2006">
+        <mc:Choice xmlns:a14="http://schemas.microsoft.com/office/drawing/2010/main" Requires="a14">
+          <p:sp>
+            <p:nvSpPr>
+              <p:cNvPr id="126" name="Rectangle 125"/>
+              <p:cNvSpPr/>
+              <p:nvPr/>
+            </p:nvSpPr>
+            <p:spPr>
+              <a:xfrm>
+                <a:off x="1106634" y="1826060"/>
+                <a:ext cx="567720" cy="307777"/>
+              </a:xfrm>
+              <a:prstGeom prst="rect">
+                <a:avLst/>
+              </a:prstGeom>
+              <a:ln w="19050">
+                <a:noFill/>
+              </a:ln>
+            </p:spPr>
+            <p:txBody>
+              <a:bodyPr wrap="none">
+                <a:spAutoFit/>
+              </a:bodyPr>
+              <a:lstStyle/>
+              <a:p>
+                <a:pPr/>
+                <a14:m>
+                  <m:oMathPara xmlns:m="http://schemas.openxmlformats.org/officeDocument/2006/math">
+                    <m:oMathParaPr>
+                      <m:jc m:val="centerGroup"/>
+                    </m:oMathParaPr>
+                    <m:oMath xmlns:m="http://schemas.openxmlformats.org/officeDocument/2006/math">
+                      <m:r>
+                        <a:rPr lang="en-US" sz="1400" b="1" i="1">
+                          <a:latin typeface="Cambria Math" panose="02040503050406030204" pitchFamily="18" charset="0"/>
+                        </a:rPr>
+                        <m:t>𝑨</m:t>
+                      </m:r>
+                      <m:d>
+                        <m:dPr>
+                          <m:ctrlPr>
+                            <a:rPr lang="en-US" sz="1400" b="1" i="1">
+                              <a:latin typeface="Cambria Math" panose="02040503050406030204" pitchFamily="18" charset="0"/>
+                            </a:rPr>
+                          </m:ctrlPr>
+                        </m:dPr>
+                        <m:e>
+                          <m:r>
+                            <a:rPr lang="en-US" sz="1400" b="1" i="1">
+                              <a:latin typeface="Cambria Math" panose="02040503050406030204" pitchFamily="18" charset="0"/>
+                            </a:rPr>
+                            <m:t>𝒕</m:t>
+                          </m:r>
+                        </m:e>
+                      </m:d>
+                    </m:oMath>
+                  </m:oMathPara>
+                </a14:m>
+                <a:endParaRPr lang="en-US" sz="1400" b="1" dirty="0"/>
+              </a:p>
+            </p:txBody>
+          </p:sp>
+        </mc:Choice>
+        <mc:Fallback>
+          <p:sp>
+            <p:nvSpPr>
+              <p:cNvPr id="126" name="Rectangle 125"/>
+              <p:cNvSpPr>
+                <a:spLocks noRot="1" noChangeAspect="1" noMove="1" noResize="1" noEditPoints="1" noAdjustHandles="1" noChangeArrowheads="1" noChangeShapeType="1" noTextEdit="1"/>
+              </p:cNvSpPr>
+              <p:nvPr/>
+            </p:nvSpPr>
+            <p:spPr>
+              <a:xfrm>
+                <a:off x="1106634" y="1826060"/>
+                <a:ext cx="567720" cy="307777"/>
+              </a:xfrm>
+              <a:prstGeom prst="rect">
+                <a:avLst/>
+              </a:prstGeom>
+              <a:blipFill>
+                <a:blip r:embed="rId6"/>
+                <a:stretch>
+                  <a:fillRect/>
+                </a:stretch>
+              </a:blipFill>
+              <a:ln w="19050">
+                <a:noFill/>
+              </a:ln>
+            </p:spPr>
+            <p:txBody>
+              <a:bodyPr/>
+              <a:lstStyle/>
+              <a:p>
+                <a:r>
+                  <a:rPr lang="en-US">
+                    <a:noFill/>
+                  </a:rPr>
+                  <a:t> </a:t>
+                </a:r>
+              </a:p>
+            </p:txBody>
+          </p:sp>
+        </mc:Fallback>
+      </mc:AlternateContent>
+      <p:sp>
+        <p:nvSpPr>
+          <p:cNvPr id="102" name="Rectangle 101"/>
+          <p:cNvSpPr/>
+          <p:nvPr/>
+        </p:nvSpPr>
+        <p:spPr>
+          <a:xfrm>
+            <a:off x="4002046" y="1139311"/>
+            <a:ext cx="7786767" cy="1922804"/>
+          </a:xfrm>
+          <a:prstGeom prst="rect">
+            <a:avLst/>
+          </a:prstGeom>
+          <a:solidFill>
+            <a:schemeClr val="lt1">
+              <a:alpha val="0"/>
+            </a:schemeClr>
+          </a:solidFill>
+          <a:ln w="19050">
+            <a:solidFill>
+              <a:schemeClr val="tx1"/>
+            </a:solidFill>
+            <a:prstDash val="sysDot"/>
+          </a:ln>
+        </p:spPr>
+        <p:style>
+          <a:lnRef idx="2">
+            <a:schemeClr val="dk1"/>
+          </a:lnRef>
+          <a:fillRef idx="1">
+            <a:schemeClr val="lt1"/>
+          </a:fillRef>
+          <a:effectRef idx="0">
+            <a:schemeClr val="dk1"/>
+          </a:effectRef>
+          <a:fontRef idx="minor">
+            <a:schemeClr val="dk1"/>
+          </a:fontRef>
+        </p:style>
+        <p:txBody>
+          <a:bodyPr rtlCol="0" anchor="ctr"/>
+          <a:lstStyle/>
+          <a:p>
+            <a:pPr algn="ctr"/>
+            <a:endParaRPr lang="en-US" dirty="0"/>
+          </a:p>
+        </p:txBody>
+      </p:sp>
+      <p:sp>
+        <p:nvSpPr>
+          <p:cNvPr id="64" name="Flowchart: Summing Junction 63"/>
+          <p:cNvSpPr/>
+          <p:nvPr/>
+        </p:nvSpPr>
+        <p:spPr>
+          <a:xfrm>
+            <a:off x="8325063" y="1939156"/>
+            <a:ext cx="379388" cy="324516"/>
+          </a:xfrm>
+          <a:prstGeom prst="flowChartSummingJunction">
+            <a:avLst/>
+          </a:prstGeom>
+          <a:ln w="19050">
+            <a:solidFill>
+              <a:schemeClr val="tx1"/>
+            </a:solidFill>
+          </a:ln>
+        </p:spPr>
+        <p:style>
+          <a:lnRef idx="2">
+            <a:schemeClr val="dk1"/>
+          </a:lnRef>
+          <a:fillRef idx="1">
+            <a:schemeClr val="lt1"/>
+          </a:fillRef>
+          <a:effectRef idx="0">
+            <a:schemeClr val="dk1"/>
+          </a:effectRef>
+          <a:fontRef idx="minor">
+            <a:schemeClr val="dk1"/>
+          </a:fontRef>
+        </p:style>
+        <p:txBody>
+          <a:bodyPr rtlCol="0" anchor="ctr"/>
+          <a:lstStyle/>
+          <a:p>
+            <a:pPr algn="ctr"/>
+            <a:endParaRPr lang="en-US"/>
+          </a:p>
+        </p:txBody>
+      </p:sp>
+      <p:sp>
+        <p:nvSpPr>
+          <p:cNvPr id="86" name="Flowchart: Summing Junction 85"/>
+          <p:cNvSpPr/>
+          <p:nvPr/>
+        </p:nvSpPr>
+        <p:spPr>
+          <a:xfrm>
+            <a:off x="11161561" y="1938455"/>
+            <a:ext cx="379388" cy="324516"/>
+          </a:xfrm>
+          <a:prstGeom prst="flowChartSummingJunction">
+            <a:avLst/>
+          </a:prstGeom>
+          <a:ln w="19050">
+            <a:solidFill>
+              <a:schemeClr val="tx1"/>
+            </a:solidFill>
+          </a:ln>
+        </p:spPr>
+        <p:style>
+          <a:lnRef idx="2">
+            <a:schemeClr val="dk1"/>
+          </a:lnRef>
+          <a:fillRef idx="1">
+            <a:schemeClr val="lt1"/>
+          </a:fillRef>
+          <a:effectRef idx="0">
+            <a:schemeClr val="dk1"/>
+          </a:effectRef>
+          <a:fontRef idx="minor">
+            <a:schemeClr val="dk1"/>
+          </a:fontRef>
+        </p:style>
+        <p:txBody>
+          <a:bodyPr rtlCol="0" anchor="ctr"/>
+          <a:lstStyle/>
+          <a:p>
+            <a:pPr algn="ctr"/>
+            <a:endParaRPr lang="en-US"/>
+          </a:p>
+        </p:txBody>
+      </p:sp>
+      <mc:AlternateContent xmlns:mc="http://schemas.openxmlformats.org/markup-compatibility/2006">
+        <mc:Choice xmlns:a14="http://schemas.microsoft.com/office/drawing/2010/main" Requires="a14">
+          <p:sp>
+            <p:nvSpPr>
+              <p:cNvPr id="188" name="TextBox 187"/>
+              <p:cNvSpPr txBox="1"/>
+              <p:nvPr/>
+            </p:nvSpPr>
+            <p:spPr>
+              <a:xfrm>
+                <a:off x="2501465" y="1828645"/>
+                <a:ext cx="999697" cy="220253"/>
+              </a:xfrm>
+              <a:prstGeom prst="rect">
+                <a:avLst/>
+              </a:prstGeom>
+              <a:noFill/>
+              <a:ln w="19050">
+                <a:noFill/>
+              </a:ln>
+            </p:spPr>
+            <p:txBody>
+              <a:bodyPr wrap="none" lIns="0" tIns="0" rIns="0" bIns="0" rtlCol="0">
+                <a:spAutoFit/>
+              </a:bodyPr>
+              <a:lstStyle/>
+              <a:p>
+                <a:pPr/>
+                <a14:m>
+                  <m:oMathPara xmlns:m="http://schemas.openxmlformats.org/officeDocument/2006/math">
+                    <m:oMathParaPr>
+                      <m:jc m:val="centerGroup"/>
+                    </m:oMathParaPr>
+                    <m:oMath xmlns:m="http://schemas.openxmlformats.org/officeDocument/2006/math">
+                      <m:r>
+                        <a:rPr lang="en-US" sz="1400" b="1" i="1" smtClean="0">
+                          <a:latin typeface="Cambria Math" panose="02040503050406030204" pitchFamily="18" charset="0"/>
+                        </a:rPr>
+                        <m:t>𝑰</m:t>
+                      </m:r>
+                      <m:r>
+                        <a:rPr lang="en-US" sz="1400" b="1" i="1" smtClean="0">
+                          <a:latin typeface="Cambria Math" panose="02040503050406030204" pitchFamily="18" charset="0"/>
+                        </a:rPr>
+                        <m:t>(</m:t>
+                      </m:r>
+                      <m:r>
+                        <a:rPr lang="en-US" sz="1400" b="1" i="1" smtClean="0">
+                          <a:latin typeface="Cambria Math" panose="02040503050406030204" pitchFamily="18" charset="0"/>
+                        </a:rPr>
+                        <m:t>𝒕</m:t>
+                      </m:r>
+                      <m:r>
+                        <a:rPr lang="en-US" sz="1400" b="1" i="1" smtClean="0">
+                          <a:latin typeface="Cambria Math" panose="02040503050406030204" pitchFamily="18" charset="0"/>
+                        </a:rPr>
+                        <m:t>)</m:t>
+                      </m:r>
+                      <m:r>
+                        <m:rPr>
+                          <m:nor/>
+                        </m:rPr>
+                        <a:rPr lang="en-US" sz="1400" b="1">
+                          <a:latin typeface="Cambria Math" panose="02040503050406030204" pitchFamily="18" charset="0"/>
+                          <a:sym typeface="Symbol" panose="05050102010706020507" pitchFamily="18" charset="2"/>
+                        </a:rPr>
+                        <m:t></m:t>
+                      </m:r>
+                      <m:sSup>
+                        <m:sSupPr>
+                          <m:ctrlPr>
+                            <a:rPr lang="en-US" sz="1400" b="1" i="1" dirty="0" smtClean="0">
+                              <a:latin typeface="Cambria Math" panose="02040503050406030204" pitchFamily="18" charset="0"/>
+                              <a:sym typeface="Symbol" panose="05050102010706020507" pitchFamily="18" charset="2"/>
+                            </a:rPr>
+                          </m:ctrlPr>
+                        </m:sSupPr>
+                        <m:e>
+                          <m:r>
+                            <a:rPr lang="en-US" sz="1400" b="1" i="1" dirty="0" smtClean="0">
+                              <a:latin typeface="Cambria Math" panose="02040503050406030204" pitchFamily="18" charset="0"/>
+                              <a:sym typeface="Symbol" panose="05050102010706020507" pitchFamily="18" charset="2"/>
+                            </a:rPr>
+                            <m:t>|</m:t>
+                          </m:r>
+                          <m:r>
+                            <a:rPr lang="en-US" sz="1400" b="1" i="1" dirty="0" smtClean="0">
+                              <a:latin typeface="Cambria Math" panose="02040503050406030204" pitchFamily="18" charset="0"/>
+                              <a:sym typeface="Symbol" panose="05050102010706020507" pitchFamily="18" charset="2"/>
+                            </a:rPr>
+                            <m:t>𝑨</m:t>
+                          </m:r>
+                          <m:r>
+                            <a:rPr lang="en-US" sz="1400" b="1" i="1" dirty="0" smtClean="0">
+                              <a:latin typeface="Cambria Math" panose="02040503050406030204" pitchFamily="18" charset="0"/>
+                              <a:sym typeface="Symbol" panose="05050102010706020507" pitchFamily="18" charset="2"/>
+                            </a:rPr>
+                            <m:t>(</m:t>
+                          </m:r>
+                          <m:r>
+                            <a:rPr lang="en-US" sz="1400" b="1" i="1" dirty="0" smtClean="0">
+                              <a:latin typeface="Cambria Math" panose="02040503050406030204" pitchFamily="18" charset="0"/>
+                              <a:sym typeface="Symbol" panose="05050102010706020507" pitchFamily="18" charset="2"/>
+                            </a:rPr>
+                            <m:t>𝒕</m:t>
+                          </m:r>
+                          <m:r>
+                            <a:rPr lang="en-US" sz="1400" b="1" i="1" dirty="0" smtClean="0">
+                              <a:latin typeface="Cambria Math" panose="02040503050406030204" pitchFamily="18" charset="0"/>
+                              <a:sym typeface="Symbol" panose="05050102010706020507" pitchFamily="18" charset="2"/>
+                            </a:rPr>
+                            <m:t>)|</m:t>
+                          </m:r>
+                        </m:e>
+                        <m:sup>
+                          <m:r>
+                            <a:rPr lang="en-US" sz="1400" b="1" i="1" dirty="0" smtClean="0">
+                              <a:latin typeface="Cambria Math" panose="02040503050406030204" pitchFamily="18" charset="0"/>
+                              <a:sym typeface="Symbol" panose="05050102010706020507" pitchFamily="18" charset="2"/>
+                            </a:rPr>
+                            <m:t>𝟐</m:t>
+                          </m:r>
+                        </m:sup>
+                      </m:sSup>
+                    </m:oMath>
+                  </m:oMathPara>
+                </a14:m>
+                <a:endParaRPr lang="en-US" sz="1400" b="1" dirty="0">
                   <a:latin typeface="+mj-lt"/>
-                </a:rPr>
-                <a:t>Demodulation</a:t>
-              </a:r>
-            </a:p>
-            <a:p>
-              <a:pPr algn="ctr"/>
-              <a:r>
-                <a:rPr lang="en-US" sz="1400" b="1" dirty="0" smtClean="0">
-                  <a:latin typeface="+mj-lt"/>
-                </a:rPr>
-                <a:t>DSP</a:t>
-              </a:r>
-              <a:endParaRPr lang="en-US" sz="1400" b="1" dirty="0">
-                <a:latin typeface="+mj-lt"/>
-              </a:endParaRPr>
-            </a:p>
-          </p:txBody>
-        </p:sp>
-        <p:sp>
-          <p:nvSpPr>
-            <p:cNvPr id="102" name="Rectangle 101"/>
-            <p:cNvSpPr/>
-            <p:nvPr/>
-          </p:nvSpPr>
-          <p:spPr>
-            <a:xfrm>
-              <a:off x="3996261" y="1516894"/>
-              <a:ext cx="7786767" cy="1922804"/>
-            </a:xfrm>
-            <a:prstGeom prst="rect">
-              <a:avLst/>
-            </a:prstGeom>
-            <a:solidFill>
-              <a:schemeClr val="lt1">
-                <a:alpha val="0"/>
-              </a:schemeClr>
-            </a:solidFill>
-            <a:ln w="28575">
-              <a:solidFill>
+                </a:endParaRPr>
+              </a:p>
+            </p:txBody>
+          </p:sp>
+        </mc:Choice>
+        <mc:Fallback>
+          <p:sp>
+            <p:nvSpPr>
+              <p:cNvPr id="188" name="TextBox 187"/>
+              <p:cNvSpPr txBox="1">
+                <a:spLocks noRot="1" noChangeAspect="1" noMove="1" noResize="1" noEditPoints="1" noAdjustHandles="1" noChangeArrowheads="1" noChangeShapeType="1" noTextEdit="1"/>
+              </p:cNvSpPr>
+              <p:nvPr/>
+            </p:nvSpPr>
+            <p:spPr>
+              <a:xfrm>
+                <a:off x="2501465" y="1828645"/>
+                <a:ext cx="999697" cy="220253"/>
+              </a:xfrm>
+              <a:prstGeom prst="rect">
+                <a:avLst/>
+              </a:prstGeom>
+              <a:blipFill>
+                <a:blip r:embed="rId7"/>
+                <a:stretch>
+                  <a:fillRect l="-4268" t="-2778" r="-2439" b="-30556"/>
+                </a:stretch>
+              </a:blipFill>
+              <a:ln w="19050">
+                <a:noFill/>
+              </a:ln>
+            </p:spPr>
+            <p:txBody>
+              <a:bodyPr/>
+              <a:lstStyle/>
+              <a:p>
+                <a:r>
+                  <a:rPr lang="en-US">
+                    <a:noFill/>
+                  </a:rPr>
+                  <a:t> </a:t>
+                </a:r>
+              </a:p>
+            </p:txBody>
+          </p:sp>
+        </mc:Fallback>
+      </mc:AlternateContent>
+      <p:sp>
+        <p:nvSpPr>
+          <p:cNvPr id="5" name="Rectangle 4"/>
+          <p:cNvSpPr/>
+          <p:nvPr/>
+        </p:nvSpPr>
+        <p:spPr>
+          <a:xfrm>
+            <a:off x="6562532" y="1113789"/>
+            <a:ext cx="2665794" cy="369332"/>
+          </a:xfrm>
+          <a:prstGeom prst="rect">
+            <a:avLst/>
+          </a:prstGeom>
+          <a:ln w="19050">
+            <a:noFill/>
+          </a:ln>
+        </p:spPr>
+        <p:txBody>
+          <a:bodyPr wrap="none">
+            <a:spAutoFit/>
+          </a:bodyPr>
+          <a:lstStyle/>
+          <a:p>
+            <a:pPr algn="ctr"/>
+            <a:r>
+              <a:rPr lang="en-US" b="1" dirty="0"/>
+              <a:t>Kramers-Kronig Algorithm</a:t>
+            </a:r>
+          </a:p>
+        </p:txBody>
+      </p:sp>
+      <mc:AlternateContent xmlns:mc="http://schemas.openxmlformats.org/markup-compatibility/2006">
+        <mc:Choice xmlns:a14="http://schemas.microsoft.com/office/drawing/2010/main" Requires="a14">
+          <p:sp>
+            <p:nvSpPr>
+              <p:cNvPr id="81" name="Rectangle 80"/>
+              <p:cNvSpPr/>
+              <p:nvPr/>
+            </p:nvSpPr>
+            <p:spPr>
+              <a:xfrm>
+                <a:off x="7975130" y="2589551"/>
+                <a:ext cx="1079254" cy="302465"/>
+              </a:xfrm>
+              <a:prstGeom prst="rect">
+                <a:avLst/>
+              </a:prstGeom>
+              <a:ln w="19050">
+                <a:solidFill>
+                  <a:schemeClr val="tx1"/>
+                </a:solidFill>
+              </a:ln>
+            </p:spPr>
+            <p:style>
+              <a:lnRef idx="2">
                 <a:schemeClr val="dk1"/>
-              </a:solidFill>
-              <a:prstDash val="sysDot"/>
-            </a:ln>
-          </p:spPr>
-          <p:style>
-            <a:lnRef idx="2">
-              <a:schemeClr val="dk1"/>
-            </a:lnRef>
-            <a:fillRef idx="1">
-              <a:schemeClr val="lt1"/>
-            </a:fillRef>
-            <a:effectRef idx="0">
-              <a:schemeClr val="dk1"/>
-            </a:effectRef>
-            <a:fontRef idx="minor">
-              <a:schemeClr val="dk1"/>
-            </a:fontRef>
-          </p:style>
-          <p:txBody>
-            <a:bodyPr rtlCol="0" anchor="ctr"/>
-            <a:lstStyle/>
-            <a:p>
-              <a:pPr algn="ctr"/>
-              <a:endParaRPr lang="en-US" dirty="0"/>
-            </a:p>
-          </p:txBody>
-        </p:sp>
-        <mc:AlternateContent xmlns:mc="http://schemas.openxmlformats.org/markup-compatibility/2006" xmlns:a14="http://schemas.microsoft.com/office/drawing/2010/main">
-          <mc:Choice Requires="a14">
-            <p:sp>
-              <p:nvSpPr>
-                <p:cNvPr id="39" name="Rectangle 38"/>
-                <p:cNvSpPr/>
-                <p:nvPr/>
-              </p:nvSpPr>
-              <p:spPr>
-                <a:xfrm>
-                  <a:off x="5241067" y="2315845"/>
-                  <a:ext cx="724896" cy="324517"/>
-                </a:xfrm>
-                <a:prstGeom prst="rect">
-                  <a:avLst/>
-                </a:prstGeom>
-                <a:ln w="28575"/>
-              </p:spPr>
-              <p:style>
-                <a:lnRef idx="2">
-                  <a:schemeClr val="dk1"/>
-                </a:lnRef>
-                <a:fillRef idx="1">
-                  <a:schemeClr val="lt1"/>
-                </a:fillRef>
-                <a:effectRef idx="0">
-                  <a:schemeClr val="dk1"/>
-                </a:effectRef>
-                <a:fontRef idx="minor">
-                  <a:schemeClr val="dk1"/>
-                </a:fontRef>
-              </p:style>
-              <p:txBody>
-                <a:bodyPr rtlCol="0" anchor="ctr"/>
-                <a:lstStyle/>
-                <a:p>
-                  <a:pPr algn="ctr"/>
-                  <a14:m>
-                    <m:oMathPara xmlns:m="http://schemas.openxmlformats.org/officeDocument/2006/math">
-                      <m:oMathParaPr>
-                        <m:jc m:val="center"/>
-                      </m:oMathParaPr>
-                      <m:oMath xmlns:m="http://schemas.openxmlformats.org/officeDocument/2006/math">
-                        <m:r>
-                          <m:rPr>
-                            <m:nor/>
-                          </m:rPr>
-                          <a:rPr lang="en-US" sz="1200" dirty="0">
-                            <a:latin typeface="+mj-lt"/>
-                            <a:cs typeface="Calibri" panose="020F0502020204030204" pitchFamily="34" charset="0"/>
-                          </a:rPr>
-                          <m:t>|</m:t>
-                        </m:r>
-                        <m:r>
-                          <a:rPr lang="en-US" sz="1200" i="1">
-                            <a:latin typeface="Cambria Math" panose="02040503050406030204" pitchFamily="18" charset="0"/>
-                            <a:ea typeface="Cambria Math" panose="02040503050406030204" pitchFamily="18" charset="0"/>
-                            <a:cs typeface="Calibri" panose="020F0502020204030204" pitchFamily="34" charset="0"/>
-                          </a:rPr>
-                          <m:t>∙</m:t>
-                        </m:r>
-                        <m:r>
-                          <m:rPr>
-                            <m:nor/>
-                          </m:rPr>
-                          <a:rPr lang="en-US" sz="1200" dirty="0">
-                            <a:latin typeface="+mj-lt"/>
-                            <a:cs typeface="Calibri" panose="020F0502020204030204" pitchFamily="34" charset="0"/>
-                          </a:rPr>
-                          <m:t>|</m:t>
-                        </m:r>
-                      </m:oMath>
-                    </m:oMathPara>
-                  </a14:m>
-                  <a:endParaRPr lang="en-US" sz="1200" dirty="0">
-                    <a:latin typeface="+mj-lt"/>
-                  </a:endParaRPr>
-                </a:p>
-              </p:txBody>
-            </p:sp>
-          </mc:Choice>
-          <mc:Fallback xmlns="">
-            <p:sp>
-              <p:nvSpPr>
-                <p:cNvPr id="39" name="Rectangle 38"/>
-                <p:cNvSpPr>
-                  <a:spLocks noRot="1" noChangeAspect="1" noMove="1" noResize="1" noEditPoints="1" noAdjustHandles="1" noChangeArrowheads="1" noChangeShapeType="1" noTextEdit="1"/>
-                </p:cNvSpPr>
-                <p:nvPr/>
-              </p:nvSpPr>
-              <p:spPr>
-                <a:xfrm>
-                  <a:off x="5241067" y="2315845"/>
-                  <a:ext cx="724896" cy="324517"/>
-                </a:xfrm>
-                <a:prstGeom prst="rect">
-                  <a:avLst/>
-                </a:prstGeom>
-                <a:blipFill>
-                  <a:blip r:embed="rId8"/>
-                  <a:stretch>
-                    <a:fillRect/>
-                  </a:stretch>
-                </a:blipFill>
-                <a:ln w="28575"/>
-              </p:spPr>
-              <p:txBody>
-                <a:bodyPr/>
-                <a:lstStyle/>
-                <a:p>
-                  <a:r>
-                    <a:rPr lang="en-US">
-                      <a:noFill/>
-                    </a:rPr>
-                    <a:t> </a:t>
-                  </a:r>
-                </a:p>
-              </p:txBody>
-            </p:sp>
-          </mc:Fallback>
-        </mc:AlternateContent>
-        <mc:AlternateContent xmlns:mc="http://schemas.openxmlformats.org/markup-compatibility/2006" xmlns:a14="http://schemas.microsoft.com/office/drawing/2010/main">
-          <mc:Choice Requires="a14">
-            <p:sp>
-              <p:nvSpPr>
-                <p:cNvPr id="56" name="Rectangle 55"/>
-                <p:cNvSpPr/>
-                <p:nvPr/>
-              </p:nvSpPr>
-              <p:spPr>
-                <a:xfrm>
-                  <a:off x="6262995" y="2316229"/>
-                  <a:ext cx="724896" cy="324517"/>
-                </a:xfrm>
-                <a:prstGeom prst="rect">
-                  <a:avLst/>
-                </a:prstGeom>
-                <a:ln w="28575"/>
-              </p:spPr>
-              <p:style>
-                <a:lnRef idx="2">
-                  <a:schemeClr val="dk1"/>
-                </a:lnRef>
-                <a:fillRef idx="1">
-                  <a:schemeClr val="lt1"/>
-                </a:fillRef>
-                <a:effectRef idx="0">
-                  <a:schemeClr val="dk1"/>
-                </a:effectRef>
-                <a:fontRef idx="minor">
-                  <a:schemeClr val="dk1"/>
-                </a:fontRef>
-              </p:style>
-              <p:txBody>
-                <a:bodyPr rtlCol="0" anchor="ctr"/>
-                <a:lstStyle/>
-                <a:p>
-                  <a:pPr algn="ctr"/>
-                  <a14:m>
-                    <m:oMathPara xmlns:m="http://schemas.openxmlformats.org/officeDocument/2006/math">
-                      <m:oMathParaPr>
-                        <m:jc m:val="center"/>
-                      </m:oMathParaPr>
-                      <m:oMath xmlns:m="http://schemas.openxmlformats.org/officeDocument/2006/math">
-                        <m:r>
-                          <m:rPr>
-                            <m:sty m:val="p"/>
-                          </m:rPr>
-                          <a:rPr lang="en-US" sz="1200" b="0" i="0" smtClean="0">
-                            <a:latin typeface="Cambria Math" panose="02040503050406030204" pitchFamily="18" charset="0"/>
-                          </a:rPr>
-                          <m:t>ln</m:t>
-                        </m:r>
-                        <m:r>
-                          <a:rPr lang="en-US" sz="1200" b="0" i="1" smtClean="0">
-                            <a:latin typeface="Cambria Math" panose="02040503050406030204" pitchFamily="18" charset="0"/>
-                          </a:rPr>
-                          <m:t>⁡(</m:t>
-                        </m:r>
-                        <m:r>
-                          <a:rPr lang="en-US" sz="1200" i="1">
-                            <a:latin typeface="Cambria Math" panose="02040503050406030204" pitchFamily="18" charset="0"/>
-                            <a:ea typeface="Cambria Math" panose="02040503050406030204" pitchFamily="18" charset="0"/>
-                            <a:cs typeface="Calibri" panose="020F0502020204030204" pitchFamily="34" charset="0"/>
-                          </a:rPr>
-                          <m:t>∙</m:t>
-                        </m:r>
-                        <m:r>
-                          <a:rPr lang="en-US" sz="1200" b="0" i="1" smtClean="0">
-                            <a:latin typeface="Cambria Math" panose="02040503050406030204" pitchFamily="18" charset="0"/>
-                          </a:rPr>
-                          <m:t>)</m:t>
-                        </m:r>
-                      </m:oMath>
-                    </m:oMathPara>
-                  </a14:m>
-                  <a:endParaRPr lang="en-US" sz="1200" dirty="0">
-                    <a:latin typeface="+mj-lt"/>
-                  </a:endParaRPr>
-                </a:p>
-              </p:txBody>
-            </p:sp>
-          </mc:Choice>
-          <mc:Fallback xmlns="">
-            <p:sp>
-              <p:nvSpPr>
-                <p:cNvPr id="56" name="Rectangle 55"/>
-                <p:cNvSpPr>
-                  <a:spLocks noRot="1" noChangeAspect="1" noMove="1" noResize="1" noEditPoints="1" noAdjustHandles="1" noChangeArrowheads="1" noChangeShapeType="1" noTextEdit="1"/>
-                </p:cNvSpPr>
-                <p:nvPr/>
-              </p:nvSpPr>
-              <p:spPr>
-                <a:xfrm>
-                  <a:off x="6262995" y="2316229"/>
-                  <a:ext cx="724896" cy="324517"/>
-                </a:xfrm>
-                <a:prstGeom prst="rect">
-                  <a:avLst/>
-                </a:prstGeom>
-                <a:blipFill>
-                  <a:blip r:embed="rId9"/>
-                  <a:stretch>
-                    <a:fillRect/>
-                  </a:stretch>
-                </a:blipFill>
-                <a:ln w="28575"/>
-              </p:spPr>
-              <p:txBody>
-                <a:bodyPr/>
-                <a:lstStyle/>
-                <a:p>
-                  <a:r>
-                    <a:rPr lang="en-US">
-                      <a:noFill/>
-                    </a:rPr>
-                    <a:t> </a:t>
-                  </a:r>
-                </a:p>
-              </p:txBody>
-            </p:sp>
-          </mc:Fallback>
-        </mc:AlternateContent>
-        <p:cxnSp>
-          <p:nvCxnSpPr>
-            <p:cNvPr id="58" name="Straight Arrow Connector 57"/>
-            <p:cNvCxnSpPr>
-              <a:stCxn id="39" idx="3"/>
-              <a:endCxn id="56" idx="1"/>
-            </p:cNvCxnSpPr>
-            <p:nvPr/>
-          </p:nvCxnSpPr>
-          <p:spPr>
-            <a:xfrm>
-              <a:off x="5965963" y="2478104"/>
-              <a:ext cx="297033" cy="384"/>
-            </a:xfrm>
-            <a:prstGeom prst="straightConnector1">
-              <a:avLst/>
-            </a:prstGeom>
-            <a:ln w="28575">
-              <a:tailEnd type="triangle"/>
-            </a:ln>
-          </p:spPr>
-          <p:style>
-            <a:lnRef idx="1">
-              <a:schemeClr val="accent1"/>
-            </a:lnRef>
-            <a:fillRef idx="0">
-              <a:schemeClr val="accent1"/>
-            </a:fillRef>
-            <a:effectRef idx="0">
-              <a:schemeClr val="accent1"/>
-            </a:effectRef>
-            <a:fontRef idx="minor">
-              <a:schemeClr val="tx1"/>
-            </a:fontRef>
-          </p:style>
-        </p:cxnSp>
-        <mc:AlternateContent xmlns:mc="http://schemas.openxmlformats.org/markup-compatibility/2006" xmlns:a14="http://schemas.microsoft.com/office/drawing/2010/main">
-          <mc:Choice Requires="a14">
-            <p:sp>
-              <p:nvSpPr>
-                <p:cNvPr id="59" name="Rectangle 58"/>
-                <p:cNvSpPr/>
-                <p:nvPr/>
-              </p:nvSpPr>
-              <p:spPr>
-                <a:xfrm>
-                  <a:off x="7293926" y="2316229"/>
-                  <a:ext cx="724896" cy="324517"/>
-                </a:xfrm>
-                <a:prstGeom prst="rect">
-                  <a:avLst/>
-                </a:prstGeom>
-                <a:ln w="28575"/>
-              </p:spPr>
-              <p:style>
-                <a:lnRef idx="2">
-                  <a:schemeClr val="dk1"/>
-                </a:lnRef>
-                <a:fillRef idx="1">
-                  <a:schemeClr val="lt1"/>
-                </a:fillRef>
-                <a:effectRef idx="0">
-                  <a:schemeClr val="dk1"/>
-                </a:effectRef>
-                <a:fontRef idx="minor">
-                  <a:schemeClr val="dk1"/>
-                </a:fontRef>
-              </p:style>
-              <p:txBody>
-                <a:bodyPr rtlCol="0" anchor="ctr"/>
-                <a:lstStyle/>
-                <a:p>
-                  <a:pPr algn="ctr"/>
-                  <a14:m>
-                    <m:oMathPara xmlns:m="http://schemas.openxmlformats.org/officeDocument/2006/math">
-                      <m:oMathParaPr>
-                        <m:jc m:val="center"/>
-                      </m:oMathParaPr>
-                      <m:oMath xmlns:m="http://schemas.openxmlformats.org/officeDocument/2006/math">
-                        <m:r>
-                          <m:rPr>
-                            <m:sty m:val="p"/>
-                          </m:rPr>
-                          <a:rPr lang="en-US" sz="1200" b="0" i="0" smtClean="0">
-                            <a:latin typeface="Cambria Math" panose="02040503050406030204" pitchFamily="18" charset="0"/>
-                          </a:rPr>
-                          <m:t>FFT</m:t>
-                        </m:r>
-                      </m:oMath>
-                    </m:oMathPara>
-                  </a14:m>
-                  <a:endParaRPr lang="en-US" sz="1200" dirty="0">
-                    <a:latin typeface="+mj-lt"/>
-                  </a:endParaRPr>
-                </a:p>
-              </p:txBody>
-            </p:sp>
-          </mc:Choice>
-          <mc:Fallback xmlns="">
-            <p:sp>
-              <p:nvSpPr>
-                <p:cNvPr id="59" name="Rectangle 58"/>
-                <p:cNvSpPr>
-                  <a:spLocks noRot="1" noChangeAspect="1" noMove="1" noResize="1" noEditPoints="1" noAdjustHandles="1" noChangeArrowheads="1" noChangeShapeType="1" noTextEdit="1"/>
-                </p:cNvSpPr>
-                <p:nvPr/>
-              </p:nvSpPr>
-              <p:spPr>
-                <a:xfrm>
-                  <a:off x="7293926" y="2316229"/>
-                  <a:ext cx="724896" cy="324517"/>
-                </a:xfrm>
-                <a:prstGeom prst="rect">
-                  <a:avLst/>
-                </a:prstGeom>
-                <a:blipFill>
-                  <a:blip r:embed="rId10"/>
-                  <a:stretch>
-                    <a:fillRect/>
-                  </a:stretch>
-                </a:blipFill>
-                <a:ln w="28575"/>
-              </p:spPr>
-              <p:txBody>
-                <a:bodyPr/>
-                <a:lstStyle/>
-                <a:p>
-                  <a:r>
-                    <a:rPr lang="en-US">
-                      <a:noFill/>
-                    </a:rPr>
-                    <a:t> </a:t>
-                  </a:r>
-                </a:p>
-              </p:txBody>
-            </p:sp>
-          </mc:Fallback>
-        </mc:AlternateContent>
-        <p:cxnSp>
-          <p:nvCxnSpPr>
-            <p:cNvPr id="60" name="Straight Arrow Connector 59"/>
-            <p:cNvCxnSpPr>
-              <a:stCxn id="56" idx="3"/>
-              <a:endCxn id="59" idx="1"/>
-            </p:cNvCxnSpPr>
-            <p:nvPr/>
-          </p:nvCxnSpPr>
-          <p:spPr>
-            <a:xfrm>
-              <a:off x="6987890" y="2478487"/>
-              <a:ext cx="306036" cy="0"/>
-            </a:xfrm>
-            <a:prstGeom prst="straightConnector1">
-              <a:avLst/>
-            </a:prstGeom>
-            <a:ln w="28575">
-              <a:tailEnd type="triangle"/>
-            </a:ln>
-          </p:spPr>
-          <p:style>
-            <a:lnRef idx="1">
-              <a:schemeClr val="accent1"/>
-            </a:lnRef>
-            <a:fillRef idx="0">
-              <a:schemeClr val="accent1"/>
-            </a:fillRef>
-            <a:effectRef idx="0">
-              <a:schemeClr val="accent1"/>
-            </a:effectRef>
-            <a:fontRef idx="minor">
-              <a:schemeClr val="tx1"/>
-            </a:fontRef>
-          </p:style>
-        </p:cxnSp>
-        <p:sp>
-          <p:nvSpPr>
-            <p:cNvPr id="64" name="Flowchart: Summing Junction 63"/>
-            <p:cNvSpPr/>
-            <p:nvPr/>
-          </p:nvSpPr>
-          <p:spPr>
-            <a:xfrm>
-              <a:off x="8324858" y="2316229"/>
-              <a:ext cx="379388" cy="324516"/>
-            </a:xfrm>
-            <a:prstGeom prst="flowChartSummingJunction">
-              <a:avLst/>
-            </a:prstGeom>
-            <a:ln w="28575"/>
-          </p:spPr>
-          <p:style>
-            <a:lnRef idx="2">
-              <a:schemeClr val="dk1"/>
-            </a:lnRef>
-            <a:fillRef idx="1">
-              <a:schemeClr val="lt1"/>
-            </a:fillRef>
-            <a:effectRef idx="0">
-              <a:schemeClr val="dk1"/>
-            </a:effectRef>
-            <a:fontRef idx="minor">
-              <a:schemeClr val="dk1"/>
-            </a:fontRef>
-          </p:style>
-          <p:txBody>
-            <a:bodyPr rtlCol="0" anchor="ctr"/>
-            <a:lstStyle/>
-            <a:p>
-              <a:pPr algn="ctr"/>
-              <a:endParaRPr lang="en-US"/>
-            </a:p>
-          </p:txBody>
-        </p:sp>
-        <p:cxnSp>
-          <p:nvCxnSpPr>
-            <p:cNvPr id="65" name="Straight Arrow Connector 64"/>
-            <p:cNvCxnSpPr>
-              <a:stCxn id="59" idx="3"/>
-              <a:endCxn id="64" idx="2"/>
-            </p:cNvCxnSpPr>
-            <p:nvPr/>
-          </p:nvCxnSpPr>
-          <p:spPr>
-            <a:xfrm flipV="1">
-              <a:off x="8018823" y="2478486"/>
-              <a:ext cx="306036" cy="1"/>
-            </a:xfrm>
-            <a:prstGeom prst="straightConnector1">
-              <a:avLst/>
-            </a:prstGeom>
-            <a:ln w="28575">
-              <a:tailEnd type="triangle"/>
-            </a:ln>
-          </p:spPr>
-          <p:style>
-            <a:lnRef idx="1">
-              <a:schemeClr val="accent1"/>
-            </a:lnRef>
-            <a:fillRef idx="0">
-              <a:schemeClr val="accent1"/>
-            </a:fillRef>
-            <a:effectRef idx="0">
-              <a:schemeClr val="accent1"/>
-            </a:effectRef>
-            <a:fontRef idx="minor">
-              <a:schemeClr val="tx1"/>
-            </a:fontRef>
-          </p:style>
-        </p:cxnSp>
-        <p:cxnSp>
-          <p:nvCxnSpPr>
-            <p:cNvPr id="69" name="Straight Arrow Connector 68"/>
-            <p:cNvCxnSpPr>
-              <a:endCxn id="64" idx="4"/>
-            </p:cNvCxnSpPr>
-            <p:nvPr/>
-          </p:nvCxnSpPr>
-          <p:spPr>
-            <a:xfrm flipV="1">
-              <a:off x="8514553" y="2640744"/>
-              <a:ext cx="0" cy="331418"/>
-            </a:xfrm>
-            <a:prstGeom prst="straightConnector1">
-              <a:avLst/>
-            </a:prstGeom>
-            <a:ln w="28575">
-              <a:tailEnd type="triangle"/>
-            </a:ln>
-          </p:spPr>
-          <p:style>
-            <a:lnRef idx="1">
-              <a:schemeClr val="accent1"/>
-            </a:lnRef>
-            <a:fillRef idx="0">
-              <a:schemeClr val="accent1"/>
-            </a:fillRef>
-            <a:effectRef idx="0">
-              <a:schemeClr val="accent1"/>
-            </a:effectRef>
-            <a:fontRef idx="minor">
-              <a:schemeClr val="tx1"/>
-            </a:fontRef>
-          </p:style>
-        </p:cxnSp>
-        <mc:AlternateContent xmlns:mc="http://schemas.openxmlformats.org/markup-compatibility/2006" xmlns:a14="http://schemas.microsoft.com/office/drawing/2010/main">
-          <mc:Choice Requires="a14">
-            <p:sp>
-              <p:nvSpPr>
-                <p:cNvPr id="74" name="Rectangle 73"/>
-                <p:cNvSpPr/>
-                <p:nvPr/>
-              </p:nvSpPr>
-              <p:spPr>
-                <a:xfrm>
-                  <a:off x="9010283" y="2316228"/>
-                  <a:ext cx="724896" cy="324517"/>
-                </a:xfrm>
-                <a:prstGeom prst="rect">
-                  <a:avLst/>
-                </a:prstGeom>
-                <a:ln w="28575"/>
-              </p:spPr>
-              <p:style>
-                <a:lnRef idx="2">
-                  <a:schemeClr val="dk1"/>
-                </a:lnRef>
-                <a:fillRef idx="1">
-                  <a:schemeClr val="lt1"/>
-                </a:fillRef>
-                <a:effectRef idx="0">
-                  <a:schemeClr val="dk1"/>
-                </a:effectRef>
-                <a:fontRef idx="minor">
-                  <a:schemeClr val="dk1"/>
-                </a:fontRef>
-              </p:style>
-              <p:txBody>
-                <a:bodyPr rtlCol="0" anchor="ctr"/>
-                <a:lstStyle/>
-                <a:p>
-                  <a:pPr algn="ctr"/>
-                  <a14:m>
-                    <m:oMathPara xmlns:m="http://schemas.openxmlformats.org/officeDocument/2006/math">
-                      <m:oMathParaPr>
-                        <m:jc m:val="center"/>
-                      </m:oMathParaPr>
-                      <m:oMath xmlns:m="http://schemas.openxmlformats.org/officeDocument/2006/math">
-                        <m:r>
-                          <m:rPr>
-                            <m:sty m:val="p"/>
-                          </m:rPr>
-                          <a:rPr lang="en-US" sz="1200" b="0" i="0" smtClean="0">
-                            <a:latin typeface="Cambria Math" panose="02040503050406030204" pitchFamily="18" charset="0"/>
-                          </a:rPr>
-                          <m:t>IFFT</m:t>
-                        </m:r>
-                      </m:oMath>
-                    </m:oMathPara>
-                  </a14:m>
-                  <a:endParaRPr lang="en-US" sz="1200" dirty="0">
-                    <a:latin typeface="+mj-lt"/>
-                  </a:endParaRPr>
-                </a:p>
-              </p:txBody>
-            </p:sp>
-          </mc:Choice>
-          <mc:Fallback xmlns="">
-            <p:sp>
-              <p:nvSpPr>
-                <p:cNvPr id="74" name="Rectangle 73"/>
-                <p:cNvSpPr>
-                  <a:spLocks noRot="1" noChangeAspect="1" noMove="1" noResize="1" noEditPoints="1" noAdjustHandles="1" noChangeArrowheads="1" noChangeShapeType="1" noTextEdit="1"/>
-                </p:cNvSpPr>
-                <p:nvPr/>
-              </p:nvSpPr>
-              <p:spPr>
-                <a:xfrm>
-                  <a:off x="9010283" y="2316228"/>
-                  <a:ext cx="724896" cy="324517"/>
-                </a:xfrm>
-                <a:prstGeom prst="rect">
-                  <a:avLst/>
-                </a:prstGeom>
-                <a:blipFill>
-                  <a:blip r:embed="rId11"/>
-                  <a:stretch>
-                    <a:fillRect/>
-                  </a:stretch>
-                </a:blipFill>
-                <a:ln w="28575"/>
-              </p:spPr>
-              <p:txBody>
-                <a:bodyPr/>
-                <a:lstStyle/>
-                <a:p>
-                  <a:r>
-                    <a:rPr lang="en-US">
-                      <a:noFill/>
-                    </a:rPr>
-                    <a:t> </a:t>
-                  </a:r>
-                </a:p>
-              </p:txBody>
-            </p:sp>
-          </mc:Fallback>
-        </mc:AlternateContent>
-        <p:cxnSp>
-          <p:nvCxnSpPr>
-            <p:cNvPr id="75" name="Straight Arrow Connector 74"/>
-            <p:cNvCxnSpPr>
-              <a:stCxn id="64" idx="6"/>
-              <a:endCxn id="74" idx="1"/>
-            </p:cNvCxnSpPr>
-            <p:nvPr/>
-          </p:nvCxnSpPr>
-          <p:spPr>
-            <a:xfrm>
-              <a:off x="8704246" y="2478486"/>
-              <a:ext cx="306036" cy="0"/>
-            </a:xfrm>
-            <a:prstGeom prst="straightConnector1">
-              <a:avLst/>
-            </a:prstGeom>
-            <a:ln w="28575">
-              <a:tailEnd type="triangle"/>
-            </a:ln>
-          </p:spPr>
-          <p:style>
-            <a:lnRef idx="1">
-              <a:schemeClr val="accent1"/>
-            </a:lnRef>
-            <a:fillRef idx="0">
-              <a:schemeClr val="accent1"/>
-            </a:fillRef>
-            <a:effectRef idx="0">
-              <a:schemeClr val="accent1"/>
-            </a:effectRef>
-            <a:fontRef idx="minor">
-              <a:schemeClr val="tx1"/>
-            </a:fontRef>
-          </p:style>
-        </p:cxnSp>
-        <mc:AlternateContent xmlns:mc="http://schemas.openxmlformats.org/markup-compatibility/2006" xmlns:a14="http://schemas.microsoft.com/office/drawing/2010/main">
-          <mc:Choice Requires="a14">
-            <p:sp>
-              <p:nvSpPr>
-                <p:cNvPr id="78" name="Rectangle 77"/>
-                <p:cNvSpPr/>
-                <p:nvPr/>
-              </p:nvSpPr>
-              <p:spPr>
-                <a:xfrm>
-                  <a:off x="10041213" y="2316228"/>
-                  <a:ext cx="766560" cy="324517"/>
-                </a:xfrm>
-                <a:prstGeom prst="rect">
-                  <a:avLst/>
-                </a:prstGeom>
-                <a:ln w="28575"/>
-              </p:spPr>
-              <p:style>
-                <a:lnRef idx="2">
-                  <a:schemeClr val="dk1"/>
-                </a:lnRef>
-                <a:fillRef idx="1">
-                  <a:schemeClr val="lt1"/>
-                </a:fillRef>
-                <a:effectRef idx="0">
-                  <a:schemeClr val="dk1"/>
-                </a:effectRef>
-                <a:fontRef idx="minor">
-                  <a:schemeClr val="dk1"/>
-                </a:fontRef>
-              </p:style>
-              <p:txBody>
-                <a:bodyPr rtlCol="0" anchor="ctr"/>
-                <a:lstStyle/>
-                <a:p>
-                  <a:pPr algn="ctr"/>
-                  <a14:m>
-                    <m:oMathPara xmlns:m="http://schemas.openxmlformats.org/officeDocument/2006/math">
-                      <m:oMathParaPr>
-                        <m:jc m:val="center"/>
-                      </m:oMathParaPr>
-                      <m:oMath xmlns:m="http://schemas.openxmlformats.org/officeDocument/2006/math">
-                        <m:r>
-                          <m:rPr>
-                            <m:sty m:val="p"/>
-                          </m:rPr>
-                          <a:rPr lang="en-US" sz="1200" b="0" i="0" smtClean="0">
-                            <a:latin typeface="Cambria Math" panose="02040503050406030204" pitchFamily="18" charset="0"/>
-                          </a:rPr>
-                          <m:t>exp</m:t>
-                        </m:r>
-                        <m:r>
-                          <a:rPr lang="en-US" sz="1200" b="0" i="1" smtClean="0">
-                            <a:latin typeface="Cambria Math" panose="02040503050406030204" pitchFamily="18" charset="0"/>
-                          </a:rPr>
-                          <m:t>⁡{</m:t>
-                        </m:r>
-                        <m:r>
-                          <a:rPr lang="en-US" sz="1200" b="0" i="1" smtClean="0">
-                            <a:latin typeface="Cambria Math" panose="02040503050406030204" pitchFamily="18" charset="0"/>
-                          </a:rPr>
-                          <m:t>𝑖</m:t>
-                        </m:r>
-                        <m:r>
-                          <a:rPr lang="en-US" sz="1200" b="0" i="1" smtClean="0">
-                            <a:latin typeface="Cambria Math" panose="02040503050406030204" pitchFamily="18" charset="0"/>
-                          </a:rPr>
-                          <m:t>(∙)}</m:t>
-                        </m:r>
-                      </m:oMath>
-                    </m:oMathPara>
-                  </a14:m>
-                  <a:endParaRPr lang="en-US" sz="1200" dirty="0">
-                    <a:latin typeface="+mj-lt"/>
-                  </a:endParaRPr>
-                </a:p>
-              </p:txBody>
-            </p:sp>
-          </mc:Choice>
-          <mc:Fallback xmlns="">
-            <p:sp>
-              <p:nvSpPr>
-                <p:cNvPr id="78" name="Rectangle 77"/>
-                <p:cNvSpPr>
-                  <a:spLocks noRot="1" noChangeAspect="1" noMove="1" noResize="1" noEditPoints="1" noAdjustHandles="1" noChangeArrowheads="1" noChangeShapeType="1" noTextEdit="1"/>
-                </p:cNvSpPr>
-                <p:nvPr/>
-              </p:nvSpPr>
-              <p:spPr>
-                <a:xfrm>
-                  <a:off x="10041213" y="2316228"/>
-                  <a:ext cx="766560" cy="324517"/>
-                </a:xfrm>
-                <a:prstGeom prst="rect">
-                  <a:avLst/>
-                </a:prstGeom>
-                <a:blipFill>
-                  <a:blip r:embed="rId12"/>
-                  <a:stretch>
-                    <a:fillRect/>
-                  </a:stretch>
-                </a:blipFill>
-                <a:ln w="28575"/>
-              </p:spPr>
-              <p:txBody>
-                <a:bodyPr/>
-                <a:lstStyle/>
-                <a:p>
-                  <a:r>
-                    <a:rPr lang="en-US">
-                      <a:noFill/>
-                    </a:rPr>
-                    <a:t> </a:t>
-                  </a:r>
-                </a:p>
-              </p:txBody>
-            </p:sp>
-          </mc:Fallback>
-        </mc:AlternateContent>
-        <p:cxnSp>
-          <p:nvCxnSpPr>
-            <p:cNvPr id="79" name="Straight Arrow Connector 78"/>
-            <p:cNvCxnSpPr>
-              <a:stCxn id="74" idx="3"/>
-              <a:endCxn id="78" idx="1"/>
-            </p:cNvCxnSpPr>
-            <p:nvPr/>
-          </p:nvCxnSpPr>
-          <p:spPr>
-            <a:xfrm>
-              <a:off x="9735179" y="2478487"/>
-              <a:ext cx="306035" cy="0"/>
-            </a:xfrm>
-            <a:prstGeom prst="straightConnector1">
-              <a:avLst/>
-            </a:prstGeom>
-            <a:ln w="28575">
-              <a:tailEnd type="triangle"/>
-            </a:ln>
-          </p:spPr>
-          <p:style>
-            <a:lnRef idx="1">
-              <a:schemeClr val="accent1"/>
-            </a:lnRef>
-            <a:fillRef idx="0">
-              <a:schemeClr val="accent1"/>
-            </a:fillRef>
-            <a:effectRef idx="0">
-              <a:schemeClr val="accent1"/>
-            </a:effectRef>
-            <a:fontRef idx="minor">
-              <a:schemeClr val="tx1"/>
-            </a:fontRef>
-          </p:style>
-        </p:cxnSp>
-        <p:sp>
-          <p:nvSpPr>
-            <p:cNvPr id="86" name="Flowchart: Summing Junction 85"/>
-            <p:cNvSpPr/>
-            <p:nvPr/>
-          </p:nvSpPr>
-          <p:spPr>
-            <a:xfrm>
-              <a:off x="11072146" y="2316229"/>
-              <a:ext cx="379388" cy="324516"/>
-            </a:xfrm>
-            <a:prstGeom prst="flowChartSummingJunction">
-              <a:avLst/>
-            </a:prstGeom>
-            <a:ln w="28575"/>
-          </p:spPr>
-          <p:style>
-            <a:lnRef idx="2">
-              <a:schemeClr val="dk1"/>
-            </a:lnRef>
-            <a:fillRef idx="1">
-              <a:schemeClr val="lt1"/>
-            </a:fillRef>
-            <a:effectRef idx="0">
-              <a:schemeClr val="dk1"/>
-            </a:effectRef>
-            <a:fontRef idx="minor">
-              <a:schemeClr val="dk1"/>
-            </a:fontRef>
-          </p:style>
-          <p:txBody>
-            <a:bodyPr rtlCol="0" anchor="ctr"/>
-            <a:lstStyle/>
-            <a:p>
-              <a:pPr algn="ctr"/>
-              <a:endParaRPr lang="en-US"/>
-            </a:p>
-          </p:txBody>
-        </p:sp>
-        <p:cxnSp>
-          <p:nvCxnSpPr>
-            <p:cNvPr id="87" name="Straight Arrow Connector 86"/>
-            <p:cNvCxnSpPr>
-              <a:stCxn id="78" idx="3"/>
-              <a:endCxn id="86" idx="2"/>
-            </p:cNvCxnSpPr>
-            <p:nvPr/>
-          </p:nvCxnSpPr>
-          <p:spPr>
-            <a:xfrm>
-              <a:off x="10807773" y="2478487"/>
-              <a:ext cx="264372" cy="0"/>
-            </a:xfrm>
-            <a:prstGeom prst="straightConnector1">
-              <a:avLst/>
-            </a:prstGeom>
-            <a:ln w="28575">
-              <a:tailEnd type="triangle"/>
-            </a:ln>
-          </p:spPr>
-          <p:style>
-            <a:lnRef idx="1">
-              <a:schemeClr val="accent1"/>
-            </a:lnRef>
-            <a:fillRef idx="0">
-              <a:schemeClr val="accent1"/>
-            </a:fillRef>
-            <a:effectRef idx="0">
-              <a:schemeClr val="accent1"/>
-            </a:effectRef>
-            <a:fontRef idx="minor">
-              <a:schemeClr val="tx1"/>
-            </a:fontRef>
-          </p:style>
-        </p:cxnSp>
-        <p:cxnSp>
-          <p:nvCxnSpPr>
-            <p:cNvPr id="97" name="Elbow Connector 96"/>
-            <p:cNvCxnSpPr>
-              <a:endCxn id="86" idx="0"/>
-            </p:cNvCxnSpPr>
-            <p:nvPr/>
-          </p:nvCxnSpPr>
-          <p:spPr>
-            <a:xfrm flipV="1">
-              <a:off x="5070976" y="2316229"/>
-              <a:ext cx="6190864" cy="161875"/>
-            </a:xfrm>
-            <a:prstGeom prst="bentConnector4">
-              <a:avLst>
-                <a:gd name="adj1" fmla="val -53"/>
-                <a:gd name="adj2" fmla="val 241220"/>
-              </a:avLst>
-            </a:prstGeom>
-            <a:ln w="28575">
-              <a:tailEnd type="triangle"/>
-            </a:ln>
-          </p:spPr>
-          <p:style>
-            <a:lnRef idx="1">
-              <a:schemeClr val="accent1"/>
-            </a:lnRef>
-            <a:fillRef idx="0">
-              <a:schemeClr val="accent1"/>
-            </a:fillRef>
-            <a:effectRef idx="0">
-              <a:schemeClr val="accent1"/>
-            </a:effectRef>
-            <a:fontRef idx="minor">
-              <a:schemeClr val="tx1"/>
-            </a:fontRef>
-          </p:style>
-        </p:cxnSp>
-        <mc:AlternateContent xmlns:mc="http://schemas.openxmlformats.org/markup-compatibility/2006" xmlns:a14="http://schemas.microsoft.com/office/drawing/2010/main">
-          <mc:Choice Requires="a14">
-            <p:sp>
-              <p:nvSpPr>
-                <p:cNvPr id="167" name="Rectangle 166"/>
-                <p:cNvSpPr/>
-                <p:nvPr/>
-              </p:nvSpPr>
-              <p:spPr>
-                <a:xfrm>
-                  <a:off x="4210134" y="2315845"/>
-                  <a:ext cx="724896" cy="324834"/>
-                </a:xfrm>
-                <a:prstGeom prst="rect">
-                  <a:avLst/>
-                </a:prstGeom>
-                <a:ln w="28575"/>
-              </p:spPr>
-              <p:style>
-                <a:lnRef idx="2">
-                  <a:schemeClr val="dk1"/>
-                </a:lnRef>
-                <a:fillRef idx="1">
-                  <a:schemeClr val="lt1"/>
-                </a:fillRef>
-                <a:effectRef idx="0">
-                  <a:schemeClr val="dk1"/>
-                </a:effectRef>
-                <a:fontRef idx="minor">
-                  <a:schemeClr val="dk1"/>
-                </a:fontRef>
-              </p:style>
-              <p:txBody>
-                <a:bodyPr rtlCol="0" anchor="ctr"/>
-                <a:lstStyle/>
-                <a:p>
-                  <a:pPr algn="ctr"/>
-                  <a14:m>
-                    <m:oMathPara xmlns:m="http://schemas.openxmlformats.org/officeDocument/2006/math">
-                      <m:oMathParaPr>
-                        <m:jc m:val="center"/>
-                      </m:oMathParaPr>
-                      <m:oMath xmlns:m="http://schemas.openxmlformats.org/officeDocument/2006/math">
-                        <m:rad>
-                          <m:radPr>
-                            <m:degHide m:val="on"/>
-                            <m:ctrlPr>
-                              <a:rPr lang="en-US" sz="1200" b="1" i="1" smtClean="0">
-                                <a:latin typeface="Cambria Math" panose="02040503050406030204" pitchFamily="18" charset="0"/>
-                              </a:rPr>
-                            </m:ctrlPr>
-                          </m:radPr>
-                          <m:deg/>
-                          <m:e>
-                            <m:r>
-                              <a:rPr lang="en-US" sz="1200" b="1" i="1" smtClean="0">
-                                <a:latin typeface="Cambria Math" panose="02040503050406030204" pitchFamily="18" charset="0"/>
-                              </a:rPr>
-                              <m:t>𝑰</m:t>
-                            </m:r>
-                            <m:r>
-                              <a:rPr lang="en-US" sz="1200" b="1" i="1">
-                                <a:latin typeface="Cambria Math" panose="02040503050406030204" pitchFamily="18" charset="0"/>
-                              </a:rPr>
-                              <m:t>(</m:t>
-                            </m:r>
-                            <m:r>
-                              <a:rPr lang="en-US" sz="1200" b="1" i="1">
-                                <a:latin typeface="Cambria Math" panose="02040503050406030204" pitchFamily="18" charset="0"/>
-                              </a:rPr>
-                              <m:t>𝒕</m:t>
-                            </m:r>
-                            <m:r>
-                              <a:rPr lang="en-US" sz="1200" b="1" i="1">
-                                <a:latin typeface="Cambria Math" panose="02040503050406030204" pitchFamily="18" charset="0"/>
-                              </a:rPr>
-                              <m:t>)</m:t>
-                            </m:r>
-                          </m:e>
-                        </m:rad>
-                      </m:oMath>
-                    </m:oMathPara>
-                  </a14:m>
-                  <a:endParaRPr lang="en-US" sz="1200" b="1" dirty="0"/>
-                </a:p>
-              </p:txBody>
-            </p:sp>
-          </mc:Choice>
-          <mc:Fallback xmlns="">
-            <p:sp>
-              <p:nvSpPr>
-                <p:cNvPr id="167" name="Rectangle 166"/>
-                <p:cNvSpPr>
-                  <a:spLocks noRot="1" noChangeAspect="1" noMove="1" noResize="1" noEditPoints="1" noAdjustHandles="1" noChangeArrowheads="1" noChangeShapeType="1" noTextEdit="1"/>
-                </p:cNvSpPr>
-                <p:nvPr/>
-              </p:nvSpPr>
-              <p:spPr>
-                <a:xfrm>
-                  <a:off x="4210134" y="2315845"/>
-                  <a:ext cx="724896" cy="324834"/>
-                </a:xfrm>
-                <a:prstGeom prst="rect">
-                  <a:avLst/>
-                </a:prstGeom>
-                <a:blipFill>
-                  <a:blip r:embed="rId13"/>
-                  <a:stretch>
-                    <a:fillRect/>
-                  </a:stretch>
-                </a:blipFill>
-                <a:ln w="28575"/>
-              </p:spPr>
-              <p:txBody>
-                <a:bodyPr/>
-                <a:lstStyle/>
-                <a:p>
-                  <a:r>
-                    <a:rPr lang="en-US">
-                      <a:noFill/>
-                    </a:rPr>
-                    <a:t> </a:t>
-                  </a:r>
-                </a:p>
-              </p:txBody>
-            </p:sp>
-          </mc:Fallback>
-        </mc:AlternateContent>
-        <p:cxnSp>
-          <p:nvCxnSpPr>
-            <p:cNvPr id="173" name="Straight Arrow Connector 172"/>
-            <p:cNvCxnSpPr>
-              <a:stCxn id="167" idx="3"/>
-              <a:endCxn id="39" idx="1"/>
-            </p:cNvCxnSpPr>
-            <p:nvPr/>
-          </p:nvCxnSpPr>
-          <p:spPr>
-            <a:xfrm flipV="1">
-              <a:off x="4935030" y="2478104"/>
-              <a:ext cx="306037" cy="158"/>
-            </a:xfrm>
-            <a:prstGeom prst="straightConnector1">
-              <a:avLst/>
-            </a:prstGeom>
-            <a:ln w="28575">
-              <a:tailEnd type="triangle"/>
-            </a:ln>
-          </p:spPr>
-          <p:style>
-            <a:lnRef idx="1">
-              <a:schemeClr val="accent1"/>
-            </a:lnRef>
-            <a:fillRef idx="0">
-              <a:schemeClr val="accent1"/>
-            </a:fillRef>
-            <a:effectRef idx="0">
-              <a:schemeClr val="accent1"/>
-            </a:effectRef>
-            <a:fontRef idx="minor">
-              <a:schemeClr val="tx1"/>
-            </a:fontRef>
-          </p:style>
-        </p:cxnSp>
-        <p:cxnSp>
-          <p:nvCxnSpPr>
-            <p:cNvPr id="182" name="Elbow Connector 181"/>
-            <p:cNvCxnSpPr>
-              <a:stCxn id="86" idx="6"/>
-              <a:endCxn id="202" idx="3"/>
-            </p:cNvCxnSpPr>
-            <p:nvPr/>
-          </p:nvCxnSpPr>
-          <p:spPr>
-            <a:xfrm flipH="1">
-              <a:off x="10929889" y="2478487"/>
-              <a:ext cx="521645" cy="2765556"/>
-            </a:xfrm>
-            <a:prstGeom prst="bentConnector3">
-              <a:avLst>
-                <a:gd name="adj1" fmla="val -110687"/>
-              </a:avLst>
-            </a:prstGeom>
-            <a:ln w="28575">
-              <a:tailEnd type="triangle"/>
-            </a:ln>
-          </p:spPr>
-          <p:style>
-            <a:lnRef idx="1">
-              <a:schemeClr val="accent1"/>
-            </a:lnRef>
-            <a:fillRef idx="0">
-              <a:schemeClr val="accent1"/>
-            </a:fillRef>
-            <a:effectRef idx="0">
-              <a:schemeClr val="accent1"/>
-            </a:effectRef>
-            <a:fontRef idx="minor">
-              <a:schemeClr val="tx1"/>
-            </a:fontRef>
-          </p:style>
-        </p:cxnSp>
-        <mc:AlternateContent xmlns:mc="http://schemas.openxmlformats.org/markup-compatibility/2006">
-          <mc:Choice xmlns:a14="http://schemas.microsoft.com/office/drawing/2010/main" Requires="a14">
-            <p:sp>
-              <p:nvSpPr>
-                <p:cNvPr id="188" name="TextBox 187"/>
-                <p:cNvSpPr txBox="1"/>
-                <p:nvPr/>
-              </p:nvSpPr>
-              <p:spPr>
-                <a:xfrm>
-                  <a:off x="2501260" y="2205718"/>
-                  <a:ext cx="999697" cy="220253"/>
-                </a:xfrm>
-                <a:prstGeom prst="rect">
-                  <a:avLst/>
-                </a:prstGeom>
-                <a:noFill/>
-              </p:spPr>
-              <p:txBody>
-                <a:bodyPr wrap="none" lIns="0" tIns="0" rIns="0" bIns="0" rtlCol="0">
-                  <a:spAutoFit/>
-                </a:bodyPr>
-                <a:lstStyle/>
-                <a:p>
-                  <a:pPr/>
-                  <a14:m>
-                    <m:oMathPara xmlns:m="http://schemas.openxmlformats.org/officeDocument/2006/math">
-                      <m:oMathParaPr>
-                        <m:jc m:val="centerGroup"/>
-                      </m:oMathParaPr>
-                      <m:oMath xmlns:m="http://schemas.openxmlformats.org/officeDocument/2006/math">
-                        <m:r>
-                          <a:rPr lang="en-US" sz="1400" b="1" i="1" smtClean="0">
-                            <a:latin typeface="Cambria Math" panose="02040503050406030204" pitchFamily="18" charset="0"/>
-                          </a:rPr>
-                          <m:t>𝑰</m:t>
-                        </m:r>
-                        <m:r>
-                          <a:rPr lang="en-US" sz="1400" b="1" i="1" smtClean="0">
-                            <a:latin typeface="Cambria Math" panose="02040503050406030204" pitchFamily="18" charset="0"/>
-                          </a:rPr>
-                          <m:t>(</m:t>
-                        </m:r>
-                        <m:r>
-                          <a:rPr lang="en-US" sz="1400" b="1" i="1" smtClean="0">
-                            <a:latin typeface="Cambria Math" panose="02040503050406030204" pitchFamily="18" charset="0"/>
-                          </a:rPr>
-                          <m:t>𝒕</m:t>
-                        </m:r>
-                        <m:r>
-                          <a:rPr lang="en-US" sz="1400" b="1" i="1" smtClean="0">
-                            <a:latin typeface="Cambria Math" panose="02040503050406030204" pitchFamily="18" charset="0"/>
-                          </a:rPr>
-                          <m:t>)</m:t>
-                        </m:r>
-                        <m:r>
-                          <m:rPr>
-                            <m:nor/>
-                          </m:rPr>
-                          <a:rPr lang="en-US" sz="1400" b="1">
-                            <a:latin typeface="Cambria Math" panose="02040503050406030204" pitchFamily="18" charset="0"/>
-                            <a:sym typeface="Symbol" panose="05050102010706020507" pitchFamily="18" charset="2"/>
-                          </a:rPr>
-                          <m:t></m:t>
-                        </m:r>
-                        <m:sSup>
-                          <m:sSupPr>
-                            <m:ctrlPr>
-                              <a:rPr lang="en-US" sz="1400" b="1" i="1" dirty="0" smtClean="0">
-                                <a:latin typeface="Cambria Math" panose="02040503050406030204" pitchFamily="18" charset="0"/>
-                                <a:sym typeface="Symbol" panose="05050102010706020507" pitchFamily="18" charset="2"/>
-                              </a:rPr>
-                            </m:ctrlPr>
-                          </m:sSupPr>
-                          <m:e>
-                            <m:r>
-                              <a:rPr lang="en-US" sz="1400" b="1" i="1" dirty="0" smtClean="0">
-                                <a:latin typeface="Cambria Math" panose="02040503050406030204" pitchFamily="18" charset="0"/>
-                                <a:sym typeface="Symbol" panose="05050102010706020507" pitchFamily="18" charset="2"/>
-                              </a:rPr>
-                              <m:t>|</m:t>
-                            </m:r>
-                            <m:r>
-                              <a:rPr lang="en-US" sz="1400" b="1" i="1" dirty="0" smtClean="0">
-                                <a:latin typeface="Cambria Math" panose="02040503050406030204" pitchFamily="18" charset="0"/>
-                                <a:sym typeface="Symbol" panose="05050102010706020507" pitchFamily="18" charset="2"/>
-                              </a:rPr>
-                              <m:t>𝑨</m:t>
-                            </m:r>
-                            <m:r>
-                              <a:rPr lang="en-US" sz="1400" b="1" i="1" dirty="0" smtClean="0">
-                                <a:latin typeface="Cambria Math" panose="02040503050406030204" pitchFamily="18" charset="0"/>
-                                <a:sym typeface="Symbol" panose="05050102010706020507" pitchFamily="18" charset="2"/>
-                              </a:rPr>
-                              <m:t>(</m:t>
-                            </m:r>
-                            <m:r>
-                              <a:rPr lang="en-US" sz="1400" b="1" i="1" dirty="0" smtClean="0">
-                                <a:latin typeface="Cambria Math" panose="02040503050406030204" pitchFamily="18" charset="0"/>
-                                <a:sym typeface="Symbol" panose="05050102010706020507" pitchFamily="18" charset="2"/>
-                              </a:rPr>
-                              <m:t>𝒕</m:t>
-                            </m:r>
-                            <m:r>
-                              <a:rPr lang="en-US" sz="1400" b="1" i="1" dirty="0" smtClean="0">
-                                <a:latin typeface="Cambria Math" panose="02040503050406030204" pitchFamily="18" charset="0"/>
-                                <a:sym typeface="Symbol" panose="05050102010706020507" pitchFamily="18" charset="2"/>
-                              </a:rPr>
-                              <m:t>)|</m:t>
-                            </m:r>
-                          </m:e>
-                          <m:sup>
-                            <m:r>
-                              <a:rPr lang="en-US" sz="1400" b="1" i="1" dirty="0" smtClean="0">
-                                <a:latin typeface="Cambria Math" panose="02040503050406030204" pitchFamily="18" charset="0"/>
-                                <a:sym typeface="Symbol" panose="05050102010706020507" pitchFamily="18" charset="2"/>
-                              </a:rPr>
-                              <m:t>𝟐</m:t>
-                            </m:r>
-                          </m:sup>
-                        </m:sSup>
-                      </m:oMath>
-                    </m:oMathPara>
-                  </a14:m>
-                  <a:endParaRPr lang="en-US" sz="1400" b="1" dirty="0">
-                    <a:latin typeface="+mj-lt"/>
-                  </a:endParaRPr>
-                </a:p>
-              </p:txBody>
-            </p:sp>
-          </mc:Choice>
-          <mc:Fallback>
-            <p:sp>
-              <p:nvSpPr>
-                <p:cNvPr id="188" name="TextBox 187"/>
-                <p:cNvSpPr txBox="1">
-                  <a:spLocks noRot="1" noChangeAspect="1" noMove="1" noResize="1" noEditPoints="1" noAdjustHandles="1" noChangeArrowheads="1" noChangeShapeType="1" noTextEdit="1"/>
-                </p:cNvSpPr>
-                <p:nvPr/>
-              </p:nvSpPr>
-              <p:spPr>
-                <a:xfrm>
-                  <a:off x="2501260" y="2205718"/>
-                  <a:ext cx="999697" cy="220253"/>
-                </a:xfrm>
-                <a:prstGeom prst="rect">
-                  <a:avLst/>
-                </a:prstGeom>
-                <a:blipFill>
-                  <a:blip r:embed="rId14"/>
-                  <a:stretch>
-                    <a:fillRect l="-4268" t="-2778" r="-2439" b="-30556"/>
-                  </a:stretch>
-                </a:blipFill>
-              </p:spPr>
-              <p:txBody>
-                <a:bodyPr/>
-                <a:lstStyle/>
-                <a:p>
-                  <a:r>
-                    <a:rPr lang="en-US">
-                      <a:noFill/>
-                    </a:rPr>
-                    <a:t> </a:t>
-                  </a:r>
-                </a:p>
-              </p:txBody>
-            </p:sp>
-          </mc:Fallback>
-        </mc:AlternateContent>
-        <p:cxnSp>
-          <p:nvCxnSpPr>
-            <p:cNvPr id="197" name="Straight Arrow Connector 196"/>
-            <p:cNvCxnSpPr>
-              <a:endCxn id="157" idx="3"/>
-            </p:cNvCxnSpPr>
-            <p:nvPr/>
-          </p:nvCxnSpPr>
-          <p:spPr>
-            <a:xfrm flipH="1">
-              <a:off x="9383237" y="5244043"/>
-              <a:ext cx="353215" cy="0"/>
-            </a:xfrm>
-            <a:prstGeom prst="straightConnector1">
-              <a:avLst/>
-            </a:prstGeom>
-            <a:ln w="28575">
-              <a:tailEnd type="triangle"/>
-            </a:ln>
-          </p:spPr>
-          <p:style>
-            <a:lnRef idx="1">
-              <a:schemeClr val="accent1"/>
-            </a:lnRef>
-            <a:fillRef idx="0">
-              <a:schemeClr val="accent1"/>
-            </a:fillRef>
-            <a:effectRef idx="0">
-              <a:schemeClr val="accent1"/>
-            </a:effectRef>
-            <a:fontRef idx="minor">
-              <a:schemeClr val="tx1"/>
-            </a:fontRef>
-          </p:style>
-        </p:cxnSp>
-        <mc:AlternateContent xmlns:mc="http://schemas.openxmlformats.org/markup-compatibility/2006" xmlns:a14="http://schemas.microsoft.com/office/drawing/2010/main">
-          <mc:Choice Requires="a14">
-            <p:sp>
-              <p:nvSpPr>
-                <p:cNvPr id="202" name="Rectangle 201"/>
-                <p:cNvSpPr/>
-                <p:nvPr/>
-              </p:nvSpPr>
-              <p:spPr>
-                <a:xfrm>
-                  <a:off x="9735179" y="4966304"/>
-                  <a:ext cx="1194710" cy="555478"/>
-                </a:xfrm>
-                <a:prstGeom prst="rect">
-                  <a:avLst/>
-                </a:prstGeom>
-                <a:ln w="28575"/>
-              </p:spPr>
-              <p:style>
-                <a:lnRef idx="2">
-                  <a:schemeClr val="dk1"/>
-                </a:lnRef>
-                <a:fillRef idx="1">
-                  <a:schemeClr val="lt1"/>
-                </a:fillRef>
-                <a:effectRef idx="0">
-                  <a:schemeClr val="dk1"/>
-                </a:effectRef>
-                <a:fontRef idx="minor">
-                  <a:schemeClr val="dk1"/>
-                </a:fontRef>
-              </p:style>
-              <p:txBody>
-                <a:bodyPr rtlCol="0" anchor="ctr"/>
-                <a:lstStyle/>
-                <a:p>
-                  <a:pPr algn="ctr"/>
-                  <a14:m>
-                    <m:oMathPara xmlns:m="http://schemas.openxmlformats.org/officeDocument/2006/math">
-                      <m:oMathParaPr>
-                        <m:jc m:val="centerGroup"/>
-                      </m:oMathParaPr>
-                      <m:oMath xmlns:m="http://schemas.openxmlformats.org/officeDocument/2006/math">
-                        <m:sSup>
-                          <m:sSupPr>
-                            <m:ctrlPr>
-                              <a:rPr lang="en-US" sz="1400" b="1" i="1">
-                                <a:latin typeface="Cambria Math" panose="02040503050406030204" pitchFamily="18" charset="0"/>
-                              </a:rPr>
-                            </m:ctrlPr>
-                          </m:sSupPr>
-                          <m:e>
-                            <m:r>
-                              <a:rPr lang="en-US" sz="1400" b="1" i="1" dirty="0">
-                                <a:latin typeface="Cambria Math" panose="02040503050406030204" pitchFamily="18" charset="0"/>
-                                <a:cs typeface="Calibri" panose="020F0502020204030204" pitchFamily="34" charset="0"/>
-                              </a:rPr>
-                              <m:t>𝐂𝐃</m:t>
-                            </m:r>
-                            <m:r>
-                              <m:rPr>
-                                <m:nor/>
-                              </m:rPr>
-                              <a:rPr lang="en-US" sz="1400" b="1" dirty="0"/>
-                              <m:t> </m:t>
-                            </m:r>
-                          </m:e>
-                          <m:sup>
-                            <m:r>
-                              <a:rPr lang="en-US" sz="1400" b="1" dirty="0">
-                                <a:latin typeface="Cambria Math" panose="02040503050406030204" pitchFamily="18" charset="0"/>
-                              </a:rPr>
-                              <m:t>−</m:t>
-                            </m:r>
-                            <m:r>
-                              <a:rPr lang="en-US" sz="1400" b="1" i="1" dirty="0">
-                                <a:latin typeface="Cambria Math" panose="02040503050406030204" pitchFamily="18" charset="0"/>
-                              </a:rPr>
-                              <m:t>𝟏</m:t>
-                            </m:r>
-                          </m:sup>
-                        </m:sSup>
-                      </m:oMath>
-                    </m:oMathPara>
-                  </a14:m>
-                  <a:endParaRPr lang="en-US" sz="1400" b="1" dirty="0"/>
-                </a:p>
-              </p:txBody>
-            </p:sp>
-          </mc:Choice>
-          <mc:Fallback xmlns="">
-            <p:sp>
-              <p:nvSpPr>
-                <p:cNvPr id="202" name="Rectangle 201"/>
-                <p:cNvSpPr>
-                  <a:spLocks noRot="1" noChangeAspect="1" noMove="1" noResize="1" noEditPoints="1" noAdjustHandles="1" noChangeArrowheads="1" noChangeShapeType="1" noTextEdit="1"/>
-                </p:cNvSpPr>
-                <p:nvPr/>
-              </p:nvSpPr>
-              <p:spPr>
-                <a:xfrm>
-                  <a:off x="9735179" y="4966304"/>
-                  <a:ext cx="1194710" cy="555478"/>
-                </a:xfrm>
-                <a:prstGeom prst="rect">
-                  <a:avLst/>
-                </a:prstGeom>
-                <a:blipFill>
-                  <a:blip r:embed="rId15"/>
-                  <a:stretch>
-                    <a:fillRect/>
-                  </a:stretch>
-                </a:blipFill>
-                <a:ln w="28575"/>
-              </p:spPr>
-              <p:txBody>
-                <a:bodyPr/>
-                <a:lstStyle/>
-                <a:p>
-                  <a:r>
-                    <a:rPr lang="en-US">
-                      <a:noFill/>
-                    </a:rPr>
-                    <a:t> </a:t>
-                  </a:r>
-                </a:p>
-              </p:txBody>
-            </p:sp>
-          </mc:Fallback>
-        </mc:AlternateContent>
-        <p:sp>
-          <p:nvSpPr>
-            <p:cNvPr id="5" name="Rectangle 4"/>
-            <p:cNvSpPr/>
-            <p:nvPr/>
-          </p:nvSpPr>
-          <p:spPr>
-            <a:xfrm>
-              <a:off x="6600011" y="1587821"/>
-              <a:ext cx="2665794" cy="369332"/>
-            </a:xfrm>
-            <a:prstGeom prst="rect">
-              <a:avLst/>
-            </a:prstGeom>
-          </p:spPr>
-          <p:txBody>
-            <a:bodyPr wrap="none">
-              <a:spAutoFit/>
-            </a:bodyPr>
-            <a:lstStyle/>
-            <a:p>
-              <a:pPr algn="ctr"/>
-              <a:r>
-                <a:rPr lang="en-US" b="1" dirty="0"/>
-                <a:t>Kramers-Kronig Algorithm</a:t>
-              </a:r>
-            </a:p>
-          </p:txBody>
-        </p:sp>
-        <mc:AlternateContent xmlns:mc="http://schemas.openxmlformats.org/markup-compatibility/2006" xmlns:a14="http://schemas.microsoft.com/office/drawing/2010/main">
-          <mc:Choice Requires="a14">
-            <p:sp>
-              <p:nvSpPr>
-                <p:cNvPr id="81" name="Rectangle 80"/>
-                <p:cNvSpPr/>
-                <p:nvPr/>
-              </p:nvSpPr>
-              <p:spPr>
-                <a:xfrm>
-                  <a:off x="8022128" y="2967172"/>
-                  <a:ext cx="1024518" cy="302465"/>
-                </a:xfrm>
-                <a:prstGeom prst="rect">
-                  <a:avLst/>
-                </a:prstGeom>
-                <a:ln w="28575"/>
-              </p:spPr>
-              <p:style>
-                <a:lnRef idx="2">
-                  <a:schemeClr val="dk1"/>
-                </a:lnRef>
-                <a:fillRef idx="1">
-                  <a:schemeClr val="lt1"/>
-                </a:fillRef>
-                <a:effectRef idx="0">
-                  <a:schemeClr val="dk1"/>
-                </a:effectRef>
-                <a:fontRef idx="minor">
-                  <a:schemeClr val="dk1"/>
-                </a:fontRef>
-              </p:style>
-              <p:txBody>
-                <a:bodyPr rtlCol="0" anchor="ctr"/>
-                <a:lstStyle/>
-                <a:p>
-                  <a:pPr algn="ctr"/>
-                  <a14:m>
-                    <m:oMathPara xmlns:m="http://schemas.openxmlformats.org/officeDocument/2006/math">
-                      <m:oMathParaPr>
-                        <m:jc m:val="center"/>
-                      </m:oMathParaPr>
-                      <m:oMath xmlns:m="http://schemas.openxmlformats.org/officeDocument/2006/math">
-                        <m:r>
-                          <a:rPr lang="en-US" sz="1400" b="1" i="1">
-                            <a:latin typeface="Cambria Math" panose="02040503050406030204" pitchFamily="18" charset="0"/>
-                          </a:rPr>
-                          <m:t>𝒊</m:t>
-                        </m:r>
-                        <m:r>
-                          <a:rPr lang="en-US" sz="1400" b="1" i="1">
-                            <a:latin typeface="Cambria Math" panose="02040503050406030204" pitchFamily="18" charset="0"/>
-                            <a:ea typeface="Cambria Math" panose="02040503050406030204" pitchFamily="18" charset="0"/>
-                          </a:rPr>
-                          <m:t>∙</m:t>
-                        </m:r>
-                        <m:r>
-                          <a:rPr lang="en-US" sz="1400" b="1" i="1">
-                            <a:latin typeface="Cambria Math" panose="02040503050406030204" pitchFamily="18" charset="0"/>
-                            <a:ea typeface="Cambria Math" panose="02040503050406030204" pitchFamily="18" charset="0"/>
-                          </a:rPr>
-                          <m:t>𝒔𝒈𝒏</m:t>
-                        </m:r>
-                        <m:r>
-                          <a:rPr lang="en-US" sz="1400" b="1" i="1">
-                            <a:latin typeface="Cambria Math" panose="02040503050406030204" pitchFamily="18" charset="0"/>
-                            <a:ea typeface="Cambria Math" panose="02040503050406030204" pitchFamily="18" charset="0"/>
-                          </a:rPr>
-                          <m:t>(</m:t>
-                        </m:r>
-                        <m:r>
-                          <a:rPr lang="en-US" sz="1400" b="1" i="1">
-                            <a:latin typeface="Cambria Math" panose="02040503050406030204" pitchFamily="18" charset="0"/>
-                            <a:ea typeface="Cambria Math" panose="02040503050406030204" pitchFamily="18" charset="0"/>
-                          </a:rPr>
-                          <m:t>𝝎</m:t>
-                        </m:r>
-                        <m:r>
-                          <a:rPr lang="en-US" sz="1400" b="1" i="1">
-                            <a:latin typeface="Cambria Math" panose="02040503050406030204" pitchFamily="18" charset="0"/>
-                            <a:ea typeface="Cambria Math" panose="02040503050406030204" pitchFamily="18" charset="0"/>
-                          </a:rPr>
-                          <m:t>)</m:t>
-                        </m:r>
-                      </m:oMath>
-                    </m:oMathPara>
-                  </a14:m>
-                  <a:endParaRPr lang="en-US" sz="1400" b="1" dirty="0"/>
-                </a:p>
-              </p:txBody>
-            </p:sp>
-          </mc:Choice>
-          <mc:Fallback xmlns="">
-            <p:sp>
-              <p:nvSpPr>
-                <p:cNvPr id="81" name="Rectangle 80"/>
-                <p:cNvSpPr>
-                  <a:spLocks noRot="1" noChangeAspect="1" noMove="1" noResize="1" noEditPoints="1" noAdjustHandles="1" noChangeArrowheads="1" noChangeShapeType="1" noTextEdit="1"/>
-                </p:cNvSpPr>
-                <p:nvPr/>
-              </p:nvSpPr>
-              <p:spPr>
-                <a:xfrm>
-                  <a:off x="8022128" y="2967172"/>
-                  <a:ext cx="1024518" cy="302465"/>
-                </a:xfrm>
-                <a:prstGeom prst="rect">
-                  <a:avLst/>
-                </a:prstGeom>
-                <a:blipFill>
-                  <a:blip r:embed="rId16"/>
-                  <a:stretch>
-                    <a:fillRect b="-1818"/>
-                  </a:stretch>
-                </a:blipFill>
-                <a:ln w="28575"/>
-              </p:spPr>
-              <p:txBody>
-                <a:bodyPr/>
-                <a:lstStyle/>
-                <a:p>
-                  <a:r>
-                    <a:rPr lang="en-US">
-                      <a:noFill/>
-                    </a:rPr>
-                    <a:t> </a:t>
-                  </a:r>
-                </a:p>
-              </p:txBody>
-            </p:sp>
-          </mc:Fallback>
-        </mc:AlternateContent>
-      </p:grpSp>
-      <mc:AlternateContent xmlns:mc="http://schemas.openxmlformats.org/markup-compatibility/2006" xmlns:a14="http://schemas.microsoft.com/office/drawing/2010/main">
-        <mc:Choice Requires="a14">
+              </a:lnRef>
+              <a:fillRef idx="1">
+                <a:schemeClr val="lt1"/>
+              </a:fillRef>
+              <a:effectRef idx="0">
+                <a:schemeClr val="dk1"/>
+              </a:effectRef>
+              <a:fontRef idx="minor">
+                <a:schemeClr val="dk1"/>
+              </a:fontRef>
+            </p:style>
+            <p:txBody>
+              <a:bodyPr rtlCol="0" anchor="ctr"/>
+              <a:lstStyle/>
+              <a:p>
+                <a:pPr algn="ctr"/>
+                <a14:m>
+                  <m:oMathPara xmlns:m="http://schemas.openxmlformats.org/officeDocument/2006/math">
+                    <m:oMathParaPr>
+                      <m:jc m:val="center"/>
+                    </m:oMathParaPr>
+                    <m:oMath xmlns:m="http://schemas.openxmlformats.org/officeDocument/2006/math">
+                      <m:r>
+                        <a:rPr lang="en-US" sz="1400" b="1" i="1">
+                          <a:latin typeface="Cambria Math" panose="02040503050406030204" pitchFamily="18" charset="0"/>
+                        </a:rPr>
+                        <m:t>𝒊</m:t>
+                      </m:r>
+                      <m:r>
+                        <a:rPr lang="en-US" sz="1400" b="1" i="1">
+                          <a:latin typeface="Cambria Math" panose="02040503050406030204" pitchFamily="18" charset="0"/>
+                          <a:ea typeface="Cambria Math" panose="02040503050406030204" pitchFamily="18" charset="0"/>
+                        </a:rPr>
+                        <m:t>∙</m:t>
+                      </m:r>
+                      <m:r>
+                        <a:rPr lang="en-US" sz="1400" b="1" i="1">
+                          <a:latin typeface="Cambria Math" panose="02040503050406030204" pitchFamily="18" charset="0"/>
+                          <a:ea typeface="Cambria Math" panose="02040503050406030204" pitchFamily="18" charset="0"/>
+                        </a:rPr>
+                        <m:t>𝒔𝒈𝒏</m:t>
+                      </m:r>
+                      <m:r>
+                        <a:rPr lang="en-US" sz="1400" b="1" i="1">
+                          <a:latin typeface="Cambria Math" panose="02040503050406030204" pitchFamily="18" charset="0"/>
+                          <a:ea typeface="Cambria Math" panose="02040503050406030204" pitchFamily="18" charset="0"/>
+                        </a:rPr>
+                        <m:t>(</m:t>
+                      </m:r>
+                      <m:r>
+                        <a:rPr lang="en-US" sz="1400" b="1" i="1">
+                          <a:latin typeface="Cambria Math" panose="02040503050406030204" pitchFamily="18" charset="0"/>
+                          <a:ea typeface="Cambria Math" panose="02040503050406030204" pitchFamily="18" charset="0"/>
+                        </a:rPr>
+                        <m:t>𝝎</m:t>
+                      </m:r>
+                      <m:r>
+                        <a:rPr lang="en-US" sz="1400" b="1" i="1">
+                          <a:latin typeface="Cambria Math" panose="02040503050406030204" pitchFamily="18" charset="0"/>
+                          <a:ea typeface="Cambria Math" panose="02040503050406030204" pitchFamily="18" charset="0"/>
+                        </a:rPr>
+                        <m:t>)</m:t>
+                      </m:r>
+                    </m:oMath>
+                  </m:oMathPara>
+                </a14:m>
+                <a:endParaRPr lang="en-US" sz="1400" b="1" dirty="0"/>
+              </a:p>
+            </p:txBody>
+          </p:sp>
+        </mc:Choice>
+        <mc:Fallback>
+          <p:sp>
+            <p:nvSpPr>
+              <p:cNvPr id="81" name="Rectangle 80"/>
+              <p:cNvSpPr>
+                <a:spLocks noRot="1" noChangeAspect="1" noMove="1" noResize="1" noEditPoints="1" noAdjustHandles="1" noChangeArrowheads="1" noChangeShapeType="1" noTextEdit="1"/>
+              </p:cNvSpPr>
+              <p:nvPr/>
+            </p:nvSpPr>
+            <p:spPr>
+              <a:xfrm>
+                <a:off x="7975130" y="2589551"/>
+                <a:ext cx="1079254" cy="302465"/>
+              </a:xfrm>
+              <a:prstGeom prst="rect">
+                <a:avLst/>
+              </a:prstGeom>
+              <a:blipFill>
+                <a:blip r:embed="rId8"/>
+                <a:stretch>
+                  <a:fillRect b="-5769"/>
+                </a:stretch>
+              </a:blipFill>
+              <a:ln w="19050">
+                <a:solidFill>
+                  <a:schemeClr val="tx1"/>
+                </a:solidFill>
+              </a:ln>
+            </p:spPr>
+            <p:txBody>
+              <a:bodyPr/>
+              <a:lstStyle/>
+              <a:p>
+                <a:r>
+                  <a:rPr lang="en-US">
+                    <a:noFill/>
+                  </a:rPr>
+                  <a:t> </a:t>
+                </a:r>
+              </a:p>
+            </p:txBody>
+          </p:sp>
+        </mc:Fallback>
+      </mc:AlternateContent>
+      <mc:AlternateContent xmlns:mc="http://schemas.openxmlformats.org/markup-compatibility/2006">
+        <mc:Choice xmlns:a14="http://schemas.microsoft.com/office/drawing/2010/main" Requires="a14">
           <p:sp>
             <p:nvSpPr>
               <p:cNvPr id="2" name="Rectangle 1"/>
@@ -5950,12 +4532,15 @@
             </p:nvSpPr>
             <p:spPr>
               <a:xfrm>
-                <a:off x="6797051" y="4520721"/>
+                <a:off x="6797052" y="4520721"/>
                 <a:ext cx="1098378" cy="276999"/>
               </a:xfrm>
               <a:prstGeom prst="rect">
                 <a:avLst/>
               </a:prstGeom>
+              <a:ln w="19050">
+                <a:noFill/>
+              </a:ln>
             </p:spPr>
             <p:txBody>
               <a:bodyPr wrap="none">
@@ -5985,7 +4570,7 @@
             </p:txBody>
           </p:sp>
         </mc:Choice>
-        <mc:Fallback xmlns="">
+        <mc:Fallback>
           <p:sp>
             <p:nvSpPr>
               <p:cNvPr id="2" name="Rectangle 1"/>
@@ -5996,18 +4581,21 @@
             </p:nvSpPr>
             <p:spPr>
               <a:xfrm>
-                <a:off x="6797051" y="4520721"/>
+                <a:off x="6797052" y="4520721"/>
                 <a:ext cx="1098378" cy="276999"/>
               </a:xfrm>
               <a:prstGeom prst="rect">
                 <a:avLst/>
               </a:prstGeom>
               <a:blipFill>
-                <a:blip r:embed="rId17"/>
+                <a:blip r:embed="rId9"/>
                 <a:stretch>
                   <a:fillRect/>
                 </a:stretch>
               </a:blipFill>
+              <a:ln w="19050">
+                <a:noFill/>
+              </a:ln>
             </p:spPr>
             <p:txBody>
               <a:bodyPr/>
@@ -6024,43 +4612,8 @@
           </p:sp>
         </mc:Fallback>
       </mc:AlternateContent>
-      <p:cxnSp>
-        <p:nvCxnSpPr>
-          <p:cNvPr id="80" name="Straight Arrow Connector 79"/>
-          <p:cNvCxnSpPr>
-            <a:stCxn id="157" idx="1"/>
-          </p:cNvCxnSpPr>
-          <p:nvPr/>
-        </p:nvCxnSpPr>
-        <p:spPr>
-          <a:xfrm flipH="1">
-            <a:off x="7716852" y="4866970"/>
-            <a:ext cx="471879" cy="0"/>
-          </a:xfrm>
-          <a:prstGeom prst="straightConnector1">
-            <a:avLst/>
-          </a:prstGeom>
-          <a:ln w="28575">
-            <a:tailEnd type="triangle"/>
-          </a:ln>
-        </p:spPr>
-        <p:style>
-          <a:lnRef idx="1">
-            <a:schemeClr val="accent1"/>
-          </a:lnRef>
-          <a:fillRef idx="0">
-            <a:schemeClr val="accent1"/>
-          </a:fillRef>
-          <a:effectRef idx="0">
-            <a:schemeClr val="accent1"/>
-          </a:effectRef>
-          <a:fontRef idx="minor">
-            <a:schemeClr val="tx1"/>
-          </a:fontRef>
-        </p:style>
-      </p:cxnSp>
-      <mc:AlternateContent xmlns:mc="http://schemas.openxmlformats.org/markup-compatibility/2006" xmlns:a14="http://schemas.microsoft.com/office/drawing/2010/main">
-        <mc:Choice Requires="a14">
+      <mc:AlternateContent xmlns:mc="http://schemas.openxmlformats.org/markup-compatibility/2006">
+        <mc:Choice xmlns:a14="http://schemas.microsoft.com/office/drawing/2010/main" Requires="a14">
           <p:sp>
             <p:nvSpPr>
               <p:cNvPr id="17" name="Rectangle 16"/>
@@ -6069,12 +4622,15 @@
             </p:nvSpPr>
             <p:spPr>
               <a:xfrm>
-                <a:off x="6797051" y="4728470"/>
+                <a:off x="6797052" y="4728470"/>
                 <a:ext cx="998991" cy="276999"/>
               </a:xfrm>
               <a:prstGeom prst="rect">
                 <a:avLst/>
               </a:prstGeom>
+              <a:ln w="19050">
+                <a:noFill/>
+              </a:ln>
             </p:spPr>
             <p:txBody>
               <a:bodyPr wrap="none">
@@ -6121,7 +4677,7 @@
             </p:txBody>
           </p:sp>
         </mc:Choice>
-        <mc:Fallback xmlns="">
+        <mc:Fallback>
           <p:sp>
             <p:nvSpPr>
               <p:cNvPr id="17" name="Rectangle 16"/>
@@ -6132,18 +4688,21 @@
             </p:nvSpPr>
             <p:spPr>
               <a:xfrm>
-                <a:off x="6797051" y="4728470"/>
+                <a:off x="6797052" y="4728470"/>
                 <a:ext cx="998991" cy="276999"/>
               </a:xfrm>
               <a:prstGeom prst="rect">
                 <a:avLst/>
               </a:prstGeom>
               <a:blipFill>
-                <a:blip r:embed="rId18"/>
+                <a:blip r:embed="rId10"/>
                 <a:stretch>
                   <a:fillRect b="-4444"/>
                 </a:stretch>
               </a:blipFill>
+              <a:ln w="19050">
+                <a:noFill/>
+              </a:ln>
             </p:spPr>
             <p:txBody>
               <a:bodyPr/>
@@ -6162,19 +4721,23 @@
       </mc:AlternateContent>
       <p:sp>
         <p:nvSpPr>
-          <p:cNvPr id="45" name="Rectangle 44"/>
+          <p:cNvPr id="3" name="Rounded Rectangle 2"/>
           <p:cNvSpPr/>
           <p:nvPr/>
         </p:nvSpPr>
         <p:spPr>
           <a:xfrm>
-            <a:off x="3542398" y="1285382"/>
-            <a:ext cx="270377" cy="1623348"/>
+            <a:off x="780042" y="1292233"/>
+            <a:ext cx="251910" cy="1623348"/>
           </a:xfrm>
-          <a:prstGeom prst="rect">
+          <a:prstGeom prst="roundRect">
             <a:avLst/>
           </a:prstGeom>
-          <a:ln w="28575"/>
+          <a:ln w="19050">
+            <a:solidFill>
+              <a:schemeClr val="tx1"/>
+            </a:solidFill>
+          </a:ln>
         </p:spPr>
         <p:style>
           <a:lnRef idx="2">
@@ -6196,31 +4759,238 @@
           <a:p>
             <a:pPr algn="ctr"/>
             <a:r>
-              <a:rPr lang="en-US" sz="1200" b="1" dirty="0" smtClean="0"/>
-              <a:t>ADC</a:t>
-            </a:r>
-            <a:endParaRPr lang="en-US" sz="1200" b="1" dirty="0"/>
+              <a:rPr lang="en-US" sz="1200" dirty="0" smtClean="0"/>
+              <a:t>COUPLER</a:t>
+            </a:r>
+            <a:endParaRPr lang="en-US" sz="1200" dirty="0"/>
+          </a:p>
+        </p:txBody>
+      </p:sp>
+      <mc:AlternateContent xmlns:mc="http://schemas.openxmlformats.org/markup-compatibility/2006">
+        <mc:Choice xmlns:a14="http://schemas.microsoft.com/office/drawing/2010/main" Requires="a14">
+          <p:sp>
+            <p:nvSpPr>
+              <p:cNvPr id="8" name="Rounded Rectangle 7"/>
+              <p:cNvSpPr/>
+              <p:nvPr/>
+            </p:nvSpPr>
+            <p:spPr>
+              <a:xfrm>
+                <a:off x="1674354" y="1817921"/>
+                <a:ext cx="706429" cy="574901"/>
+              </a:xfrm>
+              <a:prstGeom prst="roundRect">
+                <a:avLst/>
+              </a:prstGeom>
+              <a:ln w="19050">
+                <a:solidFill>
+                  <a:schemeClr val="tx1"/>
+                </a:solidFill>
+              </a:ln>
+            </p:spPr>
+            <p:style>
+              <a:lnRef idx="2">
+                <a:schemeClr val="dk1"/>
+              </a:lnRef>
+              <a:fillRef idx="1">
+                <a:schemeClr val="lt1"/>
+              </a:fillRef>
+              <a:effectRef idx="0">
+                <a:schemeClr val="dk1"/>
+              </a:effectRef>
+              <a:fontRef idx="minor">
+                <a:schemeClr val="dk1"/>
+              </a:fontRef>
+            </p:style>
+            <p:txBody>
+              <a:bodyPr rtlCol="0" anchor="ctr"/>
+              <a:lstStyle/>
+              <a:p>
+                <a:pPr algn="ctr"/>
+                <a14:m>
+                  <m:oMathPara xmlns:m="http://schemas.openxmlformats.org/officeDocument/2006/math">
+                    <m:oMathParaPr>
+                      <m:jc m:val="centerGroup"/>
+                    </m:oMathParaPr>
+                    <m:oMath xmlns:m="http://schemas.openxmlformats.org/officeDocument/2006/math">
+                      <m:sSup>
+                        <m:sSupPr>
+                          <m:ctrlPr>
+                            <a:rPr lang="en-US" sz="1200" b="1" i="1">
+                              <a:latin typeface="+mj-lt"/>
+                            </a:rPr>
+                          </m:ctrlPr>
+                        </m:sSupPr>
+                        <m:e>
+                          <m:r>
+                            <m:rPr>
+                              <m:nor/>
+                            </m:rPr>
+                            <a:rPr lang="en-US" sz="1200" b="1" dirty="0">
+                              <a:latin typeface="+mj-lt"/>
+                              <a:cs typeface="Calibri" panose="020F0502020204030204" pitchFamily="34" charset="0"/>
+                            </a:rPr>
+                            <m:t>|</m:t>
+                          </m:r>
+                          <m:r>
+                            <a:rPr lang="en-US" sz="1200" b="1" i="1">
+                              <a:latin typeface="+mj-lt"/>
+                              <a:ea typeface="Cambria Math" panose="02040503050406030204" pitchFamily="18" charset="0"/>
+                              <a:cs typeface="Calibri" panose="020F0502020204030204" pitchFamily="34" charset="0"/>
+                            </a:rPr>
+                            <m:t>∙</m:t>
+                          </m:r>
+                          <m:r>
+                            <m:rPr>
+                              <m:nor/>
+                            </m:rPr>
+                            <a:rPr lang="en-US" sz="1200" b="1" dirty="0">
+                              <a:latin typeface="+mj-lt"/>
+                              <a:cs typeface="Calibri" panose="020F0502020204030204" pitchFamily="34" charset="0"/>
+                            </a:rPr>
+                            <m:t>|</m:t>
+                          </m:r>
+                          <m:r>
+                            <m:rPr>
+                              <m:nor/>
+                            </m:rPr>
+                            <a:rPr lang="en-US" sz="1200" b="1" dirty="0">
+                              <a:latin typeface="+mj-lt"/>
+                            </a:rPr>
+                            <m:t> </m:t>
+                          </m:r>
+                        </m:e>
+                        <m:sup>
+                          <m:r>
+                            <a:rPr lang="en-US" sz="1200" b="1" i="1">
+                              <a:latin typeface="+mj-lt"/>
+                            </a:rPr>
+                            <m:t>𝟐</m:t>
+                          </m:r>
+                        </m:sup>
+                      </m:sSup>
+                    </m:oMath>
+                  </m:oMathPara>
+                </a14:m>
+                <a:endParaRPr lang="en-US" sz="1200" b="1" dirty="0">
+                  <a:latin typeface="+mj-lt"/>
+                </a:endParaRPr>
+              </a:p>
+            </p:txBody>
+          </p:sp>
+        </mc:Choice>
+        <mc:Fallback>
+          <p:sp>
+            <p:nvSpPr>
+              <p:cNvPr id="8" name="Rounded Rectangle 7"/>
+              <p:cNvSpPr>
+                <a:spLocks noRot="1" noChangeAspect="1" noMove="1" noResize="1" noEditPoints="1" noAdjustHandles="1" noChangeArrowheads="1" noChangeShapeType="1" noTextEdit="1"/>
+              </p:cNvSpPr>
+              <p:nvPr/>
+            </p:nvSpPr>
+            <p:spPr>
+              <a:xfrm>
+                <a:off x="1674354" y="1817921"/>
+                <a:ext cx="706429" cy="574901"/>
+              </a:xfrm>
+              <a:prstGeom prst="roundRect">
+                <a:avLst/>
+              </a:prstGeom>
+              <a:blipFill>
+                <a:blip r:embed="rId11"/>
+                <a:stretch>
+                  <a:fillRect/>
+                </a:stretch>
+              </a:blipFill>
+              <a:ln w="19050">
+                <a:solidFill>
+                  <a:schemeClr val="tx1"/>
+                </a:solidFill>
+              </a:ln>
+            </p:spPr>
+            <p:txBody>
+              <a:bodyPr/>
+              <a:lstStyle/>
+              <a:p>
+                <a:r>
+                  <a:rPr lang="en-US">
+                    <a:noFill/>
+                  </a:rPr>
+                  <a:t> </a:t>
+                </a:r>
+              </a:p>
+            </p:txBody>
+          </p:sp>
+        </mc:Fallback>
+      </mc:AlternateContent>
+      <p:sp>
+        <p:nvSpPr>
+          <p:cNvPr id="61" name="Rounded Rectangle 60"/>
+          <p:cNvSpPr/>
+          <p:nvPr/>
+        </p:nvSpPr>
+        <p:spPr>
+          <a:xfrm>
+            <a:off x="3582793" y="1292233"/>
+            <a:ext cx="251910" cy="1623348"/>
+          </a:xfrm>
+          <a:prstGeom prst="roundRect">
+            <a:avLst/>
+          </a:prstGeom>
+          <a:ln w="19050">
+            <a:solidFill>
+              <a:schemeClr val="tx1"/>
+            </a:solidFill>
+          </a:ln>
+        </p:spPr>
+        <p:style>
+          <a:lnRef idx="2">
+            <a:schemeClr val="dk1"/>
+          </a:lnRef>
+          <a:fillRef idx="1">
+            <a:schemeClr val="lt1"/>
+          </a:fillRef>
+          <a:effectRef idx="0">
+            <a:schemeClr val="dk1"/>
+          </a:effectRef>
+          <a:fontRef idx="minor">
+            <a:schemeClr val="dk1"/>
+          </a:fontRef>
+        </p:style>
+        <p:txBody>
+          <a:bodyPr rtlCol="0" anchor="ctr"/>
+          <a:lstStyle/>
+          <a:p>
+            <a:pPr algn="ctr"/>
+            <a:r>
+              <a:rPr lang="en-US" sz="1200" dirty="0" smtClean="0"/>
+              <a:t>COUPLER</a:t>
+            </a:r>
+            <a:endParaRPr lang="en-US" sz="1200" dirty="0"/>
           </a:p>
         </p:txBody>
       </p:sp>
       <p:cxnSp>
         <p:nvCxnSpPr>
-          <p:cNvPr id="46" name="Straight Arrow Connector 45"/>
+          <p:cNvPr id="32" name="Straight Arrow Connector 31"/>
           <p:cNvCxnSpPr>
-            <a:stCxn id="22" idx="3"/>
-            <a:endCxn id="45" idx="1"/>
+            <a:stCxn id="8" idx="3"/>
+            <a:endCxn id="61" idx="1"/>
           </p:cNvCxnSpPr>
           <p:nvPr/>
         </p:nvCxnSpPr>
         <p:spPr>
           <a:xfrm flipV="1">
-            <a:off x="2396422" y="2097056"/>
-            <a:ext cx="1145976" cy="6852"/>
+            <a:off x="2380783" y="2103907"/>
+            <a:ext cx="1202010" cy="1465"/>
           </a:xfrm>
           <a:prstGeom prst="straightConnector1">
             <a:avLst/>
           </a:prstGeom>
-          <a:ln w="28575">
+          <a:ln w="19050">
+            <a:solidFill>
+              <a:schemeClr val="tx1"/>
+            </a:solidFill>
             <a:tailEnd type="triangle"/>
           </a:ln>
         </p:spPr>
@@ -6241,22 +5011,1392 @@
       </p:cxnSp>
       <p:cxnSp>
         <p:nvCxnSpPr>
-          <p:cNvPr id="50" name="Straight Arrow Connector 49"/>
+          <p:cNvPr id="36" name="Straight Arrow Connector 35"/>
           <p:cNvCxnSpPr>
-            <a:stCxn id="45" idx="3"/>
-            <a:endCxn id="167" idx="1"/>
+            <a:stCxn id="61" idx="3"/>
+          </p:cNvCxnSpPr>
+          <p:nvPr/>
+        </p:nvCxnSpPr>
+        <p:spPr>
+          <a:xfrm flipV="1">
+            <a:off x="3834703" y="2100872"/>
+            <a:ext cx="380795" cy="3035"/>
+          </a:xfrm>
+          <a:prstGeom prst="straightConnector1">
+            <a:avLst/>
+          </a:prstGeom>
+          <a:ln w="19050">
+            <a:solidFill>
+              <a:schemeClr val="tx1"/>
+            </a:solidFill>
+            <a:tailEnd type="triangle"/>
+          </a:ln>
+        </p:spPr>
+        <p:style>
+          <a:lnRef idx="1">
+            <a:schemeClr val="accent1"/>
+          </a:lnRef>
+          <a:fillRef idx="0">
+            <a:schemeClr val="accent1"/>
+          </a:fillRef>
+          <a:effectRef idx="0">
+            <a:schemeClr val="accent1"/>
+          </a:effectRef>
+          <a:fontRef idx="minor">
+            <a:schemeClr val="tx1"/>
+          </a:fontRef>
+        </p:style>
+      </p:cxnSp>
+      <p:cxnSp>
+        <p:nvCxnSpPr>
+          <p:cNvPr id="53" name="Straight Arrow Connector 52"/>
+          <p:cNvCxnSpPr/>
+          <p:nvPr/>
+        </p:nvCxnSpPr>
+        <p:spPr>
+          <a:xfrm>
+            <a:off x="4940394" y="2100872"/>
+            <a:ext cx="300878" cy="159"/>
+          </a:xfrm>
+          <a:prstGeom prst="straightConnector1">
+            <a:avLst/>
+          </a:prstGeom>
+          <a:ln w="19050">
+            <a:solidFill>
+              <a:schemeClr val="tx1"/>
+            </a:solidFill>
+            <a:tailEnd type="triangle"/>
+          </a:ln>
+        </p:spPr>
+        <p:style>
+          <a:lnRef idx="1">
+            <a:schemeClr val="accent1"/>
+          </a:lnRef>
+          <a:fillRef idx="0">
+            <a:schemeClr val="accent1"/>
+          </a:fillRef>
+          <a:effectRef idx="0">
+            <a:schemeClr val="accent1"/>
+          </a:effectRef>
+          <a:fontRef idx="minor">
+            <a:schemeClr val="tx1"/>
+          </a:fontRef>
+        </p:style>
+      </p:cxnSp>
+      <p:cxnSp>
+        <p:nvCxnSpPr>
+          <p:cNvPr id="55" name="Straight Arrow Connector 54"/>
+          <p:cNvCxnSpPr/>
+          <p:nvPr/>
+        </p:nvCxnSpPr>
+        <p:spPr>
+          <a:xfrm>
+            <a:off x="5966168" y="2101031"/>
+            <a:ext cx="297032" cy="384"/>
+          </a:xfrm>
+          <a:prstGeom prst="straightConnector1">
+            <a:avLst/>
+          </a:prstGeom>
+          <a:ln w="19050">
+            <a:solidFill>
+              <a:schemeClr val="tx1"/>
+            </a:solidFill>
+            <a:tailEnd type="triangle"/>
+          </a:ln>
+        </p:spPr>
+        <p:style>
+          <a:lnRef idx="1">
+            <a:schemeClr val="accent1"/>
+          </a:lnRef>
+          <a:fillRef idx="0">
+            <a:schemeClr val="accent1"/>
+          </a:fillRef>
+          <a:effectRef idx="0">
+            <a:schemeClr val="accent1"/>
+          </a:effectRef>
+          <a:fontRef idx="minor">
+            <a:schemeClr val="tx1"/>
+          </a:fontRef>
+        </p:style>
+      </p:cxnSp>
+      <p:cxnSp>
+        <p:nvCxnSpPr>
+          <p:cNvPr id="62" name="Straight Arrow Connector 61"/>
+          <p:cNvCxnSpPr/>
+          <p:nvPr/>
+        </p:nvCxnSpPr>
+        <p:spPr>
+          <a:xfrm>
+            <a:off x="6997099" y="2100872"/>
+            <a:ext cx="297032" cy="543"/>
+          </a:xfrm>
+          <a:prstGeom prst="straightConnector1">
+            <a:avLst/>
+          </a:prstGeom>
+          <a:ln w="19050">
+            <a:solidFill>
+              <a:schemeClr val="tx1"/>
+            </a:solidFill>
+            <a:tailEnd type="triangle"/>
+          </a:ln>
+        </p:spPr>
+        <p:style>
+          <a:lnRef idx="1">
+            <a:schemeClr val="accent1"/>
+          </a:lnRef>
+          <a:fillRef idx="0">
+            <a:schemeClr val="accent1"/>
+          </a:fillRef>
+          <a:effectRef idx="0">
+            <a:schemeClr val="accent1"/>
+          </a:effectRef>
+          <a:fontRef idx="minor">
+            <a:schemeClr val="tx1"/>
+          </a:fontRef>
+        </p:style>
+      </p:cxnSp>
+      <p:cxnSp>
+        <p:nvCxnSpPr>
+          <p:cNvPr id="66" name="Straight Arrow Connector 65"/>
+          <p:cNvCxnSpPr>
+            <a:endCxn id="64" idx="2"/>
+          </p:cNvCxnSpPr>
+          <p:nvPr/>
+        </p:nvCxnSpPr>
+        <p:spPr>
+          <a:xfrm flipV="1">
+            <a:off x="8019027" y="2101414"/>
+            <a:ext cx="306036" cy="1"/>
+          </a:xfrm>
+          <a:prstGeom prst="straightConnector1">
+            <a:avLst/>
+          </a:prstGeom>
+          <a:ln w="19050">
+            <a:solidFill>
+              <a:schemeClr val="tx1"/>
+            </a:solidFill>
+            <a:tailEnd type="triangle"/>
+          </a:ln>
+        </p:spPr>
+        <p:style>
+          <a:lnRef idx="1">
+            <a:schemeClr val="accent1"/>
+          </a:lnRef>
+          <a:fillRef idx="0">
+            <a:schemeClr val="accent1"/>
+          </a:fillRef>
+          <a:effectRef idx="0">
+            <a:schemeClr val="accent1"/>
+          </a:effectRef>
+          <a:fontRef idx="minor">
+            <a:schemeClr val="tx1"/>
+          </a:fontRef>
+        </p:style>
+      </p:cxnSp>
+      <p:cxnSp>
+        <p:nvCxnSpPr>
+          <p:cNvPr id="68" name="Straight Arrow Connector 67"/>
+          <p:cNvCxnSpPr>
+            <a:stCxn id="81" idx="0"/>
+            <a:endCxn id="64" idx="4"/>
+          </p:cNvCxnSpPr>
+          <p:nvPr/>
+        </p:nvCxnSpPr>
+        <p:spPr>
+          <a:xfrm flipV="1">
+            <a:off x="8514757" y="2263672"/>
+            <a:ext cx="0" cy="325879"/>
+          </a:xfrm>
+          <a:prstGeom prst="straightConnector1">
+            <a:avLst/>
+          </a:prstGeom>
+          <a:ln w="19050">
+            <a:solidFill>
+              <a:schemeClr val="tx1"/>
+            </a:solidFill>
+            <a:tailEnd type="triangle"/>
+          </a:ln>
+        </p:spPr>
+        <p:style>
+          <a:lnRef idx="1">
+            <a:schemeClr val="accent1"/>
+          </a:lnRef>
+          <a:fillRef idx="0">
+            <a:schemeClr val="accent1"/>
+          </a:fillRef>
+          <a:effectRef idx="0">
+            <a:schemeClr val="accent1"/>
+          </a:effectRef>
+          <a:fontRef idx="minor">
+            <a:schemeClr val="tx1"/>
+          </a:fontRef>
+        </p:style>
+      </p:cxnSp>
+      <p:cxnSp>
+        <p:nvCxnSpPr>
+          <p:cNvPr id="82" name="Straight Arrow Connector 81"/>
+          <p:cNvCxnSpPr/>
+          <p:nvPr/>
+        </p:nvCxnSpPr>
+        <p:spPr>
+          <a:xfrm>
+            <a:off x="8704451" y="2100872"/>
+            <a:ext cx="306037" cy="542"/>
+          </a:xfrm>
+          <a:prstGeom prst="straightConnector1">
+            <a:avLst/>
+          </a:prstGeom>
+          <a:ln w="19050">
+            <a:solidFill>
+              <a:schemeClr val="tx1"/>
+            </a:solidFill>
+            <a:tailEnd type="triangle"/>
+          </a:ln>
+        </p:spPr>
+        <p:style>
+          <a:lnRef idx="1">
+            <a:schemeClr val="accent1"/>
+          </a:lnRef>
+          <a:fillRef idx="0">
+            <a:schemeClr val="accent1"/>
+          </a:fillRef>
+          <a:effectRef idx="0">
+            <a:schemeClr val="accent1"/>
+          </a:effectRef>
+          <a:fontRef idx="minor">
+            <a:schemeClr val="tx1"/>
+          </a:fontRef>
+        </p:style>
+      </p:cxnSp>
+      <p:cxnSp>
+        <p:nvCxnSpPr>
+          <p:cNvPr id="84" name="Straight Arrow Connector 83"/>
+          <p:cNvCxnSpPr/>
+          <p:nvPr/>
+        </p:nvCxnSpPr>
+        <p:spPr>
+          <a:xfrm>
+            <a:off x="9756213" y="2100872"/>
+            <a:ext cx="285205" cy="542"/>
+          </a:xfrm>
+          <a:prstGeom prst="straightConnector1">
+            <a:avLst/>
+          </a:prstGeom>
+          <a:ln w="19050">
+            <a:solidFill>
+              <a:schemeClr val="tx1"/>
+            </a:solidFill>
+            <a:tailEnd type="triangle"/>
+          </a:ln>
+        </p:spPr>
+        <p:style>
+          <a:lnRef idx="1">
+            <a:schemeClr val="accent1"/>
+          </a:lnRef>
+          <a:fillRef idx="0">
+            <a:schemeClr val="accent1"/>
+          </a:fillRef>
+          <a:effectRef idx="0">
+            <a:schemeClr val="accent1"/>
+          </a:effectRef>
+          <a:fontRef idx="minor">
+            <a:schemeClr val="tx1"/>
+          </a:fontRef>
+        </p:style>
+      </p:cxnSp>
+      <p:cxnSp>
+        <p:nvCxnSpPr>
+          <p:cNvPr id="88" name="Straight Arrow Connector 87"/>
+          <p:cNvCxnSpPr>
+            <a:stCxn id="111" idx="3"/>
+            <a:endCxn id="86" idx="2"/>
+          </p:cNvCxnSpPr>
+          <p:nvPr/>
+        </p:nvCxnSpPr>
+        <p:spPr>
+          <a:xfrm flipV="1">
+            <a:off x="10862569" y="2100713"/>
+            <a:ext cx="298992" cy="159"/>
+          </a:xfrm>
+          <a:prstGeom prst="straightConnector1">
+            <a:avLst/>
+          </a:prstGeom>
+          <a:ln w="19050">
+            <a:solidFill>
+              <a:schemeClr val="tx1"/>
+            </a:solidFill>
+            <a:tailEnd type="triangle"/>
+          </a:ln>
+        </p:spPr>
+        <p:style>
+          <a:lnRef idx="1">
+            <a:schemeClr val="accent1"/>
+          </a:lnRef>
+          <a:fillRef idx="0">
+            <a:schemeClr val="accent1"/>
+          </a:fillRef>
+          <a:effectRef idx="0">
+            <a:schemeClr val="accent1"/>
+          </a:effectRef>
+          <a:fontRef idx="minor">
+            <a:schemeClr val="tx1"/>
+          </a:fontRef>
+        </p:style>
+      </p:cxnSp>
+      <p:cxnSp>
+        <p:nvCxnSpPr>
+          <p:cNvPr id="90" name="Elbow Connector 89"/>
+          <p:cNvCxnSpPr>
+            <a:stCxn id="102" idx="3"/>
+          </p:cNvCxnSpPr>
+          <p:nvPr/>
+        </p:nvCxnSpPr>
+        <p:spPr>
+          <a:xfrm flipH="1">
+            <a:off x="10935674" y="2100713"/>
+            <a:ext cx="853139" cy="2765747"/>
+          </a:xfrm>
+          <a:prstGeom prst="bentConnector3">
+            <a:avLst>
+              <a:gd name="adj1" fmla="val -26795"/>
+            </a:avLst>
+          </a:prstGeom>
+          <a:ln w="19050">
+            <a:solidFill>
+              <a:schemeClr val="tx1"/>
+            </a:solidFill>
+            <a:tailEnd type="triangle"/>
+          </a:ln>
+        </p:spPr>
+        <p:style>
+          <a:lnRef idx="1">
+            <a:schemeClr val="accent1"/>
+          </a:lnRef>
+          <a:fillRef idx="0">
+            <a:schemeClr val="accent1"/>
+          </a:fillRef>
+          <a:effectRef idx="0">
+            <a:schemeClr val="accent1"/>
+          </a:effectRef>
+          <a:fontRef idx="minor">
+            <a:schemeClr val="tx1"/>
+          </a:fontRef>
+        </p:style>
+      </p:cxnSp>
+      <p:cxnSp>
+        <p:nvCxnSpPr>
+          <p:cNvPr id="92" name="Straight Connector 91"/>
+          <p:cNvCxnSpPr>
+            <a:stCxn id="86" idx="6"/>
+            <a:endCxn id="102" idx="3"/>
           </p:cNvCxnSpPr>
           <p:nvPr/>
         </p:nvCxnSpPr>
         <p:spPr>
           <a:xfrm>
-            <a:off x="3812775" y="2097056"/>
-            <a:ext cx="397563" cy="4133"/>
+            <a:off x="11540949" y="2100713"/>
+            <a:ext cx="247864" cy="0"/>
+          </a:xfrm>
+          <a:prstGeom prst="line">
+            <a:avLst/>
+          </a:prstGeom>
+          <a:ln w="19050">
+            <a:solidFill>
+              <a:schemeClr val="tx1"/>
+            </a:solidFill>
+          </a:ln>
+        </p:spPr>
+        <p:style>
+          <a:lnRef idx="1">
+            <a:schemeClr val="accent1"/>
+          </a:lnRef>
+          <a:fillRef idx="0">
+            <a:schemeClr val="accent1"/>
+          </a:fillRef>
+          <a:effectRef idx="0">
+            <a:schemeClr val="accent1"/>
+          </a:effectRef>
+          <a:fontRef idx="minor">
+            <a:schemeClr val="tx1"/>
+          </a:fontRef>
+        </p:style>
+      </p:cxnSp>
+      <mc:AlternateContent xmlns:mc="http://schemas.openxmlformats.org/markup-compatibility/2006">
+        <mc:Choice xmlns:a14="http://schemas.microsoft.com/office/drawing/2010/main" Requires="a14">
+          <p:sp>
+            <p:nvSpPr>
+              <p:cNvPr id="94" name="Rounded Rectangle 93"/>
+              <p:cNvSpPr/>
+              <p:nvPr/>
+            </p:nvSpPr>
+            <p:spPr>
+              <a:xfrm>
+                <a:off x="4218611" y="1938771"/>
+                <a:ext cx="726303" cy="324834"/>
+              </a:xfrm>
+              <a:prstGeom prst="roundRect">
+                <a:avLst/>
+              </a:prstGeom>
+              <a:ln w="19050">
+                <a:solidFill>
+                  <a:schemeClr val="tx1"/>
+                </a:solidFill>
+              </a:ln>
+            </p:spPr>
+            <p:style>
+              <a:lnRef idx="2">
+                <a:schemeClr val="dk1"/>
+              </a:lnRef>
+              <a:fillRef idx="1">
+                <a:schemeClr val="lt1"/>
+              </a:fillRef>
+              <a:effectRef idx="0">
+                <a:schemeClr val="dk1"/>
+              </a:effectRef>
+              <a:fontRef idx="minor">
+                <a:schemeClr val="dk1"/>
+              </a:fontRef>
+            </p:style>
+            <p:txBody>
+              <a:bodyPr rtlCol="0" anchor="ctr"/>
+              <a:lstStyle/>
+              <a:p>
+                <a:pPr algn="ctr"/>
+                <a14:m>
+                  <m:oMathPara xmlns:m="http://schemas.openxmlformats.org/officeDocument/2006/math">
+                    <m:oMathParaPr>
+                      <m:jc m:val="centerGroup"/>
+                    </m:oMathParaPr>
+                    <m:oMath xmlns:m="http://schemas.openxmlformats.org/officeDocument/2006/math">
+                      <m:rad>
+                        <m:radPr>
+                          <m:degHide m:val="on"/>
+                          <m:ctrlPr>
+                            <a:rPr lang="en-US" sz="1200" b="1" i="1">
+                              <a:latin typeface="Cambria Math" panose="02040503050406030204" pitchFamily="18" charset="0"/>
+                            </a:rPr>
+                          </m:ctrlPr>
+                        </m:radPr>
+                        <m:deg/>
+                        <m:e>
+                          <m:r>
+                            <a:rPr lang="en-US" sz="1200" b="1" i="1">
+                              <a:latin typeface="Cambria Math" panose="02040503050406030204" pitchFamily="18" charset="0"/>
+                            </a:rPr>
+                            <m:t>𝑰</m:t>
+                          </m:r>
+                          <m:r>
+                            <a:rPr lang="en-US" sz="1200" b="1" i="1">
+                              <a:latin typeface="Cambria Math" panose="02040503050406030204" pitchFamily="18" charset="0"/>
+                            </a:rPr>
+                            <m:t>(</m:t>
+                          </m:r>
+                          <m:r>
+                            <a:rPr lang="en-US" sz="1200" b="1" i="1">
+                              <a:latin typeface="Cambria Math" panose="02040503050406030204" pitchFamily="18" charset="0"/>
+                            </a:rPr>
+                            <m:t>𝒕</m:t>
+                          </m:r>
+                          <m:r>
+                            <a:rPr lang="en-US" sz="1200" b="1" i="1">
+                              <a:latin typeface="Cambria Math" panose="02040503050406030204" pitchFamily="18" charset="0"/>
+                            </a:rPr>
+                            <m:t>)</m:t>
+                          </m:r>
+                        </m:e>
+                      </m:rad>
+                    </m:oMath>
+                  </m:oMathPara>
+                </a14:m>
+                <a:endParaRPr lang="en-US" sz="1200" b="1" dirty="0"/>
+              </a:p>
+            </p:txBody>
+          </p:sp>
+        </mc:Choice>
+        <mc:Fallback>
+          <p:sp>
+            <p:nvSpPr>
+              <p:cNvPr id="94" name="Rounded Rectangle 93"/>
+              <p:cNvSpPr>
+                <a:spLocks noRot="1" noChangeAspect="1" noMove="1" noResize="1" noEditPoints="1" noAdjustHandles="1" noChangeArrowheads="1" noChangeShapeType="1" noTextEdit="1"/>
+              </p:cNvSpPr>
+              <p:nvPr/>
+            </p:nvSpPr>
+            <p:spPr>
+              <a:xfrm>
+                <a:off x="4218611" y="1938771"/>
+                <a:ext cx="726303" cy="324834"/>
+              </a:xfrm>
+              <a:prstGeom prst="roundRect">
+                <a:avLst/>
+              </a:prstGeom>
+              <a:blipFill>
+                <a:blip r:embed="rId12"/>
+                <a:stretch>
+                  <a:fillRect b="-1786"/>
+                </a:stretch>
+              </a:blipFill>
+              <a:ln w="19050">
+                <a:solidFill>
+                  <a:schemeClr val="tx1"/>
+                </a:solidFill>
+              </a:ln>
+            </p:spPr>
+            <p:txBody>
+              <a:bodyPr/>
+              <a:lstStyle/>
+              <a:p>
+                <a:r>
+                  <a:rPr lang="en-US">
+                    <a:noFill/>
+                  </a:rPr>
+                  <a:t> </a:t>
+                </a:r>
+              </a:p>
+            </p:txBody>
+          </p:sp>
+        </mc:Fallback>
+      </mc:AlternateContent>
+      <mc:AlternateContent xmlns:mc="http://schemas.openxmlformats.org/markup-compatibility/2006">
+        <mc:Choice xmlns:a14="http://schemas.microsoft.com/office/drawing/2010/main" Requires="a14">
+          <p:sp>
+            <p:nvSpPr>
+              <p:cNvPr id="106" name="Rounded Rectangle 105"/>
+              <p:cNvSpPr/>
+              <p:nvPr/>
+            </p:nvSpPr>
+            <p:spPr>
+              <a:xfrm>
+                <a:off x="5250948" y="1938455"/>
+                <a:ext cx="726303" cy="324834"/>
+              </a:xfrm>
+              <a:prstGeom prst="roundRect">
+                <a:avLst/>
+              </a:prstGeom>
+              <a:ln w="19050">
+                <a:solidFill>
+                  <a:schemeClr val="tx1"/>
+                </a:solidFill>
+              </a:ln>
+            </p:spPr>
+            <p:style>
+              <a:lnRef idx="2">
+                <a:schemeClr val="dk1"/>
+              </a:lnRef>
+              <a:fillRef idx="1">
+                <a:schemeClr val="lt1"/>
+              </a:fillRef>
+              <a:effectRef idx="0">
+                <a:schemeClr val="dk1"/>
+              </a:effectRef>
+              <a:fontRef idx="minor">
+                <a:schemeClr val="dk1"/>
+              </a:fontRef>
+            </p:style>
+            <p:txBody>
+              <a:bodyPr rtlCol="0" anchor="ctr"/>
+              <a:lstStyle/>
+              <a:p>
+                <a:pPr algn="ctr"/>
+                <a:r>
+                  <a:rPr lang="en-US" sz="1200" b="1" dirty="0" smtClean="0"/>
+                  <a:t>|</a:t>
+                </a:r>
+                <a:r>
+                  <a:rPr lang="en-US" sz="1200" dirty="0">
+                    <a:ea typeface="Cambria Math" panose="02040503050406030204" pitchFamily="18" charset="0"/>
+                    <a:cs typeface="Calibri" panose="020F0502020204030204" pitchFamily="34" charset="0"/>
+                  </a:rPr>
+                  <a:t> </a:t>
+                </a:r>
+                <a14:m>
+                  <m:oMath xmlns:m="http://schemas.openxmlformats.org/officeDocument/2006/math">
+                    <m:r>
+                      <a:rPr lang="en-US" sz="1200" i="1">
+                        <a:latin typeface="Cambria Math" panose="02040503050406030204" pitchFamily="18" charset="0"/>
+                        <a:ea typeface="Cambria Math" panose="02040503050406030204" pitchFamily="18" charset="0"/>
+                        <a:cs typeface="Calibri" panose="020F0502020204030204" pitchFamily="34" charset="0"/>
+                      </a:rPr>
+                      <m:t>∙ </m:t>
+                    </m:r>
+                  </m:oMath>
+                </a14:m>
+                <a:r>
+                  <a:rPr lang="en-US" sz="1200" b="1" dirty="0" smtClean="0"/>
+                  <a:t>|</a:t>
+                </a:r>
+                <a:endParaRPr lang="en-US" sz="1200" b="1" dirty="0"/>
+              </a:p>
+            </p:txBody>
+          </p:sp>
+        </mc:Choice>
+        <mc:Fallback>
+          <p:sp>
+            <p:nvSpPr>
+              <p:cNvPr id="106" name="Rounded Rectangle 105"/>
+              <p:cNvSpPr>
+                <a:spLocks noRot="1" noChangeAspect="1" noMove="1" noResize="1" noEditPoints="1" noAdjustHandles="1" noChangeArrowheads="1" noChangeShapeType="1" noTextEdit="1"/>
+              </p:cNvSpPr>
+              <p:nvPr/>
+            </p:nvSpPr>
+            <p:spPr>
+              <a:xfrm>
+                <a:off x="5250948" y="1938455"/>
+                <a:ext cx="726303" cy="324834"/>
+              </a:xfrm>
+              <a:prstGeom prst="roundRect">
+                <a:avLst/>
+              </a:prstGeom>
+              <a:blipFill>
+                <a:blip r:embed="rId13"/>
+                <a:stretch>
+                  <a:fillRect b="-3571"/>
+                </a:stretch>
+              </a:blipFill>
+              <a:ln w="19050">
+                <a:solidFill>
+                  <a:schemeClr val="tx1"/>
+                </a:solidFill>
+              </a:ln>
+            </p:spPr>
+            <p:txBody>
+              <a:bodyPr/>
+              <a:lstStyle/>
+              <a:p>
+                <a:r>
+                  <a:rPr lang="en-US">
+                    <a:noFill/>
+                  </a:rPr>
+                  <a:t> </a:t>
+                </a:r>
+              </a:p>
+            </p:txBody>
+          </p:sp>
+        </mc:Fallback>
+      </mc:AlternateContent>
+      <mc:AlternateContent xmlns:mc="http://schemas.openxmlformats.org/markup-compatibility/2006">
+        <mc:Choice xmlns:a14="http://schemas.microsoft.com/office/drawing/2010/main" Requires="a14">
+          <p:sp>
+            <p:nvSpPr>
+              <p:cNvPr id="107" name="Rounded Rectangle 106"/>
+              <p:cNvSpPr/>
+              <p:nvPr/>
+            </p:nvSpPr>
+            <p:spPr>
+              <a:xfrm>
+                <a:off x="6271500" y="1938455"/>
+                <a:ext cx="726303" cy="324834"/>
+              </a:xfrm>
+              <a:prstGeom prst="roundRect">
+                <a:avLst/>
+              </a:prstGeom>
+              <a:ln w="19050">
+                <a:solidFill>
+                  <a:schemeClr val="tx1"/>
+                </a:solidFill>
+              </a:ln>
+            </p:spPr>
+            <p:style>
+              <a:lnRef idx="2">
+                <a:schemeClr val="dk1"/>
+              </a:lnRef>
+              <a:fillRef idx="1">
+                <a:schemeClr val="lt1"/>
+              </a:fillRef>
+              <a:effectRef idx="0">
+                <a:schemeClr val="dk1"/>
+              </a:effectRef>
+              <a:fontRef idx="minor">
+                <a:schemeClr val="dk1"/>
+              </a:fontRef>
+            </p:style>
+            <p:txBody>
+              <a:bodyPr rtlCol="0" anchor="ctr"/>
+              <a:lstStyle/>
+              <a:p>
+                <a:pPr algn="ctr"/>
+                <a14:m>
+                  <m:oMathPara xmlns:m="http://schemas.openxmlformats.org/officeDocument/2006/math">
+                    <m:oMathParaPr>
+                      <m:jc m:val="centerGroup"/>
+                    </m:oMathParaPr>
+                    <m:oMath xmlns:m="http://schemas.openxmlformats.org/officeDocument/2006/math">
+                      <m:r>
+                        <m:rPr>
+                          <m:sty m:val="p"/>
+                        </m:rPr>
+                        <a:rPr lang="en-US" sz="1200">
+                          <a:latin typeface="Cambria Math" panose="02040503050406030204" pitchFamily="18" charset="0"/>
+                        </a:rPr>
+                        <m:t>ln</m:t>
+                      </m:r>
+                      <m:r>
+                        <a:rPr lang="en-US" sz="1200" i="1">
+                          <a:latin typeface="Cambria Math" panose="02040503050406030204" pitchFamily="18" charset="0"/>
+                        </a:rPr>
+                        <m:t>⁡(</m:t>
+                      </m:r>
+                      <m:r>
+                        <a:rPr lang="en-US" sz="1200" i="1">
+                          <a:latin typeface="Cambria Math" panose="02040503050406030204" pitchFamily="18" charset="0"/>
+                          <a:ea typeface="Cambria Math" panose="02040503050406030204" pitchFamily="18" charset="0"/>
+                          <a:cs typeface="Calibri" panose="020F0502020204030204" pitchFamily="34" charset="0"/>
+                        </a:rPr>
+                        <m:t>∙</m:t>
+                      </m:r>
+                      <m:r>
+                        <a:rPr lang="en-US" sz="1200" i="1">
+                          <a:latin typeface="Cambria Math" panose="02040503050406030204" pitchFamily="18" charset="0"/>
+                        </a:rPr>
+                        <m:t>)</m:t>
+                      </m:r>
+                    </m:oMath>
+                  </m:oMathPara>
+                </a14:m>
+                <a:endParaRPr lang="en-US" sz="1200" dirty="0"/>
+              </a:p>
+            </p:txBody>
+          </p:sp>
+        </mc:Choice>
+        <mc:Fallback>
+          <p:sp>
+            <p:nvSpPr>
+              <p:cNvPr id="107" name="Rounded Rectangle 106"/>
+              <p:cNvSpPr>
+                <a:spLocks noRot="1" noChangeAspect="1" noMove="1" noResize="1" noEditPoints="1" noAdjustHandles="1" noChangeArrowheads="1" noChangeShapeType="1" noTextEdit="1"/>
+              </p:cNvSpPr>
+              <p:nvPr/>
+            </p:nvSpPr>
+            <p:spPr>
+              <a:xfrm>
+                <a:off x="6271500" y="1938455"/>
+                <a:ext cx="726303" cy="324834"/>
+              </a:xfrm>
+              <a:prstGeom prst="roundRect">
+                <a:avLst/>
+              </a:prstGeom>
+              <a:blipFill>
+                <a:blip r:embed="rId14"/>
+                <a:stretch>
+                  <a:fillRect/>
+                </a:stretch>
+              </a:blipFill>
+              <a:ln w="19050">
+                <a:solidFill>
+                  <a:schemeClr val="tx1"/>
+                </a:solidFill>
+              </a:ln>
+            </p:spPr>
+            <p:txBody>
+              <a:bodyPr/>
+              <a:lstStyle/>
+              <a:p>
+                <a:r>
+                  <a:rPr lang="en-US">
+                    <a:noFill/>
+                  </a:rPr>
+                  <a:t> </a:t>
+                </a:r>
+              </a:p>
+            </p:txBody>
+          </p:sp>
+        </mc:Fallback>
+      </mc:AlternateContent>
+      <mc:AlternateContent xmlns:mc="http://schemas.openxmlformats.org/markup-compatibility/2006">
+        <mc:Choice xmlns:a14="http://schemas.microsoft.com/office/drawing/2010/main" Requires="a14">
+          <p:sp>
+            <p:nvSpPr>
+              <p:cNvPr id="108" name="Rounded Rectangle 107"/>
+              <p:cNvSpPr/>
+              <p:nvPr/>
+            </p:nvSpPr>
+            <p:spPr>
+              <a:xfrm>
+                <a:off x="7302432" y="1938455"/>
+                <a:ext cx="726303" cy="324834"/>
+              </a:xfrm>
+              <a:prstGeom prst="roundRect">
+                <a:avLst/>
+              </a:prstGeom>
+              <a:ln w="19050">
+                <a:solidFill>
+                  <a:schemeClr val="tx1"/>
+                </a:solidFill>
+              </a:ln>
+            </p:spPr>
+            <p:style>
+              <a:lnRef idx="2">
+                <a:schemeClr val="dk1"/>
+              </a:lnRef>
+              <a:fillRef idx="1">
+                <a:schemeClr val="lt1"/>
+              </a:fillRef>
+              <a:effectRef idx="0">
+                <a:schemeClr val="dk1"/>
+              </a:effectRef>
+              <a:fontRef idx="minor">
+                <a:schemeClr val="dk1"/>
+              </a:fontRef>
+            </p:style>
+            <p:txBody>
+              <a:bodyPr rtlCol="0" anchor="ctr"/>
+              <a:lstStyle/>
+              <a:p>
+                <a:pPr algn="ctr"/>
+                <a14:m>
+                  <m:oMathPara xmlns:m="http://schemas.openxmlformats.org/officeDocument/2006/math">
+                    <m:oMathParaPr>
+                      <m:jc m:val="centerGroup"/>
+                    </m:oMathParaPr>
+                    <m:oMath xmlns:m="http://schemas.openxmlformats.org/officeDocument/2006/math">
+                      <m:r>
+                        <m:rPr>
+                          <m:sty m:val="p"/>
+                        </m:rPr>
+                        <a:rPr lang="en-US" sz="1200" b="0" i="0" smtClean="0">
+                          <a:latin typeface="Cambria Math" panose="02040503050406030204" pitchFamily="18" charset="0"/>
+                        </a:rPr>
+                        <m:t>FFT</m:t>
+                      </m:r>
+                    </m:oMath>
+                  </m:oMathPara>
+                </a14:m>
+                <a:endParaRPr lang="en-US" sz="1200" dirty="0"/>
+              </a:p>
+            </p:txBody>
+          </p:sp>
+        </mc:Choice>
+        <mc:Fallback>
+          <p:sp>
+            <p:nvSpPr>
+              <p:cNvPr id="108" name="Rounded Rectangle 107"/>
+              <p:cNvSpPr>
+                <a:spLocks noRot="1" noChangeAspect="1" noMove="1" noResize="1" noEditPoints="1" noAdjustHandles="1" noChangeArrowheads="1" noChangeShapeType="1" noTextEdit="1"/>
+              </p:cNvSpPr>
+              <p:nvPr/>
+            </p:nvSpPr>
+            <p:spPr>
+              <a:xfrm>
+                <a:off x="7302432" y="1938455"/>
+                <a:ext cx="726303" cy="324834"/>
+              </a:xfrm>
+              <a:prstGeom prst="roundRect">
+                <a:avLst/>
+              </a:prstGeom>
+              <a:blipFill>
+                <a:blip r:embed="rId15"/>
+                <a:stretch>
+                  <a:fillRect/>
+                </a:stretch>
+              </a:blipFill>
+              <a:ln w="19050">
+                <a:solidFill>
+                  <a:schemeClr val="tx1"/>
+                </a:solidFill>
+              </a:ln>
+            </p:spPr>
+            <p:txBody>
+              <a:bodyPr/>
+              <a:lstStyle/>
+              <a:p>
+                <a:r>
+                  <a:rPr lang="en-US">
+                    <a:noFill/>
+                  </a:rPr>
+                  <a:t> </a:t>
+                </a:r>
+              </a:p>
+            </p:txBody>
+          </p:sp>
+        </mc:Fallback>
+      </mc:AlternateContent>
+      <mc:AlternateContent xmlns:mc="http://schemas.openxmlformats.org/markup-compatibility/2006">
+        <mc:Choice xmlns:a14="http://schemas.microsoft.com/office/drawing/2010/main" Requires="a14">
+          <p:sp>
+            <p:nvSpPr>
+              <p:cNvPr id="109" name="Rounded Rectangle 108"/>
+              <p:cNvSpPr/>
+              <p:nvPr/>
+            </p:nvSpPr>
+            <p:spPr>
+              <a:xfrm>
+                <a:off x="9013673" y="1938455"/>
+                <a:ext cx="726303" cy="324834"/>
+              </a:xfrm>
+              <a:prstGeom prst="roundRect">
+                <a:avLst/>
+              </a:prstGeom>
+              <a:ln w="19050">
+                <a:solidFill>
+                  <a:schemeClr val="tx1"/>
+                </a:solidFill>
+              </a:ln>
+            </p:spPr>
+            <p:style>
+              <a:lnRef idx="2">
+                <a:schemeClr val="dk1"/>
+              </a:lnRef>
+              <a:fillRef idx="1">
+                <a:schemeClr val="lt1"/>
+              </a:fillRef>
+              <a:effectRef idx="0">
+                <a:schemeClr val="dk1"/>
+              </a:effectRef>
+              <a:fontRef idx="minor">
+                <a:schemeClr val="dk1"/>
+              </a:fontRef>
+            </p:style>
+            <p:txBody>
+              <a:bodyPr rtlCol="0" anchor="ctr"/>
+              <a:lstStyle/>
+              <a:p>
+                <a:pPr algn="ctr"/>
+                <a14:m>
+                  <m:oMathPara xmlns:m="http://schemas.openxmlformats.org/officeDocument/2006/math">
+                    <m:oMathParaPr>
+                      <m:jc m:val="centerGroup"/>
+                    </m:oMathParaPr>
+                    <m:oMath xmlns:m="http://schemas.openxmlformats.org/officeDocument/2006/math">
+                      <m:r>
+                        <m:rPr>
+                          <m:sty m:val="p"/>
+                        </m:rPr>
+                        <a:rPr lang="en-US" sz="1200" b="0" i="0" smtClean="0">
+                          <a:latin typeface="Cambria Math" panose="02040503050406030204" pitchFamily="18" charset="0"/>
+                        </a:rPr>
+                        <m:t>IFFT</m:t>
+                      </m:r>
+                    </m:oMath>
+                  </m:oMathPara>
+                </a14:m>
+                <a:endParaRPr lang="en-US" sz="1200" dirty="0"/>
+              </a:p>
+            </p:txBody>
+          </p:sp>
+        </mc:Choice>
+        <mc:Fallback>
+          <p:sp>
+            <p:nvSpPr>
+              <p:cNvPr id="109" name="Rounded Rectangle 108"/>
+              <p:cNvSpPr>
+                <a:spLocks noRot="1" noChangeAspect="1" noMove="1" noResize="1" noEditPoints="1" noAdjustHandles="1" noChangeArrowheads="1" noChangeShapeType="1" noTextEdit="1"/>
+              </p:cNvSpPr>
+              <p:nvPr/>
+            </p:nvSpPr>
+            <p:spPr>
+              <a:xfrm>
+                <a:off x="9013673" y="1938455"/>
+                <a:ext cx="726303" cy="324834"/>
+              </a:xfrm>
+              <a:prstGeom prst="roundRect">
+                <a:avLst/>
+              </a:prstGeom>
+              <a:blipFill>
+                <a:blip r:embed="rId16"/>
+                <a:stretch>
+                  <a:fillRect/>
+                </a:stretch>
+              </a:blipFill>
+              <a:ln w="19050">
+                <a:solidFill>
+                  <a:schemeClr val="tx1"/>
+                </a:solidFill>
+              </a:ln>
+            </p:spPr>
+            <p:txBody>
+              <a:bodyPr/>
+              <a:lstStyle/>
+              <a:p>
+                <a:r>
+                  <a:rPr lang="en-US">
+                    <a:noFill/>
+                  </a:rPr>
+                  <a:t> </a:t>
+                </a:r>
+              </a:p>
+            </p:txBody>
+          </p:sp>
+        </mc:Fallback>
+      </mc:AlternateContent>
+      <mc:AlternateContent xmlns:mc="http://schemas.openxmlformats.org/markup-compatibility/2006">
+        <mc:Choice xmlns:a14="http://schemas.microsoft.com/office/drawing/2010/main" Requires="a14">
+          <p:sp>
+            <p:nvSpPr>
+              <p:cNvPr id="111" name="Rounded Rectangle 110"/>
+              <p:cNvSpPr/>
+              <p:nvPr/>
+            </p:nvSpPr>
+            <p:spPr>
+              <a:xfrm>
+                <a:off x="10034020" y="1938455"/>
+                <a:ext cx="828549" cy="324834"/>
+              </a:xfrm>
+              <a:prstGeom prst="roundRect">
+                <a:avLst/>
+              </a:prstGeom>
+              <a:ln w="19050">
+                <a:solidFill>
+                  <a:schemeClr val="tx1"/>
+                </a:solidFill>
+              </a:ln>
+            </p:spPr>
+            <p:style>
+              <a:lnRef idx="2">
+                <a:schemeClr val="dk1"/>
+              </a:lnRef>
+              <a:fillRef idx="1">
+                <a:schemeClr val="lt1"/>
+              </a:fillRef>
+              <a:effectRef idx="0">
+                <a:schemeClr val="dk1"/>
+              </a:effectRef>
+              <a:fontRef idx="minor">
+                <a:schemeClr val="dk1"/>
+              </a:fontRef>
+            </p:style>
+            <p:txBody>
+              <a:bodyPr rtlCol="0" anchor="ctr"/>
+              <a:lstStyle/>
+              <a:p>
+                <a:pPr algn="ctr"/>
+                <a14:m>
+                  <m:oMathPara xmlns:m="http://schemas.openxmlformats.org/officeDocument/2006/math">
+                    <m:oMathParaPr>
+                      <m:jc m:val="centerGroup"/>
+                    </m:oMathParaPr>
+                    <m:oMath xmlns:m="http://schemas.openxmlformats.org/officeDocument/2006/math">
+                      <m:r>
+                        <m:rPr>
+                          <m:sty m:val="p"/>
+                        </m:rPr>
+                        <a:rPr lang="en-US" sz="1200">
+                          <a:latin typeface="Cambria Math" panose="02040503050406030204" pitchFamily="18" charset="0"/>
+                        </a:rPr>
+                        <m:t>exp</m:t>
+                      </m:r>
+                      <m:r>
+                        <a:rPr lang="en-US" sz="1200" i="1">
+                          <a:latin typeface="Cambria Math" panose="02040503050406030204" pitchFamily="18" charset="0"/>
+                        </a:rPr>
+                        <m:t>⁡{</m:t>
+                      </m:r>
+                      <m:r>
+                        <a:rPr lang="en-US" sz="1200" i="1">
+                          <a:latin typeface="Cambria Math" panose="02040503050406030204" pitchFamily="18" charset="0"/>
+                        </a:rPr>
+                        <m:t>𝑖</m:t>
+                      </m:r>
+                      <m:r>
+                        <a:rPr lang="en-US" sz="1200" i="1">
+                          <a:latin typeface="Cambria Math" panose="02040503050406030204" pitchFamily="18" charset="0"/>
+                        </a:rPr>
+                        <m:t>(∙)}</m:t>
+                      </m:r>
+                    </m:oMath>
+                  </m:oMathPara>
+                </a14:m>
+                <a:endParaRPr lang="en-US" sz="1200" dirty="0"/>
+              </a:p>
+            </p:txBody>
+          </p:sp>
+        </mc:Choice>
+        <mc:Fallback>
+          <p:sp>
+            <p:nvSpPr>
+              <p:cNvPr id="111" name="Rounded Rectangle 110"/>
+              <p:cNvSpPr>
+                <a:spLocks noRot="1" noChangeAspect="1" noMove="1" noResize="1" noEditPoints="1" noAdjustHandles="1" noChangeArrowheads="1" noChangeShapeType="1" noTextEdit="1"/>
+              </p:cNvSpPr>
+              <p:nvPr/>
+            </p:nvSpPr>
+            <p:spPr>
+              <a:xfrm>
+                <a:off x="10034020" y="1938455"/>
+                <a:ext cx="828549" cy="324834"/>
+              </a:xfrm>
+              <a:prstGeom prst="roundRect">
+                <a:avLst/>
+              </a:prstGeom>
+              <a:blipFill>
+                <a:blip r:embed="rId17"/>
+                <a:stretch>
+                  <a:fillRect/>
+                </a:stretch>
+              </a:blipFill>
+              <a:ln w="19050">
+                <a:solidFill>
+                  <a:schemeClr val="tx1"/>
+                </a:solidFill>
+              </a:ln>
+            </p:spPr>
+            <p:txBody>
+              <a:bodyPr/>
+              <a:lstStyle/>
+              <a:p>
+                <a:r>
+                  <a:rPr lang="en-US">
+                    <a:noFill/>
+                  </a:rPr>
+                  <a:t> </a:t>
+                </a:r>
+              </a:p>
+            </p:txBody>
+          </p:sp>
+        </mc:Fallback>
+      </mc:AlternateContent>
+      <mc:AlternateContent xmlns:mc="http://schemas.openxmlformats.org/markup-compatibility/2006">
+        <mc:Choice xmlns:a14="http://schemas.microsoft.com/office/drawing/2010/main" Requires="a14">
+          <p:sp>
+            <p:nvSpPr>
+              <p:cNvPr id="99" name="Rounded Rectangle 98"/>
+              <p:cNvSpPr/>
+              <p:nvPr/>
+            </p:nvSpPr>
+            <p:spPr>
+              <a:xfrm>
+                <a:off x="9735384" y="4589231"/>
+                <a:ext cx="1194710" cy="555478"/>
+              </a:xfrm>
+              <a:prstGeom prst="roundRect">
+                <a:avLst/>
+              </a:prstGeom>
+              <a:ln w="19050">
+                <a:solidFill>
+                  <a:schemeClr val="tx1"/>
+                </a:solidFill>
+              </a:ln>
+            </p:spPr>
+            <p:style>
+              <a:lnRef idx="2">
+                <a:schemeClr val="dk1"/>
+              </a:lnRef>
+              <a:fillRef idx="1">
+                <a:schemeClr val="lt1"/>
+              </a:fillRef>
+              <a:effectRef idx="0">
+                <a:schemeClr val="dk1"/>
+              </a:effectRef>
+              <a:fontRef idx="minor">
+                <a:schemeClr val="dk1"/>
+              </a:fontRef>
+            </p:style>
+            <p:txBody>
+              <a:bodyPr rtlCol="0" anchor="ctr"/>
+              <a:lstStyle/>
+              <a:p>
+                <a:pPr algn="ctr"/>
+                <a14:m>
+                  <m:oMathPara xmlns:m="http://schemas.openxmlformats.org/officeDocument/2006/math">
+                    <m:oMathParaPr>
+                      <m:jc m:val="centerGroup"/>
+                    </m:oMathParaPr>
+                    <m:oMath xmlns:m="http://schemas.openxmlformats.org/officeDocument/2006/math">
+                      <m:sSup>
+                        <m:sSupPr>
+                          <m:ctrlPr>
+                            <a:rPr lang="en-US" sz="1200" b="1" i="1">
+                              <a:latin typeface="+mj-lt"/>
+                            </a:rPr>
+                          </m:ctrlPr>
+                        </m:sSupPr>
+                        <m:e>
+                          <m:r>
+                            <a:rPr lang="en-US" sz="1200" b="1" i="1" dirty="0">
+                              <a:latin typeface="+mj-lt"/>
+                              <a:cs typeface="Calibri" panose="020F0502020204030204" pitchFamily="34" charset="0"/>
+                            </a:rPr>
+                            <m:t>𝐂𝐃</m:t>
+                          </m:r>
+                          <m:r>
+                            <m:rPr>
+                              <m:nor/>
+                            </m:rPr>
+                            <a:rPr lang="en-US" sz="1200" b="1" dirty="0">
+                              <a:latin typeface="+mj-lt"/>
+                            </a:rPr>
+                            <m:t> </m:t>
+                          </m:r>
+                        </m:e>
+                        <m:sup>
+                          <m:r>
+                            <a:rPr lang="en-US" sz="1200" b="1" dirty="0">
+                              <a:latin typeface="+mj-lt"/>
+                            </a:rPr>
+                            <m:t>−</m:t>
+                          </m:r>
+                          <m:r>
+                            <a:rPr lang="en-US" sz="1200" b="1" i="1" dirty="0">
+                              <a:latin typeface="+mj-lt"/>
+                            </a:rPr>
+                            <m:t>𝟏</m:t>
+                          </m:r>
+                        </m:sup>
+                      </m:sSup>
+                    </m:oMath>
+                  </m:oMathPara>
+                </a14:m>
+                <a:endParaRPr lang="en-US" sz="1200" b="1" dirty="0">
+                  <a:latin typeface="+mj-lt"/>
+                </a:endParaRPr>
+              </a:p>
+            </p:txBody>
+          </p:sp>
+        </mc:Choice>
+        <mc:Fallback>
+          <p:sp>
+            <p:nvSpPr>
+              <p:cNvPr id="99" name="Rounded Rectangle 98"/>
+              <p:cNvSpPr>
+                <a:spLocks noRot="1" noChangeAspect="1" noMove="1" noResize="1" noEditPoints="1" noAdjustHandles="1" noChangeArrowheads="1" noChangeShapeType="1" noTextEdit="1"/>
+              </p:cNvSpPr>
+              <p:nvPr/>
+            </p:nvSpPr>
+            <p:spPr>
+              <a:xfrm>
+                <a:off x="9735384" y="4589231"/>
+                <a:ext cx="1194710" cy="555478"/>
+              </a:xfrm>
+              <a:prstGeom prst="roundRect">
+                <a:avLst/>
+              </a:prstGeom>
+              <a:blipFill>
+                <a:blip r:embed="rId18"/>
+                <a:stretch>
+                  <a:fillRect/>
+                </a:stretch>
+              </a:blipFill>
+              <a:ln w="19050">
+                <a:solidFill>
+                  <a:schemeClr val="tx1"/>
+                </a:solidFill>
+              </a:ln>
+            </p:spPr>
+            <p:txBody>
+              <a:bodyPr/>
+              <a:lstStyle/>
+              <a:p>
+                <a:r>
+                  <a:rPr lang="en-US">
+                    <a:noFill/>
+                  </a:rPr>
+                  <a:t> </a:t>
+                </a:r>
+              </a:p>
+            </p:txBody>
+          </p:sp>
+        </mc:Fallback>
+      </mc:AlternateContent>
+      <p:sp>
+        <p:nvSpPr>
+          <p:cNvPr id="115" name="Rounded Rectangle 114"/>
+          <p:cNvSpPr/>
+          <p:nvPr/>
+        </p:nvSpPr>
+        <p:spPr>
+          <a:xfrm>
+            <a:off x="8182114" y="4589231"/>
+            <a:ext cx="1194710" cy="555478"/>
+          </a:xfrm>
+          <a:prstGeom prst="roundRect">
+            <a:avLst/>
+          </a:prstGeom>
+          <a:ln w="19050">
+            <a:solidFill>
+              <a:schemeClr val="tx1"/>
+            </a:solidFill>
+          </a:ln>
+        </p:spPr>
+        <p:style>
+          <a:lnRef idx="2">
+            <a:schemeClr val="dk1"/>
+          </a:lnRef>
+          <a:fillRef idx="1">
+            <a:schemeClr val="lt1"/>
+          </a:fillRef>
+          <a:effectRef idx="0">
+            <a:schemeClr val="dk1"/>
+          </a:effectRef>
+          <a:fontRef idx="minor">
+            <a:schemeClr val="dk1"/>
+          </a:fontRef>
+        </p:style>
+        <p:txBody>
+          <a:bodyPr rtlCol="0" anchor="ctr"/>
+          <a:lstStyle/>
+          <a:p>
+            <a:pPr algn="ctr"/>
+            <a:r>
+              <a:rPr lang="en-US" sz="1200" dirty="0"/>
+              <a:t>Demodulation</a:t>
+            </a:r>
+          </a:p>
+          <a:p>
+            <a:pPr algn="ctr"/>
+            <a:r>
+              <a:rPr lang="en-US" sz="1200" dirty="0" smtClean="0"/>
+              <a:t>DSP</a:t>
+            </a:r>
+            <a:endParaRPr lang="en-US" sz="1200" dirty="0"/>
+          </a:p>
+        </p:txBody>
+      </p:sp>
+      <p:cxnSp>
+        <p:nvCxnSpPr>
+          <p:cNvPr id="101" name="Straight Arrow Connector 100"/>
+          <p:cNvCxnSpPr>
+            <a:stCxn id="99" idx="1"/>
+            <a:endCxn id="115" idx="3"/>
+          </p:cNvCxnSpPr>
+          <p:nvPr/>
+        </p:nvCxnSpPr>
+        <p:spPr>
+          <a:xfrm flipH="1">
+            <a:off x="9376824" y="4866970"/>
+            <a:ext cx="358560" cy="0"/>
           </a:xfrm>
           <a:prstGeom prst="straightConnector1">
             <a:avLst/>
           </a:prstGeom>
-          <a:ln w="28575">
+          <a:ln w="19050">
+            <a:solidFill>
+              <a:schemeClr val="tx1"/>
+            </a:solidFill>
+            <a:tailEnd type="triangle"/>
+          </a:ln>
+        </p:spPr>
+        <p:style>
+          <a:lnRef idx="1">
+            <a:schemeClr val="accent1"/>
+          </a:lnRef>
+          <a:fillRef idx="0">
+            <a:schemeClr val="accent1"/>
+          </a:fillRef>
+          <a:effectRef idx="0">
+            <a:schemeClr val="accent1"/>
+          </a:effectRef>
+          <a:fontRef idx="minor">
+            <a:schemeClr val="tx1"/>
+          </a:fontRef>
+        </p:style>
+      </p:cxnSp>
+      <p:cxnSp>
+        <p:nvCxnSpPr>
+          <p:cNvPr id="119" name="Straight Arrow Connector 118"/>
+          <p:cNvCxnSpPr/>
+          <p:nvPr/>
+        </p:nvCxnSpPr>
+        <p:spPr>
+          <a:xfrm flipH="1">
+            <a:off x="7813485" y="4866969"/>
+            <a:ext cx="358560" cy="0"/>
+          </a:xfrm>
+          <a:prstGeom prst="straightConnector1">
+            <a:avLst/>
+          </a:prstGeom>
+          <a:ln w="19050">
+            <a:solidFill>
+              <a:schemeClr val="tx1"/>
+            </a:solidFill>
             <a:tailEnd type="triangle"/>
           </a:ln>
         </p:spPr>

--- a/doc/tex/sdf/simplified_coherent_receiver/figures/Simulation_setup_Rx.pptx
+++ b/doc/tex/sdf/simplified_coherent_receiver/figures/Simulation_setup_Rx.pptx
@@ -243,7 +243,7 @@
           <a:p>
             <a:fld id="{2680F75E-BF8A-4352-8DF2-5712531B63DB}" type="datetimeFigureOut">
               <a:rPr lang="pt-PT" smtClean="0"/>
-              <a:t>18/10/2017</a:t>
+              <a:t>20/10/2017</a:t>
             </a:fld>
             <a:endParaRPr lang="pt-PT"/>
           </a:p>
@@ -413,7 +413,7 @@
           <a:p>
             <a:fld id="{2680F75E-BF8A-4352-8DF2-5712531B63DB}" type="datetimeFigureOut">
               <a:rPr lang="pt-PT" smtClean="0"/>
-              <a:t>18/10/2017</a:t>
+              <a:t>20/10/2017</a:t>
             </a:fld>
             <a:endParaRPr lang="pt-PT"/>
           </a:p>
@@ -593,7 +593,7 @@
           <a:p>
             <a:fld id="{2680F75E-BF8A-4352-8DF2-5712531B63DB}" type="datetimeFigureOut">
               <a:rPr lang="pt-PT" smtClean="0"/>
-              <a:t>18/10/2017</a:t>
+              <a:t>20/10/2017</a:t>
             </a:fld>
             <a:endParaRPr lang="pt-PT"/>
           </a:p>
@@ -763,7 +763,7 @@
           <a:p>
             <a:fld id="{2680F75E-BF8A-4352-8DF2-5712531B63DB}" type="datetimeFigureOut">
               <a:rPr lang="pt-PT" smtClean="0"/>
-              <a:t>18/10/2017</a:t>
+              <a:t>20/10/2017</a:t>
             </a:fld>
             <a:endParaRPr lang="pt-PT"/>
           </a:p>
@@ -1009,7 +1009,7 @@
           <a:p>
             <a:fld id="{2680F75E-BF8A-4352-8DF2-5712531B63DB}" type="datetimeFigureOut">
               <a:rPr lang="pt-PT" smtClean="0"/>
-              <a:t>18/10/2017</a:t>
+              <a:t>20/10/2017</a:t>
             </a:fld>
             <a:endParaRPr lang="pt-PT"/>
           </a:p>
@@ -1241,7 +1241,7 @@
           <a:p>
             <a:fld id="{2680F75E-BF8A-4352-8DF2-5712531B63DB}" type="datetimeFigureOut">
               <a:rPr lang="pt-PT" smtClean="0"/>
-              <a:t>18/10/2017</a:t>
+              <a:t>20/10/2017</a:t>
             </a:fld>
             <a:endParaRPr lang="pt-PT"/>
           </a:p>
@@ -1608,7 +1608,7 @@
           <a:p>
             <a:fld id="{2680F75E-BF8A-4352-8DF2-5712531B63DB}" type="datetimeFigureOut">
               <a:rPr lang="pt-PT" smtClean="0"/>
-              <a:t>18/10/2017</a:t>
+              <a:t>20/10/2017</a:t>
             </a:fld>
             <a:endParaRPr lang="pt-PT"/>
           </a:p>
@@ -1726,7 +1726,7 @@
           <a:p>
             <a:fld id="{2680F75E-BF8A-4352-8DF2-5712531B63DB}" type="datetimeFigureOut">
               <a:rPr lang="pt-PT" smtClean="0"/>
-              <a:t>18/10/2017</a:t>
+              <a:t>20/10/2017</a:t>
             </a:fld>
             <a:endParaRPr lang="pt-PT"/>
           </a:p>
@@ -1821,7 +1821,7 @@
           <a:p>
             <a:fld id="{2680F75E-BF8A-4352-8DF2-5712531B63DB}" type="datetimeFigureOut">
               <a:rPr lang="pt-PT" smtClean="0"/>
-              <a:t>18/10/2017</a:t>
+              <a:t>20/10/2017</a:t>
             </a:fld>
             <a:endParaRPr lang="pt-PT"/>
           </a:p>
@@ -2098,7 +2098,7 @@
           <a:p>
             <a:fld id="{2680F75E-BF8A-4352-8DF2-5712531B63DB}" type="datetimeFigureOut">
               <a:rPr lang="pt-PT" smtClean="0"/>
-              <a:t>18/10/2017</a:t>
+              <a:t>20/10/2017</a:t>
             </a:fld>
             <a:endParaRPr lang="pt-PT"/>
           </a:p>
@@ -2351,7 +2351,7 @@
           <a:p>
             <a:fld id="{2680F75E-BF8A-4352-8DF2-5712531B63DB}" type="datetimeFigureOut">
               <a:rPr lang="pt-PT" smtClean="0"/>
-              <a:t>18/10/2017</a:t>
+              <a:t>20/10/2017</a:t>
             </a:fld>
             <a:endParaRPr lang="pt-PT"/>
           </a:p>
@@ -2564,7 +2564,7 @@
           <a:p>
             <a:fld id="{2680F75E-BF8A-4352-8DF2-5712531B63DB}" type="datetimeFigureOut">
               <a:rPr lang="pt-PT" smtClean="0"/>
-              <a:t>18/10/2017</a:t>
+              <a:t>20/10/2017</a:t>
             </a:fld>
             <a:endParaRPr lang="pt-PT"/>
           </a:p>
@@ -3131,8 +3131,8 @@
           </a:fontRef>
         </p:style>
       </p:cxnSp>
-      <mc:AlternateContent xmlns:mc="http://schemas.openxmlformats.org/markup-compatibility/2006">
-        <mc:Choice xmlns:a14="http://schemas.microsoft.com/office/drawing/2010/main" Requires="a14">
+      <mc:AlternateContent xmlns:mc="http://schemas.openxmlformats.org/markup-compatibility/2006" xmlns:a14="http://schemas.microsoft.com/office/drawing/2010/main">
+        <mc:Choice Requires="a14">
           <p:sp>
             <p:nvSpPr>
               <p:cNvPr id="40" name="Rectangle 39"/>
@@ -3215,7 +3215,7 @@
             </p:txBody>
           </p:sp>
         </mc:Choice>
-        <mc:Fallback>
+        <mc:Fallback xmlns="">
           <p:sp>
             <p:nvSpPr>
               <p:cNvPr id="40" name="Rectangle 39"/>
@@ -3257,8 +3257,8 @@
           </p:sp>
         </mc:Fallback>
       </mc:AlternateContent>
-      <mc:AlternateContent xmlns:mc="http://schemas.openxmlformats.org/markup-compatibility/2006">
-        <mc:Choice xmlns:a14="http://schemas.microsoft.com/office/drawing/2010/main" Requires="a14">
+      <mc:AlternateContent xmlns:mc="http://schemas.openxmlformats.org/markup-compatibility/2006" xmlns:a14="http://schemas.microsoft.com/office/drawing/2010/main">
+        <mc:Choice Requires="a14">
           <p:sp>
             <p:nvSpPr>
               <p:cNvPr id="48" name="Rectangle 47"/>
@@ -3367,7 +3367,7 @@
             </p:txBody>
           </p:sp>
         </mc:Choice>
-        <mc:Fallback>
+        <mc:Fallback xmlns="">
           <p:sp>
             <p:nvSpPr>
               <p:cNvPr id="48" name="Rectangle 47"/>
@@ -3409,8 +3409,8 @@
           </p:sp>
         </mc:Fallback>
       </mc:AlternateContent>
-      <mc:AlternateContent xmlns:mc="http://schemas.openxmlformats.org/markup-compatibility/2006">
-        <mc:Choice xmlns:a14="http://schemas.microsoft.com/office/drawing/2010/main" Requires="a14">
+      <mc:AlternateContent xmlns:mc="http://schemas.openxmlformats.org/markup-compatibility/2006" xmlns:a14="http://schemas.microsoft.com/office/drawing/2010/main">
+        <mc:Choice Requires="a14">
           <p:sp>
             <p:nvSpPr>
               <p:cNvPr id="49" name="TextBox 48"/>
@@ -3460,7 +3460,7 @@
             </p:txBody>
           </p:sp>
         </mc:Choice>
-        <mc:Fallback>
+        <mc:Fallback xmlns="">
           <p:sp>
             <p:nvSpPr>
               <p:cNvPr id="49" name="TextBox 48"/>
@@ -3502,8 +3502,8 @@
           </p:sp>
         </mc:Fallback>
       </mc:AlternateContent>
-      <mc:AlternateContent xmlns:mc="http://schemas.openxmlformats.org/markup-compatibility/2006">
-        <mc:Choice xmlns:a14="http://schemas.microsoft.com/office/drawing/2010/main" Requires="a14">
+      <mc:AlternateContent xmlns:mc="http://schemas.openxmlformats.org/markup-compatibility/2006" xmlns:a14="http://schemas.microsoft.com/office/drawing/2010/main">
+        <mc:Choice Requires="a14">
           <p:sp>
             <p:nvSpPr>
               <p:cNvPr id="110" name="Rectangle 109"/>
@@ -3891,7 +3891,7 @@
             </p:txBody>
           </p:sp>
         </mc:Choice>
-        <mc:Fallback>
+        <mc:Fallback xmlns="">
           <p:sp>
             <p:nvSpPr>
               <p:cNvPr id="110" name="Rectangle 109"/>
@@ -3933,8 +3933,8 @@
           </p:sp>
         </mc:Fallback>
       </mc:AlternateContent>
-      <mc:AlternateContent xmlns:mc="http://schemas.openxmlformats.org/markup-compatibility/2006">
-        <mc:Choice xmlns:a14="http://schemas.microsoft.com/office/drawing/2010/main" Requires="a14">
+      <mc:AlternateContent xmlns:mc="http://schemas.openxmlformats.org/markup-compatibility/2006" xmlns:a14="http://schemas.microsoft.com/office/drawing/2010/main">
+        <mc:Choice Requires="a14">
           <p:sp>
             <p:nvSpPr>
               <p:cNvPr id="126" name="Rectangle 125"/>
@@ -3997,7 +3997,7 @@
             </p:txBody>
           </p:sp>
         </mc:Choice>
-        <mc:Fallback>
+        <mc:Fallback xmlns="">
           <p:sp>
             <p:nvSpPr>
               <p:cNvPr id="126" name="Rectangle 125"/>
@@ -4174,8 +4174,8 @@
           </a:p>
         </p:txBody>
       </p:sp>
-      <mc:AlternateContent xmlns:mc="http://schemas.openxmlformats.org/markup-compatibility/2006">
-        <mc:Choice xmlns:a14="http://schemas.microsoft.com/office/drawing/2010/main" Requires="a14">
+      <mc:AlternateContent xmlns:mc="http://schemas.openxmlformats.org/markup-compatibility/2006" xmlns:a14="http://schemas.microsoft.com/office/drawing/2010/main">
+        <mc:Choice Requires="a14">
           <p:sp>
             <p:nvSpPr>
               <p:cNvPr id="188" name="TextBox 187"/>
@@ -4308,7 +4308,7 @@
             </p:txBody>
           </p:sp>
         </mc:Choice>
-        <mc:Fallback>
+        <mc:Fallback xmlns="">
           <p:sp>
             <p:nvSpPr>
               <p:cNvPr id="188" name="TextBox 187"/>
@@ -4382,8 +4382,8 @@
           </a:p>
         </p:txBody>
       </p:sp>
-      <mc:AlternateContent xmlns:mc="http://schemas.openxmlformats.org/markup-compatibility/2006">
-        <mc:Choice xmlns:a14="http://schemas.microsoft.com/office/drawing/2010/main" Requires="a14">
+      <mc:AlternateContent xmlns:mc="http://schemas.openxmlformats.org/markup-compatibility/2006" xmlns:a14="http://schemas.microsoft.com/office/drawing/2010/main">
+        <mc:Choice Requires="a14">
           <p:sp>
             <p:nvSpPr>
               <p:cNvPr id="81" name="Rectangle 80"/>
@@ -4478,7 +4478,7 @@
             </p:txBody>
           </p:sp>
         </mc:Choice>
-        <mc:Fallback>
+        <mc:Fallback xmlns="">
           <p:sp>
             <p:nvSpPr>
               <p:cNvPr id="81" name="Rectangle 80"/>
@@ -4522,8 +4522,8 @@
           </p:sp>
         </mc:Fallback>
       </mc:AlternateContent>
-      <mc:AlternateContent xmlns:mc="http://schemas.openxmlformats.org/markup-compatibility/2006">
-        <mc:Choice xmlns:a14="http://schemas.microsoft.com/office/drawing/2010/main" Requires="a14">
+      <mc:AlternateContent xmlns:mc="http://schemas.openxmlformats.org/markup-compatibility/2006" xmlns:a14="http://schemas.microsoft.com/office/drawing/2010/main">
+        <mc:Choice Requires="a14">
           <p:sp>
             <p:nvSpPr>
               <p:cNvPr id="2" name="Rectangle 1"/>
@@ -4570,7 +4570,7 @@
             </p:txBody>
           </p:sp>
         </mc:Choice>
-        <mc:Fallback>
+        <mc:Fallback xmlns="">
           <p:sp>
             <p:nvSpPr>
               <p:cNvPr id="2" name="Rectangle 1"/>
@@ -4612,8 +4612,8 @@
           </p:sp>
         </mc:Fallback>
       </mc:AlternateContent>
-      <mc:AlternateContent xmlns:mc="http://schemas.openxmlformats.org/markup-compatibility/2006">
-        <mc:Choice xmlns:a14="http://schemas.microsoft.com/office/drawing/2010/main" Requires="a14">
+      <mc:AlternateContent xmlns:mc="http://schemas.openxmlformats.org/markup-compatibility/2006" xmlns:a14="http://schemas.microsoft.com/office/drawing/2010/main">
+        <mc:Choice Requires="a14">
           <p:sp>
             <p:nvSpPr>
               <p:cNvPr id="17" name="Rectangle 16"/>
@@ -4677,7 +4677,7 @@
             </p:txBody>
           </p:sp>
         </mc:Choice>
-        <mc:Fallback>
+        <mc:Fallback xmlns="">
           <p:sp>
             <p:nvSpPr>
               <p:cNvPr id="17" name="Rectangle 16"/>
@@ -4766,8 +4766,8 @@
           </a:p>
         </p:txBody>
       </p:sp>
-      <mc:AlternateContent xmlns:mc="http://schemas.openxmlformats.org/markup-compatibility/2006">
-        <mc:Choice xmlns:a14="http://schemas.microsoft.com/office/drawing/2010/main" Requires="a14">
+      <mc:AlternateContent xmlns:mc="http://schemas.openxmlformats.org/markup-compatibility/2006" xmlns:a14="http://schemas.microsoft.com/office/drawing/2010/main">
+        <mc:Choice Requires="a14">
           <p:sp>
             <p:nvSpPr>
               <p:cNvPr id="8" name="Rounded Rectangle 7"/>
@@ -4817,7 +4817,7 @@
                         <m:sSupPr>
                           <m:ctrlPr>
                             <a:rPr lang="en-US" sz="1200" b="1" i="1">
-                              <a:latin typeface="+mj-lt"/>
+                              <a:latin typeface="Cambria Math" panose="02040503050406030204" pitchFamily="18" charset="0"/>
                             </a:rPr>
                           </m:ctrlPr>
                         </m:sSupPr>
@@ -4834,7 +4834,7 @@
                           </m:r>
                           <m:r>
                             <a:rPr lang="en-US" sz="1200" b="1" i="1">
-                              <a:latin typeface="+mj-lt"/>
+                              <a:latin typeface="Cambria Math" panose="02040503050406030204" pitchFamily="18" charset="0"/>
                               <a:ea typeface="Cambria Math" panose="02040503050406030204" pitchFamily="18" charset="0"/>
                               <a:cs typeface="Calibri" panose="020F0502020204030204" pitchFamily="34" charset="0"/>
                             </a:rPr>
@@ -4863,7 +4863,7 @@
                         <m:sup>
                           <m:r>
                             <a:rPr lang="en-US" sz="1200" b="1" i="1">
-                              <a:latin typeface="+mj-lt"/>
+                              <a:latin typeface="Cambria Math" panose="02040503050406030204" pitchFamily="18" charset="0"/>
                             </a:rPr>
                             <m:t>𝟐</m:t>
                           </m:r>
@@ -4879,7 +4879,7 @@
             </p:txBody>
           </p:sp>
         </mc:Choice>
-        <mc:Fallback>
+        <mc:Fallback xmlns="">
           <p:sp>
             <p:nvSpPr>
               <p:cNvPr id="8" name="Rounded Rectangle 7"/>
@@ -5421,8 +5421,8 @@
           </a:fontRef>
         </p:style>
       </p:cxnSp>
-      <mc:AlternateContent xmlns:mc="http://schemas.openxmlformats.org/markup-compatibility/2006">
-        <mc:Choice xmlns:a14="http://schemas.microsoft.com/office/drawing/2010/main" Requires="a14">
+      <mc:AlternateContent xmlns:mc="http://schemas.openxmlformats.org/markup-compatibility/2006" xmlns:a14="http://schemas.microsoft.com/office/drawing/2010/main">
+        <mc:Choice Requires="a14">
           <p:sp>
             <p:nvSpPr>
               <p:cNvPr id="94" name="Rounded Rectangle 93"/>
@@ -5513,7 +5513,7 @@
             </p:txBody>
           </p:sp>
         </mc:Choice>
-        <mc:Fallback>
+        <mc:Fallback xmlns="">
           <p:sp>
             <p:nvSpPr>
               <p:cNvPr id="94" name="Rounded Rectangle 93"/>
@@ -5557,8 +5557,8 @@
           </p:sp>
         </mc:Fallback>
       </mc:AlternateContent>
-      <mc:AlternateContent xmlns:mc="http://schemas.openxmlformats.org/markup-compatibility/2006">
-        <mc:Choice xmlns:a14="http://schemas.microsoft.com/office/drawing/2010/main" Requires="a14">
+      <mc:AlternateContent xmlns:mc="http://schemas.openxmlformats.org/markup-compatibility/2006" xmlns:a14="http://schemas.microsoft.com/office/drawing/2010/main">
+        <mc:Choice Requires="a14">
           <p:sp>
             <p:nvSpPr>
               <p:cNvPr id="106" name="Rounded Rectangle 105"/>
@@ -5630,7 +5630,7 @@
             </p:txBody>
           </p:sp>
         </mc:Choice>
-        <mc:Fallback>
+        <mc:Fallback xmlns="">
           <p:sp>
             <p:nvSpPr>
               <p:cNvPr id="106" name="Rounded Rectangle 105"/>
@@ -5674,8 +5674,8 @@
           </p:sp>
         </mc:Fallback>
       </mc:AlternateContent>
-      <mc:AlternateContent xmlns:mc="http://schemas.openxmlformats.org/markup-compatibility/2006">
-        <mc:Choice xmlns:a14="http://schemas.microsoft.com/office/drawing/2010/main" Requires="a14">
+      <mc:AlternateContent xmlns:mc="http://schemas.openxmlformats.org/markup-compatibility/2006" xmlns:a14="http://schemas.microsoft.com/office/drawing/2010/main">
+        <mc:Choice Requires="a14">
           <p:sp>
             <p:nvSpPr>
               <p:cNvPr id="107" name="Rounded Rectangle 106"/>
@@ -5758,7 +5758,7 @@
             </p:txBody>
           </p:sp>
         </mc:Choice>
-        <mc:Fallback>
+        <mc:Fallback xmlns="">
           <p:sp>
             <p:nvSpPr>
               <p:cNvPr id="107" name="Rounded Rectangle 106"/>
@@ -5802,8 +5802,8 @@
           </p:sp>
         </mc:Fallback>
       </mc:AlternateContent>
-      <mc:AlternateContent xmlns:mc="http://schemas.openxmlformats.org/markup-compatibility/2006">
-        <mc:Choice xmlns:a14="http://schemas.microsoft.com/office/drawing/2010/main" Requires="a14">
+      <mc:AlternateContent xmlns:mc="http://schemas.openxmlformats.org/markup-compatibility/2006" xmlns:a14="http://schemas.microsoft.com/office/drawing/2010/main">
+        <mc:Choice Requires="a14">
           <p:sp>
             <p:nvSpPr>
               <p:cNvPr id="108" name="Rounded Rectangle 107"/>
@@ -5866,7 +5866,7 @@
             </p:txBody>
           </p:sp>
         </mc:Choice>
-        <mc:Fallback>
+        <mc:Fallback xmlns="">
           <p:sp>
             <p:nvSpPr>
               <p:cNvPr id="108" name="Rounded Rectangle 107"/>
@@ -5910,8 +5910,8 @@
           </p:sp>
         </mc:Fallback>
       </mc:AlternateContent>
-      <mc:AlternateContent xmlns:mc="http://schemas.openxmlformats.org/markup-compatibility/2006">
-        <mc:Choice xmlns:a14="http://schemas.microsoft.com/office/drawing/2010/main" Requires="a14">
+      <mc:AlternateContent xmlns:mc="http://schemas.openxmlformats.org/markup-compatibility/2006" xmlns:a14="http://schemas.microsoft.com/office/drawing/2010/main">
+        <mc:Choice Requires="a14">
           <p:sp>
             <p:nvSpPr>
               <p:cNvPr id="109" name="Rounded Rectangle 108"/>
@@ -5974,7 +5974,7 @@
             </p:txBody>
           </p:sp>
         </mc:Choice>
-        <mc:Fallback>
+        <mc:Fallback xmlns="">
           <p:sp>
             <p:nvSpPr>
               <p:cNvPr id="109" name="Rounded Rectangle 108"/>
@@ -6018,8 +6018,8 @@
           </p:sp>
         </mc:Fallback>
       </mc:AlternateContent>
-      <mc:AlternateContent xmlns:mc="http://schemas.openxmlformats.org/markup-compatibility/2006">
-        <mc:Choice xmlns:a14="http://schemas.microsoft.com/office/drawing/2010/main" Requires="a14">
+      <mc:AlternateContent xmlns:mc="http://schemas.openxmlformats.org/markup-compatibility/2006" xmlns:a14="http://schemas.microsoft.com/office/drawing/2010/main">
+        <mc:Choice Requires="a14">
           <p:sp>
             <p:nvSpPr>
               <p:cNvPr id="111" name="Rounded Rectangle 110"/>
@@ -6100,7 +6100,7 @@
             </p:txBody>
           </p:sp>
         </mc:Choice>
-        <mc:Fallback>
+        <mc:Fallback xmlns="">
           <p:sp>
             <p:nvSpPr>
               <p:cNvPr id="111" name="Rounded Rectangle 110"/>
@@ -6144,8 +6144,8 @@
           </p:sp>
         </mc:Fallback>
       </mc:AlternateContent>
-      <mc:AlternateContent xmlns:mc="http://schemas.openxmlformats.org/markup-compatibility/2006">
-        <mc:Choice xmlns:a14="http://schemas.microsoft.com/office/drawing/2010/main" Requires="a14">
+      <mc:AlternateContent xmlns:mc="http://schemas.openxmlformats.org/markup-compatibility/2006" xmlns:a14="http://schemas.microsoft.com/office/drawing/2010/main">
+        <mc:Choice Requires="a14">
           <p:sp>
             <p:nvSpPr>
               <p:cNvPr id="99" name="Rounded Rectangle 98"/>
@@ -6195,14 +6195,14 @@
                         <m:sSupPr>
                           <m:ctrlPr>
                             <a:rPr lang="en-US" sz="1200" b="1" i="1">
-                              <a:latin typeface="+mj-lt"/>
+                              <a:latin typeface="Cambria Math" panose="02040503050406030204" pitchFamily="18" charset="0"/>
                             </a:rPr>
                           </m:ctrlPr>
                         </m:sSupPr>
                         <m:e>
                           <m:r>
                             <a:rPr lang="en-US" sz="1200" b="1" i="1" dirty="0">
-                              <a:latin typeface="+mj-lt"/>
+                              <a:latin typeface="Cambria Math" panose="02040503050406030204" pitchFamily="18" charset="0"/>
                               <a:cs typeface="Calibri" panose="020F0502020204030204" pitchFamily="34" charset="0"/>
                             </a:rPr>
                             <m:t>𝐂𝐃</m:t>
@@ -6220,13 +6220,13 @@
                         <m:sup>
                           <m:r>
                             <a:rPr lang="en-US" sz="1200" b="1" dirty="0">
-                              <a:latin typeface="+mj-lt"/>
+                              <a:latin typeface="Cambria Math" panose="02040503050406030204" pitchFamily="18" charset="0"/>
                             </a:rPr>
                             <m:t>−</m:t>
                           </m:r>
                           <m:r>
                             <a:rPr lang="en-US" sz="1200" b="1" i="1" dirty="0">
-                              <a:latin typeface="+mj-lt"/>
+                              <a:latin typeface="Cambria Math" panose="02040503050406030204" pitchFamily="18" charset="0"/>
                             </a:rPr>
                             <m:t>𝟏</m:t>
                           </m:r>
@@ -6242,7 +6242,7 @@
             </p:txBody>
           </p:sp>
         </mc:Choice>
-        <mc:Fallback>
+        <mc:Fallback xmlns="">
           <p:sp>
             <p:nvSpPr>
               <p:cNvPr id="99" name="Rounded Rectangle 98"/>
@@ -6409,6 +6409,44 @@
           </a:fillRef>
           <a:effectRef idx="0">
             <a:schemeClr val="accent1"/>
+          </a:effectRef>
+          <a:fontRef idx="minor">
+            <a:schemeClr val="tx1"/>
+          </a:fontRef>
+        </p:style>
+      </p:cxnSp>
+      <p:cxnSp>
+        <p:nvCxnSpPr>
+          <p:cNvPr id="7" name="Elbow Connector 6"/>
+          <p:cNvCxnSpPr>
+            <a:endCxn id="86" idx="0"/>
+          </p:cNvCxnSpPr>
+          <p:nvPr/>
+        </p:nvCxnSpPr>
+        <p:spPr>
+          <a:xfrm flipV="1">
+            <a:off x="5067656" y="1938455"/>
+            <a:ext cx="6283599" cy="162258"/>
+          </a:xfrm>
+          <a:prstGeom prst="bentConnector4">
+            <a:avLst>
+              <a:gd name="adj1" fmla="val 39"/>
+              <a:gd name="adj2" fmla="val 240887"/>
+            </a:avLst>
+          </a:prstGeom>
+          <a:ln w="19050">
+            <a:tailEnd type="triangle"/>
+          </a:ln>
+        </p:spPr>
+        <p:style>
+          <a:lnRef idx="1">
+            <a:schemeClr val="dk1"/>
+          </a:lnRef>
+          <a:fillRef idx="0">
+            <a:schemeClr val="dk1"/>
+          </a:fillRef>
+          <a:effectRef idx="0">
+            <a:schemeClr val="dk1"/>
           </a:effectRef>
           <a:fontRef idx="minor">
             <a:schemeClr val="tx1"/>

--- a/doc/tex/sdf/simplified_coherent_receiver/figures/Simulation_setup_Rx.pptx
+++ b/doc/tex/sdf/simplified_coherent_receiver/figures/Simulation_setup_Rx.pptx
@@ -243,7 +243,7 @@
           <a:p>
             <a:fld id="{2680F75E-BF8A-4352-8DF2-5712531B63DB}" type="datetimeFigureOut">
               <a:rPr lang="pt-PT" smtClean="0"/>
-              <a:t>20/10/2017</a:t>
+              <a:t>02/11/2017</a:t>
             </a:fld>
             <a:endParaRPr lang="pt-PT"/>
           </a:p>
@@ -413,7 +413,7 @@
           <a:p>
             <a:fld id="{2680F75E-BF8A-4352-8DF2-5712531B63DB}" type="datetimeFigureOut">
               <a:rPr lang="pt-PT" smtClean="0"/>
-              <a:t>20/10/2017</a:t>
+              <a:t>02/11/2017</a:t>
             </a:fld>
             <a:endParaRPr lang="pt-PT"/>
           </a:p>
@@ -593,7 +593,7 @@
           <a:p>
             <a:fld id="{2680F75E-BF8A-4352-8DF2-5712531B63DB}" type="datetimeFigureOut">
               <a:rPr lang="pt-PT" smtClean="0"/>
-              <a:t>20/10/2017</a:t>
+              <a:t>02/11/2017</a:t>
             </a:fld>
             <a:endParaRPr lang="pt-PT"/>
           </a:p>
@@ -763,7 +763,7 @@
           <a:p>
             <a:fld id="{2680F75E-BF8A-4352-8DF2-5712531B63DB}" type="datetimeFigureOut">
               <a:rPr lang="pt-PT" smtClean="0"/>
-              <a:t>20/10/2017</a:t>
+              <a:t>02/11/2017</a:t>
             </a:fld>
             <a:endParaRPr lang="pt-PT"/>
           </a:p>
@@ -1009,7 +1009,7 @@
           <a:p>
             <a:fld id="{2680F75E-BF8A-4352-8DF2-5712531B63DB}" type="datetimeFigureOut">
               <a:rPr lang="pt-PT" smtClean="0"/>
-              <a:t>20/10/2017</a:t>
+              <a:t>02/11/2017</a:t>
             </a:fld>
             <a:endParaRPr lang="pt-PT"/>
           </a:p>
@@ -1241,7 +1241,7 @@
           <a:p>
             <a:fld id="{2680F75E-BF8A-4352-8DF2-5712531B63DB}" type="datetimeFigureOut">
               <a:rPr lang="pt-PT" smtClean="0"/>
-              <a:t>20/10/2017</a:t>
+              <a:t>02/11/2017</a:t>
             </a:fld>
             <a:endParaRPr lang="pt-PT"/>
           </a:p>
@@ -1608,7 +1608,7 @@
           <a:p>
             <a:fld id="{2680F75E-BF8A-4352-8DF2-5712531B63DB}" type="datetimeFigureOut">
               <a:rPr lang="pt-PT" smtClean="0"/>
-              <a:t>20/10/2017</a:t>
+              <a:t>02/11/2017</a:t>
             </a:fld>
             <a:endParaRPr lang="pt-PT"/>
           </a:p>
@@ -1726,7 +1726,7 @@
           <a:p>
             <a:fld id="{2680F75E-BF8A-4352-8DF2-5712531B63DB}" type="datetimeFigureOut">
               <a:rPr lang="pt-PT" smtClean="0"/>
-              <a:t>20/10/2017</a:t>
+              <a:t>02/11/2017</a:t>
             </a:fld>
             <a:endParaRPr lang="pt-PT"/>
           </a:p>
@@ -1821,7 +1821,7 @@
           <a:p>
             <a:fld id="{2680F75E-BF8A-4352-8DF2-5712531B63DB}" type="datetimeFigureOut">
               <a:rPr lang="pt-PT" smtClean="0"/>
-              <a:t>20/10/2017</a:t>
+              <a:t>02/11/2017</a:t>
             </a:fld>
             <a:endParaRPr lang="pt-PT"/>
           </a:p>
@@ -2098,7 +2098,7 @@
           <a:p>
             <a:fld id="{2680F75E-BF8A-4352-8DF2-5712531B63DB}" type="datetimeFigureOut">
               <a:rPr lang="pt-PT" smtClean="0"/>
-              <a:t>20/10/2017</a:t>
+              <a:t>02/11/2017</a:t>
             </a:fld>
             <a:endParaRPr lang="pt-PT"/>
           </a:p>
@@ -2351,7 +2351,7 @@
           <a:p>
             <a:fld id="{2680F75E-BF8A-4352-8DF2-5712531B63DB}" type="datetimeFigureOut">
               <a:rPr lang="pt-PT" smtClean="0"/>
-              <a:t>20/10/2017</a:t>
+              <a:t>02/11/2017</a:t>
             </a:fld>
             <a:endParaRPr lang="pt-PT"/>
           </a:p>
@@ -2564,7 +2564,7 @@
           <a:p>
             <a:fld id="{2680F75E-BF8A-4352-8DF2-5712531B63DB}" type="datetimeFigureOut">
               <a:rPr lang="pt-PT" smtClean="0"/>
-              <a:t>20/10/2017</a:t>
+              <a:t>02/11/2017</a:t>
             </a:fld>
             <a:endParaRPr lang="pt-PT"/>
           </a:p>
@@ -4964,7 +4964,7 @@
             <a:pPr algn="ctr"/>
             <a:r>
               <a:rPr lang="en-US" sz="1200" dirty="0" smtClean="0"/>
-              <a:t>COUPLER</a:t>
+              <a:t>ADC</a:t>
             </a:r>
             <a:endParaRPr lang="en-US" sz="1200" dirty="0"/>
           </a:p>
